--- a/Bank Marketing.pptx
+++ b/Bank Marketing.pptx
@@ -22,9 +22,8 @@
     <p:sldId id="271" r:id="rId16"/>
     <p:sldId id="270" r:id="rId17"/>
     <p:sldId id="269" r:id="rId18"/>
-    <p:sldId id="262" r:id="rId19"/>
-    <p:sldId id="263" r:id="rId20"/>
-    <p:sldId id="268" r:id="rId21"/>
+    <p:sldId id="263" r:id="rId19"/>
+    <p:sldId id="268" r:id="rId20"/>
   </p:sldIdLst>
   <p:sldSz cx="12192000" cy="6858000"/>
   <p:notesSz cx="6858000" cy="9144000"/>
@@ -136,7 +135,7 @@
   <pc:docChgLst>
     <pc:chgData name="Roy Shabaya" userId="aa0dbd3e755b963d" providerId="LiveId" clId="{B9ACF7BD-9B4D-4855-844E-6900B8EDEA6A}"/>
     <pc:docChg chg="undo redo custSel addSld delSld modSld sldOrd">
-      <pc:chgData name="Roy Shabaya" userId="aa0dbd3e755b963d" providerId="LiveId" clId="{B9ACF7BD-9B4D-4855-844E-6900B8EDEA6A}" dt="2018-04-13T22:08:37.190" v="5532" actId="20577"/>
+      <pc:chgData name="Roy Shabaya" userId="aa0dbd3e755b963d" providerId="LiveId" clId="{B9ACF7BD-9B4D-4855-844E-6900B8EDEA6A}" dt="2018-04-20T15:55:30.629" v="9158" actId="14826"/>
       <pc:docMkLst>
         <pc:docMk/>
       </pc:docMkLst>
@@ -204,13 +203,13 @@
         </pc:spChg>
       </pc:sldChg>
       <pc:sldChg chg="modSp">
-        <pc:chgData name="Roy Shabaya" userId="aa0dbd3e755b963d" providerId="LiveId" clId="{B9ACF7BD-9B4D-4855-844E-6900B8EDEA6A}" dt="2018-04-13T20:42:22.533" v="5226" actId="20577"/>
+        <pc:chgData name="Roy Shabaya" userId="aa0dbd3e755b963d" providerId="LiveId" clId="{B9ACF7BD-9B4D-4855-844E-6900B8EDEA6A}" dt="2018-04-20T02:08:19.411" v="8558" actId="20577"/>
         <pc:sldMkLst>
           <pc:docMk/>
           <pc:sldMk cId="4191326613" sldId="257"/>
         </pc:sldMkLst>
         <pc:spChg chg="mod">
-          <ac:chgData name="Roy Shabaya" userId="aa0dbd3e755b963d" providerId="LiveId" clId="{B9ACF7BD-9B4D-4855-844E-6900B8EDEA6A}" dt="2018-04-13T20:42:22.533" v="5226" actId="20577"/>
+          <ac:chgData name="Roy Shabaya" userId="aa0dbd3e755b963d" providerId="LiveId" clId="{B9ACF7BD-9B4D-4855-844E-6900B8EDEA6A}" dt="2018-04-20T02:08:19.411" v="8558" actId="20577"/>
           <ac:spMkLst>
             <pc:docMk/>
             <pc:sldMk cId="4191326613" sldId="257"/>
@@ -219,7 +218,7 @@
         </pc:spChg>
       </pc:sldChg>
       <pc:sldChg chg="addSp delSp modSp mod setBg">
-        <pc:chgData name="Roy Shabaya" userId="aa0dbd3e755b963d" providerId="LiveId" clId="{B9ACF7BD-9B4D-4855-844E-6900B8EDEA6A}" dt="2018-04-11T23:50:48.210" v="1609" actId="20577"/>
+        <pc:chgData name="Roy Shabaya" userId="aa0dbd3e755b963d" providerId="LiveId" clId="{B9ACF7BD-9B4D-4855-844E-6900B8EDEA6A}" dt="2018-04-20T02:37:39.492" v="8629" actId="20577"/>
         <pc:sldMkLst>
           <pc:docMk/>
           <pc:sldMk cId="248346468" sldId="258"/>
@@ -249,7 +248,7 @@
           </ac:spMkLst>
         </pc:spChg>
         <pc:spChg chg="add mod">
-          <ac:chgData name="Roy Shabaya" userId="aa0dbd3e755b963d" providerId="LiveId" clId="{B9ACF7BD-9B4D-4855-844E-6900B8EDEA6A}" dt="2018-04-11T23:50:48.210" v="1609" actId="20577"/>
+          <ac:chgData name="Roy Shabaya" userId="aa0dbd3e755b963d" providerId="LiveId" clId="{B9ACF7BD-9B4D-4855-844E-6900B8EDEA6A}" dt="2018-04-20T02:37:39.492" v="8629" actId="20577"/>
           <ac:spMkLst>
             <pc:docMk/>
             <pc:sldMk cId="248346468" sldId="258"/>
@@ -330,7 +329,7 @@
         </pc:cxnChg>
       </pc:sldChg>
       <pc:sldChg chg="addSp delSp modSp">
-        <pc:chgData name="Roy Shabaya" userId="aa0dbd3e755b963d" providerId="LiveId" clId="{B9ACF7BD-9B4D-4855-844E-6900B8EDEA6A}" dt="2018-04-13T21:41:05.817" v="5417" actId="20577"/>
+        <pc:chgData name="Roy Shabaya" userId="aa0dbd3e755b963d" providerId="LiveId" clId="{B9ACF7BD-9B4D-4855-844E-6900B8EDEA6A}" dt="2018-04-20T02:41:28.027" v="8640" actId="14100"/>
         <pc:sldMkLst>
           <pc:docMk/>
           <pc:sldMk cId="2564531582" sldId="259"/>
@@ -344,7 +343,7 @@
           </ac:spMkLst>
         </pc:spChg>
         <pc:spChg chg="mod">
-          <ac:chgData name="Roy Shabaya" userId="aa0dbd3e755b963d" providerId="LiveId" clId="{B9ACF7BD-9B4D-4855-844E-6900B8EDEA6A}" dt="2018-04-13T21:41:05.817" v="5417" actId="20577"/>
+          <ac:chgData name="Roy Shabaya" userId="aa0dbd3e755b963d" providerId="LiveId" clId="{B9ACF7BD-9B4D-4855-844E-6900B8EDEA6A}" dt="2018-04-20T02:23:19.971" v="8617" actId="27636"/>
           <ac:spMkLst>
             <pc:docMk/>
             <pc:sldMk cId="2564531582" sldId="259"/>
@@ -360,7 +359,15 @@
           </ac:spMkLst>
         </pc:spChg>
         <pc:picChg chg="add mod">
-          <ac:chgData name="Roy Shabaya" userId="aa0dbd3e755b963d" providerId="LiveId" clId="{B9ACF7BD-9B4D-4855-844E-6900B8EDEA6A}" dt="2018-04-11T02:09:21.511" v="1286" actId="14100"/>
+          <ac:chgData name="Roy Shabaya" userId="aa0dbd3e755b963d" providerId="LiveId" clId="{B9ACF7BD-9B4D-4855-844E-6900B8EDEA6A}" dt="2018-04-20T02:41:28.027" v="8640" actId="14100"/>
+          <ac:picMkLst>
+            <pc:docMk/>
+            <pc:sldMk cId="2564531582" sldId="259"/>
+            <ac:picMk id="4" creationId="{79374124-272A-4852-96FF-DCD25C1BED31}"/>
+          </ac:picMkLst>
+        </pc:picChg>
+        <pc:picChg chg="add del mod">
+          <ac:chgData name="Roy Shabaya" userId="aa0dbd3e755b963d" providerId="LiveId" clId="{B9ACF7BD-9B4D-4855-844E-6900B8EDEA6A}" dt="2018-04-20T02:41:20.648" v="8638" actId="478"/>
           <ac:picMkLst>
             <pc:docMk/>
             <pc:sldMk cId="2564531582" sldId="259"/>
@@ -369,21 +376,37 @@
         </pc:picChg>
       </pc:sldChg>
       <pc:sldChg chg="addSp delSp modSp">
-        <pc:chgData name="Roy Shabaya" userId="aa0dbd3e755b963d" providerId="LiveId" clId="{B9ACF7BD-9B4D-4855-844E-6900B8EDEA6A}" dt="2018-04-11T23:00:05.806" v="1500" actId="14100"/>
+        <pc:chgData name="Roy Shabaya" userId="aa0dbd3e755b963d" providerId="LiveId" clId="{B9ACF7BD-9B4D-4855-844E-6900B8EDEA6A}" dt="2018-04-20T02:52:09.970" v="8903" actId="6549"/>
         <pc:sldMkLst>
           <pc:docMk/>
           <pc:sldMk cId="4278075034" sldId="260"/>
         </pc:sldMkLst>
+        <pc:spChg chg="add del mod">
+          <ac:chgData name="Roy Shabaya" userId="aa0dbd3e755b963d" providerId="LiveId" clId="{B9ACF7BD-9B4D-4855-844E-6900B8EDEA6A}" dt="2018-04-20T00:19:07.168" v="5566" actId="6549"/>
+          <ac:spMkLst>
+            <pc:docMk/>
+            <pc:sldMk cId="4278075034" sldId="260"/>
+            <ac:spMk id="3" creationId="{F4840C37-2F69-4CE2-AD63-F431594DB58D}"/>
+          </ac:spMkLst>
+        </pc:spChg>
         <pc:spChg chg="add del">
-          <ac:chgData name="Roy Shabaya" userId="aa0dbd3e755b963d" providerId="LiveId" clId="{B9ACF7BD-9B4D-4855-844E-6900B8EDEA6A}" dt="2018-04-11T22:17:52.438" v="1312"/>
+          <ac:chgData name="Roy Shabaya" userId="aa0dbd3e755b963d" providerId="LiveId" clId="{B9ACF7BD-9B4D-4855-844E-6900B8EDEA6A}" dt="2018-04-11T22:17:52.438" v="1312" actId="14100"/>
           <ac:spMkLst>
             <pc:docMk/>
             <pc:sldMk cId="4278075034" sldId="260"/>
             <ac:spMk id="3" creationId="{5FAC3C24-7B26-4ED0-853A-27C3B6F5A11C}"/>
           </ac:spMkLst>
         </pc:spChg>
+        <pc:spChg chg="add mod">
+          <ac:chgData name="Roy Shabaya" userId="aa0dbd3e755b963d" providerId="LiveId" clId="{B9ACF7BD-9B4D-4855-844E-6900B8EDEA6A}" dt="2018-04-20T00:41:17.300" v="5957" actId="20577"/>
+          <ac:spMkLst>
+            <pc:docMk/>
+            <pc:sldMk cId="4278075034" sldId="260"/>
+            <ac:spMk id="5" creationId="{0DF22289-F28B-4EC3-8175-A67A85A88513}"/>
+          </ac:spMkLst>
+        </pc:spChg>
         <pc:spChg chg="add del mod">
-          <ac:chgData name="Roy Shabaya" userId="aa0dbd3e755b963d" providerId="LiveId" clId="{B9ACF7BD-9B4D-4855-844E-6900B8EDEA6A}" dt="2018-04-11T22:46:31.450" v="1317"/>
+          <ac:chgData name="Roy Shabaya" userId="aa0dbd3e755b963d" providerId="LiveId" clId="{B9ACF7BD-9B4D-4855-844E-6900B8EDEA6A}" dt="2018-04-11T22:46:31.450" v="1317" actId="14100"/>
           <ac:spMkLst>
             <pc:docMk/>
             <pc:sldMk cId="4278075034" sldId="260"/>
@@ -391,7 +414,7 @@
           </ac:spMkLst>
         </pc:spChg>
         <pc:spChg chg="add del mod">
-          <ac:chgData name="Roy Shabaya" userId="aa0dbd3e755b963d" providerId="LiveId" clId="{B9ACF7BD-9B4D-4855-844E-6900B8EDEA6A}" dt="2018-04-11T22:59:19.856" v="1495"/>
+          <ac:chgData name="Roy Shabaya" userId="aa0dbd3e755b963d" providerId="LiveId" clId="{B9ACF7BD-9B4D-4855-844E-6900B8EDEA6A}" dt="2018-04-11T22:59:19.856" v="1495" actId="14100"/>
           <ac:spMkLst>
             <pc:docMk/>
             <pc:sldMk cId="4278075034" sldId="260"/>
@@ -415,7 +438,7 @@
           </ac:graphicFrameMkLst>
         </pc:graphicFrameChg>
         <pc:graphicFrameChg chg="add mod modGraphic">
-          <ac:chgData name="Roy Shabaya" userId="aa0dbd3e755b963d" providerId="LiveId" clId="{B9ACF7BD-9B4D-4855-844E-6900B8EDEA6A}" dt="2018-04-11T23:00:05.806" v="1500" actId="14100"/>
+          <ac:chgData name="Roy Shabaya" userId="aa0dbd3e755b963d" providerId="LiveId" clId="{B9ACF7BD-9B4D-4855-844E-6900B8EDEA6A}" dt="2018-04-20T02:52:09.970" v="8903" actId="6549"/>
           <ac:graphicFrameMkLst>
             <pc:docMk/>
             <pc:sldMk cId="4278075034" sldId="260"/>
@@ -424,13 +447,13 @@
         </pc:graphicFrameChg>
       </pc:sldChg>
       <pc:sldChg chg="addSp delSp modSp">
-        <pc:chgData name="Roy Shabaya" userId="aa0dbd3e755b963d" providerId="LiveId" clId="{B9ACF7BD-9B4D-4855-844E-6900B8EDEA6A}" dt="2018-04-13T01:34:48.925" v="4731" actId="20577"/>
+        <pc:chgData name="Roy Shabaya" userId="aa0dbd3e755b963d" providerId="LiveId" clId="{B9ACF7BD-9B4D-4855-844E-6900B8EDEA6A}" dt="2018-04-20T02:51:45.494" v="8879" actId="20577"/>
         <pc:sldMkLst>
           <pc:docMk/>
           <pc:sldMk cId="1921652643" sldId="261"/>
         </pc:sldMkLst>
         <pc:spChg chg="del mod">
-          <ac:chgData name="Roy Shabaya" userId="aa0dbd3e755b963d" providerId="LiveId" clId="{B9ACF7BD-9B4D-4855-844E-6900B8EDEA6A}" dt="2018-04-11T22:54:19.991" v="1337"/>
+          <ac:chgData name="Roy Shabaya" userId="aa0dbd3e755b963d" providerId="LiveId" clId="{B9ACF7BD-9B4D-4855-844E-6900B8EDEA6A}" dt="2018-04-11T22:54:19.991" v="1337" actId="20577"/>
           <ac:spMkLst>
             <pc:docMk/>
             <pc:sldMk cId="1921652643" sldId="261"/>
@@ -438,7 +461,7 @@
           </ac:spMkLst>
         </pc:spChg>
         <pc:spChg chg="del">
-          <ac:chgData name="Roy Shabaya" userId="aa0dbd3e755b963d" providerId="LiveId" clId="{B9ACF7BD-9B4D-4855-844E-6900B8EDEA6A}" dt="2018-04-11T22:54:19.991" v="1337"/>
+          <ac:chgData name="Roy Shabaya" userId="aa0dbd3e755b963d" providerId="LiveId" clId="{B9ACF7BD-9B4D-4855-844E-6900B8EDEA6A}" dt="2018-04-11T22:54:19.991" v="1337" actId="20577"/>
           <ac:spMkLst>
             <pc:docMk/>
             <pc:sldMk cId="1921652643" sldId="261"/>
@@ -470,7 +493,7 @@
           </ac:spMkLst>
         </pc:spChg>
         <pc:spChg chg="add mod">
-          <ac:chgData name="Roy Shabaya" userId="aa0dbd3e755b963d" providerId="LiveId" clId="{B9ACF7BD-9B4D-4855-844E-6900B8EDEA6A}" dt="2018-04-13T00:08:29.016" v="2934" actId="20577"/>
+          <ac:chgData name="Roy Shabaya" userId="aa0dbd3e755b963d" providerId="LiveId" clId="{B9ACF7BD-9B4D-4855-844E-6900B8EDEA6A}" dt="2018-04-20T02:51:36.311" v="8849" actId="20577"/>
           <ac:spMkLst>
             <pc:docMk/>
             <pc:sldMk cId="1921652643" sldId="261"/>
@@ -478,7 +501,7 @@
           </ac:spMkLst>
         </pc:spChg>
         <pc:spChg chg="add del mod">
-          <ac:chgData name="Roy Shabaya" userId="aa0dbd3e755b963d" providerId="LiveId" clId="{B9ACF7BD-9B4D-4855-844E-6900B8EDEA6A}" dt="2018-04-12T22:21:49.824" v="1891"/>
+          <ac:chgData name="Roy Shabaya" userId="aa0dbd3e755b963d" providerId="LiveId" clId="{B9ACF7BD-9B4D-4855-844E-6900B8EDEA6A}" dt="2018-04-12T22:21:49.824" v="1891" actId="20577"/>
           <ac:spMkLst>
             <pc:docMk/>
             <pc:sldMk cId="1921652643" sldId="261"/>
@@ -486,7 +509,7 @@
           </ac:spMkLst>
         </pc:spChg>
         <pc:spChg chg="add del mod">
-          <ac:chgData name="Roy Shabaya" userId="aa0dbd3e755b963d" providerId="LiveId" clId="{B9ACF7BD-9B4D-4855-844E-6900B8EDEA6A}" dt="2018-04-12T22:21:49.824" v="1891"/>
+          <ac:chgData name="Roy Shabaya" userId="aa0dbd3e755b963d" providerId="LiveId" clId="{B9ACF7BD-9B4D-4855-844E-6900B8EDEA6A}" dt="2018-04-12T22:21:49.824" v="1891" actId="20577"/>
           <ac:spMkLst>
             <pc:docMk/>
             <pc:sldMk cId="1921652643" sldId="261"/>
@@ -494,7 +517,7 @@
           </ac:spMkLst>
         </pc:spChg>
         <pc:spChg chg="add del mod">
-          <ac:chgData name="Roy Shabaya" userId="aa0dbd3e755b963d" providerId="LiveId" clId="{B9ACF7BD-9B4D-4855-844E-6900B8EDEA6A}" dt="2018-04-12T22:21:49.824" v="1891"/>
+          <ac:chgData name="Roy Shabaya" userId="aa0dbd3e755b963d" providerId="LiveId" clId="{B9ACF7BD-9B4D-4855-844E-6900B8EDEA6A}" dt="2018-04-12T22:21:49.824" v="1891" actId="20577"/>
           <ac:spMkLst>
             <pc:docMk/>
             <pc:sldMk cId="1921652643" sldId="261"/>
@@ -502,7 +525,7 @@
           </ac:spMkLst>
         </pc:spChg>
         <pc:spChg chg="add mod">
-          <ac:chgData name="Roy Shabaya" userId="aa0dbd3e755b963d" providerId="LiveId" clId="{B9ACF7BD-9B4D-4855-844E-6900B8EDEA6A}" dt="2018-04-12T22:21:49.824" v="1891"/>
+          <ac:chgData name="Roy Shabaya" userId="aa0dbd3e755b963d" providerId="LiveId" clId="{B9ACF7BD-9B4D-4855-844E-6900B8EDEA6A}" dt="2018-04-20T02:51:45.494" v="8879" actId="20577"/>
           <ac:spMkLst>
             <pc:docMk/>
             <pc:sldMk cId="1921652643" sldId="261"/>
@@ -510,8 +533,8 @@
           </ac:spMkLst>
         </pc:spChg>
       </pc:sldChg>
-      <pc:sldChg chg="modSp">
-        <pc:chgData name="Roy Shabaya" userId="aa0dbd3e755b963d" providerId="LiveId" clId="{B9ACF7BD-9B4D-4855-844E-6900B8EDEA6A}" dt="2018-04-11T00:34:18.276" v="149" actId="20577"/>
+      <pc:sldChg chg="modSp del">
+        <pc:chgData name="Roy Shabaya" userId="aa0dbd3e755b963d" providerId="LiveId" clId="{B9ACF7BD-9B4D-4855-844E-6900B8EDEA6A}" dt="2018-04-20T01:59:07.435" v="7634" actId="2696"/>
         <pc:sldMkLst>
           <pc:docMk/>
           <pc:sldMk cId="562104224" sldId="262"/>
@@ -525,8 +548,23 @@
           </ac:spMkLst>
         </pc:spChg>
       </pc:sldChg>
+      <pc:sldChg chg="modSp">
+        <pc:chgData name="Roy Shabaya" userId="aa0dbd3e755b963d" providerId="LiveId" clId="{B9ACF7BD-9B4D-4855-844E-6900B8EDEA6A}" dt="2018-04-20T02:05:49.718" v="8551" actId="20577"/>
+        <pc:sldMkLst>
+          <pc:docMk/>
+          <pc:sldMk cId="2115083516" sldId="263"/>
+        </pc:sldMkLst>
+        <pc:spChg chg="mod">
+          <ac:chgData name="Roy Shabaya" userId="aa0dbd3e755b963d" providerId="LiveId" clId="{B9ACF7BD-9B4D-4855-844E-6900B8EDEA6A}" dt="2018-04-20T02:05:49.718" v="8551" actId="20577"/>
+          <ac:spMkLst>
+            <pc:docMk/>
+            <pc:sldMk cId="2115083516" sldId="263"/>
+            <ac:spMk id="3" creationId="{2E19BCA5-7B77-4952-92D3-7EE99DE66485}"/>
+          </ac:spMkLst>
+        </pc:spChg>
+      </pc:sldChg>
       <pc:sldChg chg="addSp delSp modSp add ord">
-        <pc:chgData name="Roy Shabaya" userId="aa0dbd3e755b963d" providerId="LiveId" clId="{B9ACF7BD-9B4D-4855-844E-6900B8EDEA6A}" dt="2018-04-13T04:20:21.194" v="5224" actId="20577"/>
+        <pc:chgData name="Roy Shabaya" userId="aa0dbd3e755b963d" providerId="LiveId" clId="{B9ACF7BD-9B4D-4855-844E-6900B8EDEA6A}" dt="2018-04-20T15:55:30.629" v="9158" actId="14826"/>
         <pc:sldMkLst>
           <pc:docMk/>
           <pc:sldMk cId="1755427021" sldId="264"/>
@@ -564,7 +602,7 @@
           </ac:spMkLst>
         </pc:spChg>
         <pc:spChg chg="add mod">
-          <ac:chgData name="Roy Shabaya" userId="aa0dbd3e755b963d" providerId="LiveId" clId="{B9ACF7BD-9B4D-4855-844E-6900B8EDEA6A}" dt="2018-04-11T00:55:02.188" v="730" actId="20577"/>
+          <ac:chgData name="Roy Shabaya" userId="aa0dbd3e755b963d" providerId="LiveId" clId="{B9ACF7BD-9B4D-4855-844E-6900B8EDEA6A}" dt="2018-04-20T15:54:15.404" v="9155" actId="20577"/>
           <ac:spMkLst>
             <pc:docMk/>
             <pc:sldMk cId="1755427021" sldId="264"/>
@@ -580,7 +618,7 @@
           </ac:spMkLst>
         </pc:spChg>
         <pc:picChg chg="add mod">
-          <ac:chgData name="Roy Shabaya" userId="aa0dbd3e755b963d" providerId="LiveId" clId="{B9ACF7BD-9B4D-4855-844E-6900B8EDEA6A}" dt="2018-04-11T00:50:52.862" v="189" actId="14826"/>
+          <ac:chgData name="Roy Shabaya" userId="aa0dbd3e755b963d" providerId="LiveId" clId="{B9ACF7BD-9B4D-4855-844E-6900B8EDEA6A}" dt="2018-04-20T15:55:30.629" v="9158" actId="14826"/>
           <ac:picMkLst>
             <pc:docMk/>
             <pc:sldMk cId="1755427021" sldId="264"/>
@@ -588,7 +626,7 @@
           </ac:picMkLst>
         </pc:picChg>
         <pc:picChg chg="add mod">
-          <ac:chgData name="Roy Shabaya" userId="aa0dbd3e755b963d" providerId="LiveId" clId="{B9ACF7BD-9B4D-4855-844E-6900B8EDEA6A}" dt="2018-04-11T00:52:24.697" v="216" actId="1076"/>
+          <ac:chgData name="Roy Shabaya" userId="aa0dbd3e755b963d" providerId="LiveId" clId="{B9ACF7BD-9B4D-4855-844E-6900B8EDEA6A}" dt="2018-04-20T02:13:43.626" v="8590" actId="14826"/>
           <ac:picMkLst>
             <pc:docMk/>
             <pc:sldMk cId="1755427021" sldId="264"/>
@@ -689,8 +727,8 @@
           </ac:picMkLst>
         </pc:picChg>
       </pc:sldChg>
-      <pc:sldChg chg="modSp add">
-        <pc:chgData name="Roy Shabaya" userId="aa0dbd3e755b963d" providerId="LiveId" clId="{B9ACF7BD-9B4D-4855-844E-6900B8EDEA6A}" dt="2018-04-11T01:32:59.616" v="1232" actId="20577"/>
+      <pc:sldChg chg="delSp modSp add">
+        <pc:chgData name="Roy Shabaya" userId="aa0dbd3e755b963d" providerId="LiveId" clId="{B9ACF7BD-9B4D-4855-844E-6900B8EDEA6A}" dt="2018-04-20T02:05:59.834" v="8552" actId="478"/>
         <pc:sldMkLst>
           <pc:docMk/>
           <pc:sldMk cId="211389930" sldId="268"/>
@@ -703,9 +741,17 @@
             <ac:spMk id="2" creationId="{5DCE5D67-69C6-45B2-9A56-61EFE8C964B4}"/>
           </ac:spMkLst>
         </pc:spChg>
+        <pc:spChg chg="del">
+          <ac:chgData name="Roy Shabaya" userId="aa0dbd3e755b963d" providerId="LiveId" clId="{B9ACF7BD-9B4D-4855-844E-6900B8EDEA6A}" dt="2018-04-20T02:05:59.834" v="8552" actId="478"/>
+          <ac:spMkLst>
+            <pc:docMk/>
+            <pc:sldMk cId="211389930" sldId="268"/>
+            <ac:spMk id="3" creationId="{BF4ACCEF-B406-4CD4-B30E-CC111E7F7065}"/>
+          </ac:spMkLst>
+        </pc:spChg>
       </pc:sldChg>
       <pc:sldChg chg="addSp delSp modSp add">
-        <pc:chgData name="Roy Shabaya" userId="aa0dbd3e755b963d" providerId="LiveId" clId="{B9ACF7BD-9B4D-4855-844E-6900B8EDEA6A}" dt="2018-04-13T22:08:37.190" v="5532" actId="20577"/>
+        <pc:chgData name="Roy Shabaya" userId="aa0dbd3e755b963d" providerId="LiveId" clId="{B9ACF7BD-9B4D-4855-844E-6900B8EDEA6A}" dt="2018-04-20T01:40:01.871" v="7029" actId="20577"/>
         <pc:sldMkLst>
           <pc:docMk/>
           <pc:sldMk cId="3986397924" sldId="269"/>
@@ -719,7 +765,7 @@
           </ac:spMkLst>
         </pc:spChg>
         <pc:spChg chg="del">
-          <ac:chgData name="Roy Shabaya" userId="aa0dbd3e755b963d" providerId="LiveId" clId="{B9ACF7BD-9B4D-4855-844E-6900B8EDEA6A}" dt="2018-04-12T22:04:36.604" v="1635"/>
+          <ac:chgData name="Roy Shabaya" userId="aa0dbd3e755b963d" providerId="LiveId" clId="{B9ACF7BD-9B4D-4855-844E-6900B8EDEA6A}" dt="2018-04-12T22:04:36.604" v="1635" actId="20577"/>
           <ac:spMkLst>
             <pc:docMk/>
             <pc:sldMk cId="3986397924" sldId="269"/>
@@ -727,7 +773,7 @@
           </ac:spMkLst>
         </pc:spChg>
         <pc:spChg chg="del">
-          <ac:chgData name="Roy Shabaya" userId="aa0dbd3e755b963d" providerId="LiveId" clId="{B9ACF7BD-9B4D-4855-844E-6900B8EDEA6A}" dt="2018-04-12T22:04:36.604" v="1635"/>
+          <ac:chgData name="Roy Shabaya" userId="aa0dbd3e755b963d" providerId="LiveId" clId="{B9ACF7BD-9B4D-4855-844E-6900B8EDEA6A}" dt="2018-04-12T22:04:36.604" v="1635" actId="20577"/>
           <ac:spMkLst>
             <pc:docMk/>
             <pc:sldMk cId="3986397924" sldId="269"/>
@@ -735,7 +781,7 @@
           </ac:spMkLst>
         </pc:spChg>
         <pc:spChg chg="del">
-          <ac:chgData name="Roy Shabaya" userId="aa0dbd3e755b963d" providerId="LiveId" clId="{B9ACF7BD-9B4D-4855-844E-6900B8EDEA6A}" dt="2018-04-12T22:04:36.604" v="1635"/>
+          <ac:chgData name="Roy Shabaya" userId="aa0dbd3e755b963d" providerId="LiveId" clId="{B9ACF7BD-9B4D-4855-844E-6900B8EDEA6A}" dt="2018-04-12T22:04:36.604" v="1635" actId="20577"/>
           <ac:spMkLst>
             <pc:docMk/>
             <pc:sldMk cId="3986397924" sldId="269"/>
@@ -743,7 +789,7 @@
           </ac:spMkLst>
         </pc:spChg>
         <pc:spChg chg="del">
-          <ac:chgData name="Roy Shabaya" userId="aa0dbd3e755b963d" providerId="LiveId" clId="{B9ACF7BD-9B4D-4855-844E-6900B8EDEA6A}" dt="2018-04-12T22:04:36.604" v="1635"/>
+          <ac:chgData name="Roy Shabaya" userId="aa0dbd3e755b963d" providerId="LiveId" clId="{B9ACF7BD-9B4D-4855-844E-6900B8EDEA6A}" dt="2018-04-12T22:04:36.604" v="1635" actId="20577"/>
           <ac:spMkLst>
             <pc:docMk/>
             <pc:sldMk cId="3986397924" sldId="269"/>
@@ -751,7 +797,7 @@
           </ac:spMkLst>
         </pc:spChg>
         <pc:spChg chg="del">
-          <ac:chgData name="Roy Shabaya" userId="aa0dbd3e755b963d" providerId="LiveId" clId="{B9ACF7BD-9B4D-4855-844E-6900B8EDEA6A}" dt="2018-04-12T22:04:36.604" v="1635"/>
+          <ac:chgData name="Roy Shabaya" userId="aa0dbd3e755b963d" providerId="LiveId" clId="{B9ACF7BD-9B4D-4855-844E-6900B8EDEA6A}" dt="2018-04-12T22:04:36.604" v="1635" actId="20577"/>
           <ac:spMkLst>
             <pc:docMk/>
             <pc:sldMk cId="3986397924" sldId="269"/>
@@ -759,7 +805,7 @@
           </ac:spMkLst>
         </pc:spChg>
         <pc:spChg chg="del">
-          <ac:chgData name="Roy Shabaya" userId="aa0dbd3e755b963d" providerId="LiveId" clId="{B9ACF7BD-9B4D-4855-844E-6900B8EDEA6A}" dt="2018-04-12T22:04:36.604" v="1635"/>
+          <ac:chgData name="Roy Shabaya" userId="aa0dbd3e755b963d" providerId="LiveId" clId="{B9ACF7BD-9B4D-4855-844E-6900B8EDEA6A}" dt="2018-04-12T22:04:36.604" v="1635" actId="20577"/>
           <ac:spMkLst>
             <pc:docMk/>
             <pc:sldMk cId="3986397924" sldId="269"/>
@@ -775,7 +821,7 @@
           </ac:spMkLst>
         </pc:spChg>
         <pc:spChg chg="add mod">
-          <ac:chgData name="Roy Shabaya" userId="aa0dbd3e755b963d" providerId="LiveId" clId="{B9ACF7BD-9B4D-4855-844E-6900B8EDEA6A}" dt="2018-04-13T22:08:37.190" v="5532" actId="20577"/>
+          <ac:chgData name="Roy Shabaya" userId="aa0dbd3e755b963d" providerId="LiveId" clId="{B9ACF7BD-9B4D-4855-844E-6900B8EDEA6A}" dt="2018-04-20T01:40:01.871" v="7029" actId="20577"/>
           <ac:spMkLst>
             <pc:docMk/>
             <pc:sldMk cId="3986397924" sldId="269"/>
@@ -791,7 +837,7 @@
           </ac:spMkLst>
         </pc:spChg>
         <pc:spChg chg="add mod">
-          <ac:chgData name="Roy Shabaya" userId="aa0dbd3e755b963d" providerId="LiveId" clId="{B9ACF7BD-9B4D-4855-844E-6900B8EDEA6A}" dt="2018-04-12T22:04:36.604" v="1635"/>
+          <ac:chgData name="Roy Shabaya" userId="aa0dbd3e755b963d" providerId="LiveId" clId="{B9ACF7BD-9B4D-4855-844E-6900B8EDEA6A}" dt="2018-04-20T01:32:39.295" v="7028" actId="20577"/>
           <ac:spMkLst>
             <pc:docMk/>
             <pc:sldMk cId="3986397924" sldId="269"/>
@@ -800,7 +846,7 @@
         </pc:spChg>
       </pc:sldChg>
       <pc:sldChg chg="addSp delSp modSp add">
-        <pc:chgData name="Roy Shabaya" userId="aa0dbd3e755b963d" providerId="LiveId" clId="{B9ACF7BD-9B4D-4855-844E-6900B8EDEA6A}" dt="2018-04-13T21:52:38.207" v="5530" actId="20577"/>
+        <pc:chgData name="Roy Shabaya" userId="aa0dbd3e755b963d" providerId="LiveId" clId="{B9ACF7BD-9B4D-4855-844E-6900B8EDEA6A}" dt="2018-04-20T01:52:20.884" v="7096" actId="27636"/>
         <pc:sldMkLst>
           <pc:docMk/>
           <pc:sldMk cId="1658428108" sldId="270"/>
@@ -814,7 +860,7 @@
           </ac:spMkLst>
         </pc:spChg>
         <pc:spChg chg="del">
-          <ac:chgData name="Roy Shabaya" userId="aa0dbd3e755b963d" providerId="LiveId" clId="{B9ACF7BD-9B4D-4855-844E-6900B8EDEA6A}" dt="2018-04-13T00:12:08.094" v="2936"/>
+          <ac:chgData name="Roy Shabaya" userId="aa0dbd3e755b963d" providerId="LiveId" clId="{B9ACF7BD-9B4D-4855-844E-6900B8EDEA6A}" dt="2018-04-13T00:12:08.094" v="2936" actId="20577"/>
           <ac:spMkLst>
             <pc:docMk/>
             <pc:sldMk cId="1658428108" sldId="270"/>
@@ -822,7 +868,7 @@
           </ac:spMkLst>
         </pc:spChg>
         <pc:spChg chg="del">
-          <ac:chgData name="Roy Shabaya" userId="aa0dbd3e755b963d" providerId="LiveId" clId="{B9ACF7BD-9B4D-4855-844E-6900B8EDEA6A}" dt="2018-04-13T00:12:08.094" v="2936"/>
+          <ac:chgData name="Roy Shabaya" userId="aa0dbd3e755b963d" providerId="LiveId" clId="{B9ACF7BD-9B4D-4855-844E-6900B8EDEA6A}" dt="2018-04-13T00:12:08.094" v="2936" actId="20577"/>
           <ac:spMkLst>
             <pc:docMk/>
             <pc:sldMk cId="1658428108" sldId="270"/>
@@ -830,7 +876,7 @@
           </ac:spMkLst>
         </pc:spChg>
         <pc:spChg chg="del">
-          <ac:chgData name="Roy Shabaya" userId="aa0dbd3e755b963d" providerId="LiveId" clId="{B9ACF7BD-9B4D-4855-844E-6900B8EDEA6A}" dt="2018-04-13T00:12:08.094" v="2936"/>
+          <ac:chgData name="Roy Shabaya" userId="aa0dbd3e755b963d" providerId="LiveId" clId="{B9ACF7BD-9B4D-4855-844E-6900B8EDEA6A}" dt="2018-04-13T00:12:08.094" v="2936" actId="20577"/>
           <ac:spMkLst>
             <pc:docMk/>
             <pc:sldMk cId="1658428108" sldId="270"/>
@@ -838,7 +884,7 @@
           </ac:spMkLst>
         </pc:spChg>
         <pc:spChg chg="del">
-          <ac:chgData name="Roy Shabaya" userId="aa0dbd3e755b963d" providerId="LiveId" clId="{B9ACF7BD-9B4D-4855-844E-6900B8EDEA6A}" dt="2018-04-13T00:12:08.094" v="2936"/>
+          <ac:chgData name="Roy Shabaya" userId="aa0dbd3e755b963d" providerId="LiveId" clId="{B9ACF7BD-9B4D-4855-844E-6900B8EDEA6A}" dt="2018-04-13T00:12:08.094" v="2936" actId="20577"/>
           <ac:spMkLst>
             <pc:docMk/>
             <pc:sldMk cId="1658428108" sldId="270"/>
@@ -846,7 +892,7 @@
           </ac:spMkLst>
         </pc:spChg>
         <pc:spChg chg="del">
-          <ac:chgData name="Roy Shabaya" userId="aa0dbd3e755b963d" providerId="LiveId" clId="{B9ACF7BD-9B4D-4855-844E-6900B8EDEA6A}" dt="2018-04-13T00:12:08.094" v="2936"/>
+          <ac:chgData name="Roy Shabaya" userId="aa0dbd3e755b963d" providerId="LiveId" clId="{B9ACF7BD-9B4D-4855-844E-6900B8EDEA6A}" dt="2018-04-13T00:12:08.094" v="2936" actId="20577"/>
           <ac:spMkLst>
             <pc:docMk/>
             <pc:sldMk cId="1658428108" sldId="270"/>
@@ -854,7 +900,7 @@
           </ac:spMkLst>
         </pc:spChg>
         <pc:spChg chg="del">
-          <ac:chgData name="Roy Shabaya" userId="aa0dbd3e755b963d" providerId="LiveId" clId="{B9ACF7BD-9B4D-4855-844E-6900B8EDEA6A}" dt="2018-04-13T00:12:08.094" v="2936"/>
+          <ac:chgData name="Roy Shabaya" userId="aa0dbd3e755b963d" providerId="LiveId" clId="{B9ACF7BD-9B4D-4855-844E-6900B8EDEA6A}" dt="2018-04-13T00:12:08.094" v="2936" actId="20577"/>
           <ac:spMkLst>
             <pc:docMk/>
             <pc:sldMk cId="1658428108" sldId="270"/>
@@ -870,7 +916,7 @@
           </ac:spMkLst>
         </pc:spChg>
         <pc:spChg chg="add mod">
-          <ac:chgData name="Roy Shabaya" userId="aa0dbd3e755b963d" providerId="LiveId" clId="{B9ACF7BD-9B4D-4855-844E-6900B8EDEA6A}" dt="2018-04-13T21:52:38.207" v="5530" actId="20577"/>
+          <ac:chgData name="Roy Shabaya" userId="aa0dbd3e755b963d" providerId="LiveId" clId="{B9ACF7BD-9B4D-4855-844E-6900B8EDEA6A}" dt="2018-04-20T01:52:20.884" v="7096" actId="27636"/>
           <ac:spMkLst>
             <pc:docMk/>
             <pc:sldMk cId="1658428108" sldId="270"/>
@@ -878,7 +924,7 @@
           </ac:spMkLst>
         </pc:spChg>
         <pc:spChg chg="add mod">
-          <ac:chgData name="Roy Shabaya" userId="aa0dbd3e755b963d" providerId="LiveId" clId="{B9ACF7BD-9B4D-4855-844E-6900B8EDEA6A}" dt="2018-04-13T00:12:08.094" v="2936"/>
+          <ac:chgData name="Roy Shabaya" userId="aa0dbd3e755b963d" providerId="LiveId" clId="{B9ACF7BD-9B4D-4855-844E-6900B8EDEA6A}" dt="2018-04-20T01:13:35.913" v="6494" actId="20577"/>
           <ac:spMkLst>
             <pc:docMk/>
             <pc:sldMk cId="1658428108" sldId="270"/>
@@ -886,7 +932,7 @@
           </ac:spMkLst>
         </pc:spChg>
         <pc:spChg chg="add mod">
-          <ac:chgData name="Roy Shabaya" userId="aa0dbd3e755b963d" providerId="LiveId" clId="{B9ACF7BD-9B4D-4855-844E-6900B8EDEA6A}" dt="2018-04-13T21:52:35.704" v="5529" actId="20577"/>
+          <ac:chgData name="Roy Shabaya" userId="aa0dbd3e755b963d" providerId="LiveId" clId="{B9ACF7BD-9B4D-4855-844E-6900B8EDEA6A}" dt="2018-04-20T01:52:20.884" v="7095" actId="27636"/>
           <ac:spMkLst>
             <pc:docMk/>
             <pc:sldMk cId="1658428108" sldId="270"/>
@@ -895,7 +941,7 @@
         </pc:spChg>
       </pc:sldChg>
       <pc:sldChg chg="addSp delSp modSp add">
-        <pc:chgData name="Roy Shabaya" userId="aa0dbd3e755b963d" providerId="LiveId" clId="{B9ACF7BD-9B4D-4855-844E-6900B8EDEA6A}" dt="2018-04-13T21:50:32.774" v="5506" actId="20577"/>
+        <pc:chgData name="Roy Shabaya" userId="aa0dbd3e755b963d" providerId="LiveId" clId="{B9ACF7BD-9B4D-4855-844E-6900B8EDEA6A}" dt="2018-04-20T02:50:14.245" v="8751" actId="20577"/>
         <pc:sldMkLst>
           <pc:docMk/>
           <pc:sldMk cId="872217947" sldId="271"/>
@@ -909,7 +955,7 @@
           </ac:spMkLst>
         </pc:spChg>
         <pc:spChg chg="del mod">
-          <ac:chgData name="Roy Shabaya" userId="aa0dbd3e755b963d" providerId="LiveId" clId="{B9ACF7BD-9B4D-4855-844E-6900B8EDEA6A}" dt="2018-04-12T22:03:59.787" v="1627"/>
+          <ac:chgData name="Roy Shabaya" userId="aa0dbd3e755b963d" providerId="LiveId" clId="{B9ACF7BD-9B4D-4855-844E-6900B8EDEA6A}" dt="2018-04-12T22:03:59.787" v="1627" actId="20577"/>
           <ac:spMkLst>
             <pc:docMk/>
             <pc:sldMk cId="872217947" sldId="271"/>
@@ -917,7 +963,7 @@
           </ac:spMkLst>
         </pc:spChg>
         <pc:spChg chg="del">
-          <ac:chgData name="Roy Shabaya" userId="aa0dbd3e755b963d" providerId="LiveId" clId="{B9ACF7BD-9B4D-4855-844E-6900B8EDEA6A}" dt="2018-04-12T22:03:59.787" v="1627"/>
+          <ac:chgData name="Roy Shabaya" userId="aa0dbd3e755b963d" providerId="LiveId" clId="{B9ACF7BD-9B4D-4855-844E-6900B8EDEA6A}" dt="2018-04-12T22:03:59.787" v="1627" actId="20577"/>
           <ac:spMkLst>
             <pc:docMk/>
             <pc:sldMk cId="872217947" sldId="271"/>
@@ -925,7 +971,7 @@
           </ac:spMkLst>
         </pc:spChg>
         <pc:spChg chg="del">
-          <ac:chgData name="Roy Shabaya" userId="aa0dbd3e755b963d" providerId="LiveId" clId="{B9ACF7BD-9B4D-4855-844E-6900B8EDEA6A}" dt="2018-04-12T22:03:59.787" v="1627"/>
+          <ac:chgData name="Roy Shabaya" userId="aa0dbd3e755b963d" providerId="LiveId" clId="{B9ACF7BD-9B4D-4855-844E-6900B8EDEA6A}" dt="2018-04-12T22:03:59.787" v="1627" actId="20577"/>
           <ac:spMkLst>
             <pc:docMk/>
             <pc:sldMk cId="872217947" sldId="271"/>
@@ -933,7 +979,7 @@
           </ac:spMkLst>
         </pc:spChg>
         <pc:spChg chg="del">
-          <ac:chgData name="Roy Shabaya" userId="aa0dbd3e755b963d" providerId="LiveId" clId="{B9ACF7BD-9B4D-4855-844E-6900B8EDEA6A}" dt="2018-04-12T22:03:59.787" v="1627"/>
+          <ac:chgData name="Roy Shabaya" userId="aa0dbd3e755b963d" providerId="LiveId" clId="{B9ACF7BD-9B4D-4855-844E-6900B8EDEA6A}" dt="2018-04-12T22:03:59.787" v="1627" actId="20577"/>
           <ac:spMkLst>
             <pc:docMk/>
             <pc:sldMk cId="872217947" sldId="271"/>
@@ -941,7 +987,7 @@
           </ac:spMkLst>
         </pc:spChg>
         <pc:spChg chg="del">
-          <ac:chgData name="Roy Shabaya" userId="aa0dbd3e755b963d" providerId="LiveId" clId="{B9ACF7BD-9B4D-4855-844E-6900B8EDEA6A}" dt="2018-04-12T22:03:59.787" v="1627"/>
+          <ac:chgData name="Roy Shabaya" userId="aa0dbd3e755b963d" providerId="LiveId" clId="{B9ACF7BD-9B4D-4855-844E-6900B8EDEA6A}" dt="2018-04-12T22:03:59.787" v="1627" actId="20577"/>
           <ac:spMkLst>
             <pc:docMk/>
             <pc:sldMk cId="872217947" sldId="271"/>
@@ -949,7 +995,7 @@
           </ac:spMkLst>
         </pc:spChg>
         <pc:spChg chg="del">
-          <ac:chgData name="Roy Shabaya" userId="aa0dbd3e755b963d" providerId="LiveId" clId="{B9ACF7BD-9B4D-4855-844E-6900B8EDEA6A}" dt="2018-04-12T22:03:59.787" v="1627"/>
+          <ac:chgData name="Roy Shabaya" userId="aa0dbd3e755b963d" providerId="LiveId" clId="{B9ACF7BD-9B4D-4855-844E-6900B8EDEA6A}" dt="2018-04-12T22:03:59.787" v="1627" actId="20577"/>
           <ac:spMkLst>
             <pc:docMk/>
             <pc:sldMk cId="872217947" sldId="271"/>
@@ -965,7 +1011,7 @@
           </ac:spMkLst>
         </pc:spChg>
         <pc:spChg chg="add mod">
-          <ac:chgData name="Roy Shabaya" userId="aa0dbd3e755b963d" providerId="LiveId" clId="{B9ACF7BD-9B4D-4855-844E-6900B8EDEA6A}" dt="2018-04-13T21:50:32.774" v="5506" actId="20577"/>
+          <ac:chgData name="Roy Shabaya" userId="aa0dbd3e755b963d" providerId="LiveId" clId="{B9ACF7BD-9B4D-4855-844E-6900B8EDEA6A}" dt="2018-04-20T01:49:19.083" v="7078" actId="20577"/>
           <ac:spMkLst>
             <pc:docMk/>
             <pc:sldMk cId="872217947" sldId="271"/>
@@ -981,7 +1027,7 @@
           </ac:spMkLst>
         </pc:spChg>
         <pc:spChg chg="add mod">
-          <ac:chgData name="Roy Shabaya" userId="aa0dbd3e755b963d" providerId="LiveId" clId="{B9ACF7BD-9B4D-4855-844E-6900B8EDEA6A}" dt="2018-04-12T22:03:59.787" v="1627"/>
+          <ac:chgData name="Roy Shabaya" userId="aa0dbd3e755b963d" providerId="LiveId" clId="{B9ACF7BD-9B4D-4855-844E-6900B8EDEA6A}" dt="2018-04-20T02:50:14.245" v="8751" actId="20577"/>
           <ac:spMkLst>
             <pc:docMk/>
             <pc:sldMk cId="872217947" sldId="271"/>
@@ -990,7 +1036,7 @@
         </pc:spChg>
       </pc:sldChg>
       <pc:sldChg chg="addSp delSp modSp add ord">
-        <pc:chgData name="Roy Shabaya" userId="aa0dbd3e755b963d" providerId="LiveId" clId="{B9ACF7BD-9B4D-4855-844E-6900B8EDEA6A}" dt="2018-04-13T01:28:03.427" v="4712" actId="1076"/>
+        <pc:chgData name="Roy Shabaya" userId="aa0dbd3e755b963d" providerId="LiveId" clId="{B9ACF7BD-9B4D-4855-844E-6900B8EDEA6A}" dt="2018-04-20T02:37:48.687" v="8632" actId="1076"/>
         <pc:sldMkLst>
           <pc:docMk/>
           <pc:sldMk cId="1739842126" sldId="272"/>
@@ -1012,7 +1058,7 @@
           </ac:spMkLst>
         </pc:spChg>
         <pc:spChg chg="add del mod">
-          <ac:chgData name="Roy Shabaya" userId="aa0dbd3e755b963d" providerId="LiveId" clId="{B9ACF7BD-9B4D-4855-844E-6900B8EDEA6A}" dt="2018-04-13T01:04:24.607" v="4080"/>
+          <ac:chgData name="Roy Shabaya" userId="aa0dbd3e755b963d" providerId="LiveId" clId="{B9ACF7BD-9B4D-4855-844E-6900B8EDEA6A}" dt="2018-04-13T01:04:24.607" v="4080" actId="1076"/>
           <ac:spMkLst>
             <pc:docMk/>
             <pc:sldMk cId="1739842126" sldId="272"/>
@@ -1027,6 +1073,22 @@
             <ac:spMk id="8" creationId="{22472F6F-E115-40C8-B8A0-1E8DA4799904}"/>
           </ac:spMkLst>
         </pc:spChg>
+        <pc:picChg chg="add del">
+          <ac:chgData name="Roy Shabaya" userId="aa0dbd3e755b963d" providerId="LiveId" clId="{B9ACF7BD-9B4D-4855-844E-6900B8EDEA6A}" dt="2018-04-20T02:37:19.640" v="8627" actId="1076"/>
+          <ac:picMkLst>
+            <pc:docMk/>
+            <pc:sldMk cId="1739842126" sldId="272"/>
+            <ac:picMk id="3" creationId="{C298DDD4-2D56-4992-8F0A-6E7507DAF8FC}"/>
+          </ac:picMkLst>
+        </pc:picChg>
+        <pc:picChg chg="add mod">
+          <ac:chgData name="Roy Shabaya" userId="aa0dbd3e755b963d" providerId="LiveId" clId="{B9ACF7BD-9B4D-4855-844E-6900B8EDEA6A}" dt="2018-04-20T02:37:48.687" v="8632" actId="1076"/>
+          <ac:picMkLst>
+            <pc:docMk/>
+            <pc:sldMk cId="1739842126" sldId="272"/>
+            <ac:picMk id="4" creationId="{1A324428-4000-4A1D-8E68-C2024E615F3F}"/>
+          </ac:picMkLst>
+        </pc:picChg>
         <pc:picChg chg="add del mod">
           <ac:chgData name="Roy Shabaya" userId="aa0dbd3e755b963d" providerId="LiveId" clId="{B9ACF7BD-9B4D-4855-844E-6900B8EDEA6A}" dt="2018-04-13T01:12:13.677" v="4081" actId="478"/>
           <ac:picMkLst>
@@ -1043,8 +1105,8 @@
             <ac:picMk id="9" creationId="{8131866A-06FD-42C0-958A-28753E030301}"/>
           </ac:picMkLst>
         </pc:picChg>
-        <pc:picChg chg="add mod">
-          <ac:chgData name="Roy Shabaya" userId="aa0dbd3e755b963d" providerId="LiveId" clId="{B9ACF7BD-9B4D-4855-844E-6900B8EDEA6A}" dt="2018-04-13T01:28:03.427" v="4712" actId="1076"/>
+        <pc:picChg chg="add del mod">
+          <ac:chgData name="Roy Shabaya" userId="aa0dbd3e755b963d" providerId="LiveId" clId="{B9ACF7BD-9B4D-4855-844E-6900B8EDEA6A}" dt="2018-04-20T02:37:43.942" v="8630" actId="478"/>
           <ac:picMkLst>
             <pc:docMk/>
             <pc:sldMk cId="1739842126" sldId="272"/>
@@ -1053,7 +1115,7 @@
         </pc:picChg>
       </pc:sldChg>
       <pc:sldChg chg="addSp delSp modSp add ord">
-        <pc:chgData name="Roy Shabaya" userId="aa0dbd3e755b963d" providerId="LiveId" clId="{B9ACF7BD-9B4D-4855-844E-6900B8EDEA6A}" dt="2018-04-13T21:44:28.945" v="5420" actId="27636"/>
+        <pc:chgData name="Roy Shabaya" userId="aa0dbd3e755b963d" providerId="LiveId" clId="{B9ACF7BD-9B4D-4855-844E-6900B8EDEA6A}" dt="2018-04-20T01:41:22.652" v="7077" actId="20577"/>
         <pc:sldMkLst>
           <pc:docMk/>
           <pc:sldMk cId="1112717788" sldId="273"/>
@@ -1067,7 +1129,7 @@
           </ac:spMkLst>
         </pc:spChg>
         <pc:spChg chg="del">
-          <ac:chgData name="Roy Shabaya" userId="aa0dbd3e755b963d" providerId="LiveId" clId="{B9ACF7BD-9B4D-4855-844E-6900B8EDEA6A}" dt="2018-04-12T22:26:46.101" v="2104"/>
+          <ac:chgData name="Roy Shabaya" userId="aa0dbd3e755b963d" providerId="LiveId" clId="{B9ACF7BD-9B4D-4855-844E-6900B8EDEA6A}" dt="2018-04-12T22:26:46.101" v="2104" actId="27636"/>
           <ac:spMkLst>
             <pc:docMk/>
             <pc:sldMk cId="1112717788" sldId="273"/>
@@ -1075,7 +1137,7 @@
           </ac:spMkLst>
         </pc:spChg>
         <pc:spChg chg="del">
-          <ac:chgData name="Roy Shabaya" userId="aa0dbd3e755b963d" providerId="LiveId" clId="{B9ACF7BD-9B4D-4855-844E-6900B8EDEA6A}" dt="2018-04-12T22:26:46.101" v="2104"/>
+          <ac:chgData name="Roy Shabaya" userId="aa0dbd3e755b963d" providerId="LiveId" clId="{B9ACF7BD-9B4D-4855-844E-6900B8EDEA6A}" dt="2018-04-12T22:26:46.101" v="2104" actId="27636"/>
           <ac:spMkLst>
             <pc:docMk/>
             <pc:sldMk cId="1112717788" sldId="273"/>
@@ -1083,7 +1145,7 @@
           </ac:spMkLst>
         </pc:spChg>
         <pc:spChg chg="del">
-          <ac:chgData name="Roy Shabaya" userId="aa0dbd3e755b963d" providerId="LiveId" clId="{B9ACF7BD-9B4D-4855-844E-6900B8EDEA6A}" dt="2018-04-12T22:26:46.101" v="2104"/>
+          <ac:chgData name="Roy Shabaya" userId="aa0dbd3e755b963d" providerId="LiveId" clId="{B9ACF7BD-9B4D-4855-844E-6900B8EDEA6A}" dt="2018-04-12T22:26:46.101" v="2104" actId="27636"/>
           <ac:spMkLst>
             <pc:docMk/>
             <pc:sldMk cId="1112717788" sldId="273"/>
@@ -1091,7 +1153,7 @@
           </ac:spMkLst>
         </pc:spChg>
         <pc:spChg chg="del">
-          <ac:chgData name="Roy Shabaya" userId="aa0dbd3e755b963d" providerId="LiveId" clId="{B9ACF7BD-9B4D-4855-844E-6900B8EDEA6A}" dt="2018-04-12T22:26:46.101" v="2104"/>
+          <ac:chgData name="Roy Shabaya" userId="aa0dbd3e755b963d" providerId="LiveId" clId="{B9ACF7BD-9B4D-4855-844E-6900B8EDEA6A}" dt="2018-04-12T22:26:46.101" v="2104" actId="27636"/>
           <ac:spMkLst>
             <pc:docMk/>
             <pc:sldMk cId="1112717788" sldId="273"/>
@@ -1099,7 +1161,7 @@
           </ac:spMkLst>
         </pc:spChg>
         <pc:spChg chg="del">
-          <ac:chgData name="Roy Shabaya" userId="aa0dbd3e755b963d" providerId="LiveId" clId="{B9ACF7BD-9B4D-4855-844E-6900B8EDEA6A}" dt="2018-04-12T22:26:46.101" v="2104"/>
+          <ac:chgData name="Roy Shabaya" userId="aa0dbd3e755b963d" providerId="LiveId" clId="{B9ACF7BD-9B4D-4855-844E-6900B8EDEA6A}" dt="2018-04-12T22:26:46.101" v="2104" actId="27636"/>
           <ac:spMkLst>
             <pc:docMk/>
             <pc:sldMk cId="1112717788" sldId="273"/>
@@ -1107,7 +1169,7 @@
           </ac:spMkLst>
         </pc:spChg>
         <pc:spChg chg="del">
-          <ac:chgData name="Roy Shabaya" userId="aa0dbd3e755b963d" providerId="LiveId" clId="{B9ACF7BD-9B4D-4855-844E-6900B8EDEA6A}" dt="2018-04-12T22:26:46.101" v="2104"/>
+          <ac:chgData name="Roy Shabaya" userId="aa0dbd3e755b963d" providerId="LiveId" clId="{B9ACF7BD-9B4D-4855-844E-6900B8EDEA6A}" dt="2018-04-12T22:26:46.101" v="2104" actId="27636"/>
           <ac:spMkLst>
             <pc:docMk/>
             <pc:sldMk cId="1112717788" sldId="273"/>
@@ -1123,7 +1185,7 @@
           </ac:spMkLst>
         </pc:spChg>
         <pc:spChg chg="add mod">
-          <ac:chgData name="Roy Shabaya" userId="aa0dbd3e755b963d" providerId="LiveId" clId="{B9ACF7BD-9B4D-4855-844E-6900B8EDEA6A}" dt="2018-04-13T21:44:28.945" v="5420" actId="27636"/>
+          <ac:chgData name="Roy Shabaya" userId="aa0dbd3e755b963d" providerId="LiveId" clId="{B9ACF7BD-9B4D-4855-844E-6900B8EDEA6A}" dt="2018-04-20T01:41:22.652" v="7077" actId="20577"/>
           <ac:spMkLst>
             <pc:docMk/>
             <pc:sldMk cId="1112717788" sldId="273"/>
@@ -1139,7 +1201,7 @@
           </ac:spMkLst>
         </pc:spChg>
         <pc:spChg chg="add mod">
-          <ac:chgData name="Roy Shabaya" userId="aa0dbd3e755b963d" providerId="LiveId" clId="{B9ACF7BD-9B4D-4855-844E-6900B8EDEA6A}" dt="2018-04-13T21:44:28.935" v="5419" actId="27636"/>
+          <ac:chgData name="Roy Shabaya" userId="aa0dbd3e755b963d" providerId="LiveId" clId="{B9ACF7BD-9B4D-4855-844E-6900B8EDEA6A}" dt="2018-04-20T01:40:58.775" v="7031" actId="27636"/>
           <ac:spMkLst>
             <pc:docMk/>
             <pc:sldMk cId="1112717788" sldId="273"/>
@@ -1147,23 +1209,8 @@
           </ac:spMkLst>
         </pc:spChg>
       </pc:sldChg>
-      <pc:sldChg chg="modSp add del">
-        <pc:chgData name="Roy Shabaya" userId="aa0dbd3e755b963d" providerId="LiveId" clId="{B9ACF7BD-9B4D-4855-844E-6900B8EDEA6A}" dt="2018-04-13T00:09:49.654" v="2935" actId="2696"/>
-        <pc:sldMkLst>
-          <pc:docMk/>
-          <pc:sldMk cId="1570834066" sldId="274"/>
-        </pc:sldMkLst>
-        <pc:spChg chg="mod">
-          <ac:chgData name="Roy Shabaya" userId="aa0dbd3e755b963d" providerId="LiveId" clId="{B9ACF7BD-9B4D-4855-844E-6900B8EDEA6A}" dt="2018-04-12T22:30:51.963" v="2325" actId="20577"/>
-          <ac:spMkLst>
-            <pc:docMk/>
-            <pc:sldMk cId="1570834066" sldId="274"/>
-            <ac:spMk id="4" creationId="{BF02D5C5-BCAF-4844-9F3F-522BB2E4E7F6}"/>
-          </ac:spMkLst>
-        </pc:spChg>
-      </pc:sldChg>
       <pc:sldChg chg="addSp delSp modSp add">
-        <pc:chgData name="Roy Shabaya" userId="aa0dbd3e755b963d" providerId="LiveId" clId="{B9ACF7BD-9B4D-4855-844E-6900B8EDEA6A}" dt="2018-04-13T20:59:42.380" v="5384" actId="13926"/>
+        <pc:chgData name="Roy Shabaya" userId="aa0dbd3e755b963d" providerId="LiveId" clId="{B9ACF7BD-9B4D-4855-844E-6900B8EDEA6A}" dt="2018-04-20T02:52:18.558" v="8911" actId="20577"/>
         <pc:sldMkLst>
           <pc:docMk/>
           <pc:sldMk cId="4099283593" sldId="274"/>
@@ -1177,7 +1224,7 @@
           </ac:spMkLst>
         </pc:spChg>
         <pc:spChg chg="del">
-          <ac:chgData name="Roy Shabaya" userId="aa0dbd3e755b963d" providerId="LiveId" clId="{B9ACF7BD-9B4D-4855-844E-6900B8EDEA6A}" dt="2018-04-13T00:31:14.976" v="3578"/>
+          <ac:chgData name="Roy Shabaya" userId="aa0dbd3e755b963d" providerId="LiveId" clId="{B9ACF7BD-9B4D-4855-844E-6900B8EDEA6A}" dt="2018-04-13T00:31:14.976" v="3578" actId="13926"/>
           <ac:spMkLst>
             <pc:docMk/>
             <pc:sldMk cId="4099283593" sldId="274"/>
@@ -1185,7 +1232,7 @@
           </ac:spMkLst>
         </pc:spChg>
         <pc:spChg chg="add mod">
-          <ac:chgData name="Roy Shabaya" userId="aa0dbd3e755b963d" providerId="LiveId" clId="{B9ACF7BD-9B4D-4855-844E-6900B8EDEA6A}" dt="2018-04-13T20:59:42.380" v="5384" actId="13926"/>
+          <ac:chgData name="Roy Shabaya" userId="aa0dbd3e755b963d" providerId="LiveId" clId="{B9ACF7BD-9B4D-4855-844E-6900B8EDEA6A}" dt="2018-04-20T02:52:18.558" v="8911" actId="20577"/>
           <ac:spMkLst>
             <pc:docMk/>
             <pc:sldMk cId="4099283593" sldId="274"/>
@@ -1250,7 +1297,7 @@
         </pc:picChg>
       </pc:sldChg>
       <pc:sldChg chg="addSp delSp modSp add">
-        <pc:chgData name="Roy Shabaya" userId="aa0dbd3e755b963d" providerId="LiveId" clId="{B9ACF7BD-9B4D-4855-844E-6900B8EDEA6A}" dt="2018-04-13T04:19:54.683" v="5181" actId="5793"/>
+        <pc:chgData name="Roy Shabaya" userId="aa0dbd3e755b963d" providerId="LiveId" clId="{B9ACF7BD-9B4D-4855-844E-6900B8EDEA6A}" dt="2018-04-20T00:36:31.131" v="5632" actId="1076"/>
         <pc:sldMkLst>
           <pc:docMk/>
           <pc:sldMk cId="2638978930" sldId="275"/>
@@ -1296,13 +1343,52 @@
           </ac:picMkLst>
         </pc:picChg>
         <pc:picChg chg="add mod">
-          <ac:chgData name="Roy Shabaya" userId="aa0dbd3e755b963d" providerId="LiveId" clId="{B9ACF7BD-9B4D-4855-844E-6900B8EDEA6A}" dt="2018-04-13T04:16:25.268" v="4839" actId="1036"/>
+          <ac:chgData name="Roy Shabaya" userId="aa0dbd3e755b963d" providerId="LiveId" clId="{B9ACF7BD-9B4D-4855-844E-6900B8EDEA6A}" dt="2018-04-20T00:36:31.131" v="5632" actId="1076"/>
           <ac:picMkLst>
             <pc:docMk/>
             <pc:sldMk cId="2638978930" sldId="275"/>
             <ac:picMk id="7" creationId="{FDAB7749-B020-4AD3-AC00-CD503E7062D9}"/>
           </ac:picMkLst>
         </pc:picChg>
+      </pc:sldChg>
+    </pc:docChg>
+  </pc:docChgLst>
+  <pc:docChgLst>
+    <pc:chgData name="Roy Shabaya" userId="aa0dbd3e755b963d" providerId="Windows Live" clId="Web-{EFB3AD4F-4CD0-4378-91EA-609F5F0FD7EC}"/>
+    <pc:docChg chg="modSld">
+      <pc:chgData name="Roy Shabaya" userId="aa0dbd3e755b963d" providerId="Windows Live" clId="Web-{EFB3AD4F-4CD0-4378-91EA-609F5F0FD7EC}" dt="2018-04-20T13:40:31.672" v="443"/>
+      <pc:docMkLst>
+        <pc:docMk/>
+      </pc:docMkLst>
+      <pc:sldChg chg="modSp">
+        <pc:chgData name="Roy Shabaya" userId="aa0dbd3e755b963d" providerId="Windows Live" clId="Web-{EFB3AD4F-4CD0-4378-91EA-609F5F0FD7EC}" dt="2018-04-20T13:36:55.586" v="19"/>
+        <pc:sldMkLst>
+          <pc:docMk/>
+          <pc:sldMk cId="4278075034" sldId="260"/>
+        </pc:sldMkLst>
+        <pc:graphicFrameChg chg="mod modGraphic">
+          <ac:chgData name="Roy Shabaya" userId="aa0dbd3e755b963d" providerId="Windows Live" clId="Web-{EFB3AD4F-4CD0-4378-91EA-609F5F0FD7EC}" dt="2018-04-20T13:36:55.586" v="19"/>
+          <ac:graphicFrameMkLst>
+            <pc:docMk/>
+            <pc:sldMk cId="4278075034" sldId="260"/>
+            <ac:graphicFrameMk id="10" creationId="{9A6E0336-A25F-4C59-AD53-842C338A95E1}"/>
+          </ac:graphicFrameMkLst>
+        </pc:graphicFrameChg>
+      </pc:sldChg>
+      <pc:sldChg chg="modSp">
+        <pc:chgData name="Roy Shabaya" userId="aa0dbd3e755b963d" providerId="Windows Live" clId="Web-{EFB3AD4F-4CD0-4378-91EA-609F5F0FD7EC}" dt="2018-04-20T13:40:27.484" v="442"/>
+        <pc:sldMkLst>
+          <pc:docMk/>
+          <pc:sldMk cId="1755427021" sldId="264"/>
+        </pc:sldMkLst>
+        <pc:spChg chg="mod">
+          <ac:chgData name="Roy Shabaya" userId="aa0dbd3e755b963d" providerId="Windows Live" clId="Web-{EFB3AD4F-4CD0-4378-91EA-609F5F0FD7EC}" dt="2018-04-20T13:40:27.484" v="442"/>
+          <ac:spMkLst>
+            <pc:docMk/>
+            <pc:sldMk cId="1755427021" sldId="264"/>
+            <ac:spMk id="10" creationId="{12E8D784-EDEE-4DE8-9957-59554ED0BC26}"/>
+          </ac:spMkLst>
+        </pc:spChg>
       </pc:sldChg>
     </pc:docChg>
   </pc:docChgLst>
@@ -1494,7 +1580,7 @@
           <a:p>
             <a:fld id="{043A489C-1922-4C65-BF10-0D58C6A10522}" type="datetimeFigureOut">
               <a:rPr lang="en-US" smtClean="0"/>
-              <a:t>4/11/2018</a:t>
+              <a:t>4/18/2018</a:t>
             </a:fld>
             <a:endParaRPr lang="en-US"/>
           </a:p>
@@ -1792,7 +1878,7 @@
           <a:p>
             <a:fld id="{043A489C-1922-4C65-BF10-0D58C6A10522}" type="datetimeFigureOut">
               <a:rPr lang="en-US" smtClean="0"/>
-              <a:t>4/11/2018</a:t>
+              <a:t>4/18/2018</a:t>
             </a:fld>
             <a:endParaRPr lang="en-US"/>
           </a:p>
@@ -1984,7 +2070,7 @@
           <a:p>
             <a:fld id="{043A489C-1922-4C65-BF10-0D58C6A10522}" type="datetimeFigureOut">
               <a:rPr lang="en-US" smtClean="0"/>
-              <a:t>4/11/2018</a:t>
+              <a:t>4/18/2018</a:t>
             </a:fld>
             <a:endParaRPr lang="en-US"/>
           </a:p>
@@ -2245,7 +2331,7 @@
           <a:p>
             <a:fld id="{043A489C-1922-4C65-BF10-0D58C6A10522}" type="datetimeFigureOut">
               <a:rPr lang="en-US" smtClean="0"/>
-              <a:t>4/11/2018</a:t>
+              <a:t>4/18/2018</a:t>
             </a:fld>
             <a:endParaRPr lang="en-US"/>
           </a:p>
@@ -2669,7 +2755,7 @@
           <a:p>
             <a:fld id="{043A489C-1922-4C65-BF10-0D58C6A10522}" type="datetimeFigureOut">
               <a:rPr lang="en-US" smtClean="0"/>
-              <a:t>4/11/2018</a:t>
+              <a:t>4/18/2018</a:t>
             </a:fld>
             <a:endParaRPr lang="en-US"/>
           </a:p>
@@ -3206,7 +3292,7 @@
           <a:p>
             <a:fld id="{043A489C-1922-4C65-BF10-0D58C6A10522}" type="datetimeFigureOut">
               <a:rPr lang="en-US" smtClean="0"/>
-              <a:t>4/11/2018</a:t>
+              <a:t>4/18/2018</a:t>
             </a:fld>
             <a:endParaRPr lang="en-US"/>
           </a:p>
@@ -4070,7 +4156,7 @@
           <a:p>
             <a:fld id="{043A489C-1922-4C65-BF10-0D58C6A10522}" type="datetimeFigureOut">
               <a:rPr lang="en-US" smtClean="0"/>
-              <a:t>4/11/2018</a:t>
+              <a:t>4/18/2018</a:t>
             </a:fld>
             <a:endParaRPr lang="en-US"/>
           </a:p>
@@ -4240,7 +4326,7 @@
           <a:p>
             <a:fld id="{043A489C-1922-4C65-BF10-0D58C6A10522}" type="datetimeFigureOut">
               <a:rPr lang="en-US" smtClean="0"/>
-              <a:t>4/11/2018</a:t>
+              <a:t>4/18/2018</a:t>
             </a:fld>
             <a:endParaRPr lang="en-US"/>
           </a:p>
@@ -4424,7 +4510,7 @@
           <a:p>
             <a:fld id="{043A489C-1922-4C65-BF10-0D58C6A10522}" type="datetimeFigureOut">
               <a:rPr lang="en-US" smtClean="0"/>
-              <a:t>4/11/2018</a:t>
+              <a:t>4/18/2018</a:t>
             </a:fld>
             <a:endParaRPr lang="en-US"/>
           </a:p>
@@ -4594,7 +4680,7 @@
           <a:p>
             <a:fld id="{043A489C-1922-4C65-BF10-0D58C6A10522}" type="datetimeFigureOut">
               <a:rPr lang="en-US" smtClean="0"/>
-              <a:t>4/11/2018</a:t>
+              <a:t>4/18/2018</a:t>
             </a:fld>
             <a:endParaRPr lang="en-US"/>
           </a:p>
@@ -4838,7 +4924,7 @@
           <a:p>
             <a:fld id="{043A489C-1922-4C65-BF10-0D58C6A10522}" type="datetimeFigureOut">
               <a:rPr lang="en-US" smtClean="0"/>
-              <a:t>4/11/2018</a:t>
+              <a:t>4/18/2018</a:t>
             </a:fld>
             <a:endParaRPr lang="en-US"/>
           </a:p>
@@ -5074,7 +5160,7 @@
           <a:p>
             <a:fld id="{043A489C-1922-4C65-BF10-0D58C6A10522}" type="datetimeFigureOut">
               <a:rPr lang="en-US" smtClean="0"/>
-              <a:t>4/11/2018</a:t>
+              <a:t>4/18/2018</a:t>
             </a:fld>
             <a:endParaRPr lang="en-US"/>
           </a:p>
@@ -5540,7 +5626,7 @@
           <a:p>
             <a:fld id="{043A489C-1922-4C65-BF10-0D58C6A10522}" type="datetimeFigureOut">
               <a:rPr lang="en-US" smtClean="0"/>
-              <a:t>4/11/2018</a:t>
+              <a:t>4/18/2018</a:t>
             </a:fld>
             <a:endParaRPr lang="en-US"/>
           </a:p>
@@ -5658,7 +5744,7 @@
           <a:p>
             <a:fld id="{043A489C-1922-4C65-BF10-0D58C6A10522}" type="datetimeFigureOut">
               <a:rPr lang="en-US" smtClean="0"/>
-              <a:t>4/11/2018</a:t>
+              <a:t>4/18/2018</a:t>
             </a:fld>
             <a:endParaRPr lang="en-US"/>
           </a:p>
@@ -5753,7 +5839,7 @@
           <a:p>
             <a:fld id="{043A489C-1922-4C65-BF10-0D58C6A10522}" type="datetimeFigureOut">
               <a:rPr lang="en-US" smtClean="0"/>
-              <a:t>4/11/2018</a:t>
+              <a:t>4/18/2018</a:t>
             </a:fld>
             <a:endParaRPr lang="en-US"/>
           </a:p>
@@ -6008,7 +6094,7 @@
           <a:p>
             <a:fld id="{043A489C-1922-4C65-BF10-0D58C6A10522}" type="datetimeFigureOut">
               <a:rPr lang="en-US" smtClean="0"/>
-              <a:t>4/11/2018</a:t>
+              <a:t>4/18/2018</a:t>
             </a:fld>
             <a:endParaRPr lang="en-US"/>
           </a:p>
@@ -6308,7 +6394,7 @@
           <a:p>
             <a:fld id="{043A489C-1922-4C65-BF10-0D58C6A10522}" type="datetimeFigureOut">
               <a:rPr lang="en-US" smtClean="0"/>
-              <a:t>4/11/2018</a:t>
+              <a:t>4/18/2018</a:t>
             </a:fld>
             <a:endParaRPr lang="en-US"/>
           </a:p>
@@ -6542,7 +6628,7 @@
           <a:p>
             <a:fld id="{043A489C-1922-4C65-BF10-0D58C6A10522}" type="datetimeFigureOut">
               <a:rPr lang="en-US" smtClean="0"/>
-              <a:t>4/11/2018</a:t>
+              <a:t>4/18/2018</a:t>
             </a:fld>
             <a:endParaRPr lang="en-US"/>
           </a:p>
@@ -7587,11 +7673,13 @@
         <p:spPr>
           <a:xfrm>
             <a:off x="105834" y="928126"/>
-            <a:ext cx="10353762" cy="4779627"/>
+            <a:ext cx="2800652" cy="4779627"/>
           </a:xfrm>
         </p:spPr>
         <p:txBody>
-          <a:bodyPr/>
+          <a:bodyPr>
+            <a:normAutofit fontScale="92500"/>
+          </a:bodyPr>
           <a:lstStyle/>
           <a:p>
             <a:r>
@@ -7651,10 +7739,10 @@
       </p:sp>
       <p:pic>
         <p:nvPicPr>
-          <p:cNvPr id="6" name="Picture 5">
+          <p:cNvPr id="4" name="Picture 3">
             <a:extLst>
               <a:ext uri="{FF2B5EF4-FFF2-40B4-BE49-F238E27FC236}">
-                <a16:creationId xmlns:a16="http://schemas.microsoft.com/office/drawing/2014/main" id="{6E78CCF9-EE78-4619-B024-D2775917471C}"/>
+                <a16:creationId xmlns:a16="http://schemas.microsoft.com/office/drawing/2014/main" id="{79374124-272A-4852-96FF-DCD25C1BED31}"/>
               </a:ext>
             </a:extLst>
           </p:cNvPr>
@@ -7664,21 +7752,15 @@
           <p:nvPr/>
         </p:nvPicPr>
         <p:blipFill>
-          <a:blip r:embed="rId2">
-            <a:extLst>
-              <a:ext uri="{28A0092B-C50C-407E-A947-70E740481C1C}">
-                <a14:useLocalDpi xmlns:a14="http://schemas.microsoft.com/office/drawing/2010/main" val="0"/>
-              </a:ext>
-            </a:extLst>
-          </a:blip>
+          <a:blip r:embed="rId2"/>
           <a:stretch>
             <a:fillRect/>
           </a:stretch>
         </p:blipFill>
         <p:spPr>
           <a:xfrm>
-            <a:off x="4605868" y="1800564"/>
-            <a:ext cx="7396562" cy="4980666"/>
+            <a:off x="3189515" y="935490"/>
+            <a:ext cx="8896652" cy="5820132"/>
           </a:xfrm>
           <a:prstGeom prst="rect">
             <a:avLst/>
@@ -7780,7 +7862,7 @@
                   <a:srgbClr val="00FF00"/>
                 </a:highlight>
               </a:rPr>
-              <a:t>Score</a:t>
+              <a:t>Accuracy</a:t>
             </a:r>
           </a:p>
         </p:txBody>
@@ -8107,51 +8189,51 @@
             <p:ph idx="1"/>
             <p:extLst>
               <p:ext uri="{D42A27DB-BD31-4B8C-83A1-F6EECF244321}">
-                <p14:modId xmlns:p14="http://schemas.microsoft.com/office/powerpoint/2010/main" val="3016969565"/>
+                <p14:modId xmlns:p14="http://schemas.microsoft.com/office/powerpoint/2010/main" val="1184982759"/>
               </p:ext>
             </p:extLst>
           </p:nvPr>
         </p:nvGraphicFramePr>
         <p:xfrm>
-          <a:off x="4298576" y="2520528"/>
-          <a:ext cx="5046847" cy="3727869"/>
+          <a:off x="2630032" y="4188993"/>
+          <a:ext cx="6275817" cy="2228850"/>
         </p:xfrm>
         <a:graphic>
           <a:graphicData uri="http://schemas.openxmlformats.org/drawingml/2006/table">
             <a:tbl>
-              <a:tblPr>
-                <a:tableStyleId>{D113A9D2-9D6B-4929-AA2D-F23B5EE8CBE7}</a:tableStyleId>
+              <a:tblPr firstRow="1" firstCol="1">
+                <a:tableStyleId>{3C2FFA5D-87B4-456A-9821-1D502468CF0F}</a:tableStyleId>
               </a:tblPr>
               <a:tblGrid>
-                <a:gridCol w="1385923">
+                <a:gridCol w="1752570">
                   <a:extLst>
                     <a:ext uri="{9D8B030D-6E8A-4147-A177-3AD203B41FA5}">
                       <a16:colId xmlns:a16="http://schemas.microsoft.com/office/drawing/2014/main" val="1781190064"/>
                     </a:ext>
                   </a:extLst>
                 </a:gridCol>
-                <a:gridCol w="915231">
+                <a:gridCol w="1051179">
                   <a:extLst>
                     <a:ext uri="{9D8B030D-6E8A-4147-A177-3AD203B41FA5}">
                       <a16:colId xmlns:a16="http://schemas.microsoft.com/office/drawing/2014/main" val="2598997190"/>
                     </a:ext>
                   </a:extLst>
                 </a:gridCol>
-                <a:gridCol w="915231">
+                <a:gridCol w="1157356">
                   <a:extLst>
                     <a:ext uri="{9D8B030D-6E8A-4147-A177-3AD203B41FA5}">
                       <a16:colId xmlns:a16="http://schemas.microsoft.com/office/drawing/2014/main" val="3270755784"/>
                     </a:ext>
                   </a:extLst>
                 </a:gridCol>
-                <a:gridCol w="915231">
+                <a:gridCol w="1157356">
                   <a:extLst>
                     <a:ext uri="{9D8B030D-6E8A-4147-A177-3AD203B41FA5}">
                       <a16:colId xmlns:a16="http://schemas.microsoft.com/office/drawing/2014/main" val="398996321"/>
                     </a:ext>
                   </a:extLst>
                 </a:gridCol>
-                <a:gridCol w="915231">
+                <a:gridCol w="1157356">
                   <a:extLst>
                     <a:ext uri="{9D8B030D-6E8A-4147-A177-3AD203B41FA5}">
                       <a16:colId xmlns:a16="http://schemas.microsoft.com/office/drawing/2014/main" val="3202770995"/>
@@ -8159,7 +8241,7 @@
                   </a:extLst>
                 </a:gridCol>
               </a:tblGrid>
-              <a:tr h="305973">
+              <a:tr h="98448">
                 <a:tc gridSpan="5">
                   <a:txBody>
                     <a:bodyPr/>
@@ -8167,12 +8249,12 @@
                     <a:p>
                       <a:pPr algn="ctr" fontAlgn="b"/>
                       <a:r>
-                        <a:rPr lang="en-US" sz="1100" u="none" strike="noStrike">
+                        <a:rPr lang="en-US" sz="1600" u="none" strike="noStrike" dirty="0">
                           <a:effectLst/>
                         </a:rPr>
-                        <a:t>Models</a:t>
+                        <a:t>Results</a:t>
                       </a:r>
-                      <a:endParaRPr lang="en-US" sz="1100" b="1" i="0" u="none" strike="noStrike">
+                      <a:endParaRPr lang="en-US" sz="1600" b="1" i="0" u="none" strike="noStrike" dirty="0">
                         <a:solidFill>
                           <a:srgbClr val="000000"/>
                         </a:solidFill>
@@ -8229,7 +8311,7 @@
                   </a:ext>
                 </a:extLst>
               </a:tr>
-              <a:tr h="555746">
+              <a:tr h="195381">
                 <a:tc>
                   <a:txBody>
                     <a:bodyPr/>
@@ -8237,12 +8319,134 @@
                     <a:p>
                       <a:pPr algn="l" fontAlgn="b"/>
                       <a:r>
-                        <a:rPr lang="en-US" sz="1100" u="none" strike="noStrike">
+                        <a:rPr lang="en-US" sz="1600" u="none" strike="noStrike">
                           <a:effectLst/>
                         </a:rPr>
                         <a:t>Model</a:t>
                       </a:r>
-                      <a:endParaRPr lang="en-US" sz="1100" b="1" i="0" u="none" strike="noStrike">
+                      <a:endParaRPr lang="en-US" sz="1600" b="1" i="0" u="none" strike="noStrike">
+                        <a:solidFill>
+                          <a:srgbClr val="000000"/>
+                        </a:solidFill>
+                        <a:effectLst/>
+                        <a:latin typeface="Calibri" panose="020F0502020204030204" pitchFamily="34" charset="0"/>
+                      </a:endParaRPr>
+                    </a:p>
+                  </a:txBody>
+                  <a:tcPr marL="3810" marR="3810" marT="3810" marB="0" anchor="b"/>
+                </a:tc>
+                <a:tc>
+                  <a:txBody>
+                    <a:bodyPr/>
+                    <a:lstStyle/>
+                    <a:p>
+                      <a:pPr algn="ctr" fontAlgn="b"/>
+                      <a:r>
+                        <a:rPr lang="en-US" sz="1600" u="none" strike="noStrike" dirty="0">
+                          <a:effectLst/>
+                        </a:rPr>
+                        <a:t>Train Score</a:t>
+                      </a:r>
+                      <a:endParaRPr lang="en-US" sz="1600" b="1" i="0" u="none" strike="noStrike" dirty="0">
+                        <a:solidFill>
+                          <a:srgbClr val="000000"/>
+                        </a:solidFill>
+                        <a:effectLst/>
+                        <a:latin typeface="Calibri" panose="020F0502020204030204" pitchFamily="34" charset="0"/>
+                      </a:endParaRPr>
+                    </a:p>
+                  </a:txBody>
+                  <a:tcPr marL="3810" marR="3810" marT="3810" marB="0" anchor="b"/>
+                </a:tc>
+                <a:tc>
+                  <a:txBody>
+                    <a:bodyPr/>
+                    <a:lstStyle/>
+                    <a:p>
+                      <a:pPr algn="ctr" fontAlgn="b"/>
+                      <a:r>
+                        <a:rPr lang="en-US" sz="1600" u="none" strike="noStrike">
+                          <a:effectLst/>
+                        </a:rPr>
+                        <a:t>Test Score</a:t>
+                      </a:r>
+                      <a:endParaRPr lang="en-US" sz="1600" b="1" i="0" u="none" strike="noStrike">
+                        <a:solidFill>
+                          <a:srgbClr val="000000"/>
+                        </a:solidFill>
+                        <a:effectLst/>
+                        <a:latin typeface="Calibri" panose="020F0502020204030204" pitchFamily="34" charset="0"/>
+                      </a:endParaRPr>
+                    </a:p>
+                  </a:txBody>
+                  <a:tcPr marL="3810" marR="3810" marT="3810" marB="0" anchor="b"/>
+                </a:tc>
+                <a:tc>
+                  <a:txBody>
+                    <a:bodyPr/>
+                    <a:lstStyle/>
+                    <a:p>
+                      <a:pPr algn="ctr" fontAlgn="b"/>
+                      <a:r>
+                        <a:rPr lang="en-US" sz="1600" u="none" strike="noStrike">
+                          <a:effectLst/>
+                        </a:rPr>
+                        <a:t>Specificity</a:t>
+                      </a:r>
+                      <a:endParaRPr lang="en-US" sz="1600" b="1" i="0" u="none" strike="noStrike" dirty="0">
+                        <a:solidFill>
+                          <a:srgbClr val="000000"/>
+                        </a:solidFill>
+                        <a:effectLst/>
+                        <a:latin typeface="Calibri" panose="020F0502020204030204" pitchFamily="34" charset="0"/>
+                      </a:endParaRPr>
+                    </a:p>
+                  </a:txBody>
+                  <a:tcPr marL="3810" marR="3810" marT="3810" marB="0" anchor="b"/>
+                </a:tc>
+                <a:tc>
+                  <a:txBody>
+                    <a:bodyPr/>
+                    <a:lstStyle/>
+                    <a:p>
+                      <a:pPr algn="ctr" fontAlgn="b"/>
+                      <a:r>
+                        <a:rPr lang="en-US" sz="1600" u="none" strike="noStrike">
+                          <a:effectLst/>
+                        </a:rPr>
+                        <a:t>Sensitivity</a:t>
+                      </a:r>
+                      <a:endParaRPr lang="en-US" sz="1600" b="1" i="0" u="none" strike="noStrike" dirty="0">
+                        <a:solidFill>
+                          <a:srgbClr val="000000"/>
+                        </a:solidFill>
+                        <a:effectLst/>
+                        <a:latin typeface="Calibri" panose="020F0502020204030204" pitchFamily="34" charset="0"/>
+                      </a:endParaRPr>
+                    </a:p>
+                  </a:txBody>
+                  <a:tcPr marL="3810" marR="3810" marT="3810" marB="0" anchor="b"/>
+                </a:tc>
+                <a:extLst>
+                  <a:ext uri="{0D108BD9-81ED-4DB2-BD59-A6C34878D82A}">
+                    <a16:rowId xmlns:a16="http://schemas.microsoft.com/office/drawing/2014/main" val="1378083911"/>
+                  </a:ext>
+                </a:extLst>
+              </a:tr>
+              <a:tr h="98448">
+                <a:tc>
+                  <a:txBody>
+                    <a:bodyPr/>
+                    <a:lstStyle/>
+                    <a:p>
+                      <a:pPr algn="l" fontAlgn="b"/>
+                      <a:r>
+                        <a:rPr lang="en-US" sz="1600" u="none" strike="noStrike">
+                          <a:effectLst/>
+                        </a:rPr>
+                        <a:t>KNN</a:t>
+                      </a:r>
+                      <a:endParaRPr lang="en-US" sz="1600" b="1" i="0" u="none" strike="noStrike">
                         <a:solidFill>
                           <a:srgbClr val="000000"/>
                         </a:solidFill>
@@ -8260,12 +8464,12 @@
                     <a:p>
                       <a:pPr algn="l" fontAlgn="b"/>
                       <a:r>
-                        <a:rPr lang="en-US" sz="1100" u="none" strike="noStrike">
+                        <a:rPr lang="en-US" sz="1600" u="none" strike="noStrike">
                           <a:effectLst/>
                         </a:rPr>
-                        <a:t>Train Score</a:t>
+                        <a:t>      0.8985 </a:t>
                       </a:r>
-                      <a:endParaRPr lang="en-US" sz="1100" b="1" i="0" u="none" strike="noStrike">
+                      <a:endParaRPr lang="en-US" sz="1600" b="0" i="0" u="none" strike="noStrike">
                         <a:solidFill>
                           <a:srgbClr val="000000"/>
                         </a:solidFill>
@@ -8283,12 +8487,12 @@
                     <a:p>
                       <a:pPr algn="l" fontAlgn="b"/>
                       <a:r>
-                        <a:rPr lang="en-US" sz="1100" u="none" strike="noStrike">
+                        <a:rPr lang="en-US" sz="1600" u="none" strike="noStrike" dirty="0">
                           <a:effectLst/>
                         </a:rPr>
-                        <a:t>Test Score</a:t>
+                        <a:t>      0.8962</a:t>
                       </a:r>
-                      <a:endParaRPr lang="en-US" sz="1100" b="1" i="0" u="none" strike="noStrike">
+                      <a:endParaRPr lang="en-US" sz="1600" b="0" i="0" u="none" strike="noStrike" dirty="0">
                         <a:solidFill>
                           <a:srgbClr val="000000"/>
                         </a:solidFill>
@@ -8306,12 +8510,12 @@
                     <a:p>
                       <a:pPr algn="l" fontAlgn="b"/>
                       <a:r>
-                        <a:rPr lang="en-US" sz="1100" u="none" strike="noStrike">
+                        <a:rPr lang="en-US" sz="1600" u="none" strike="noStrike">
                           <a:effectLst/>
                         </a:rPr>
-                        <a:t>Sensitivity</a:t>
+                        <a:t>      0.9874 </a:t>
                       </a:r>
-                      <a:endParaRPr lang="en-US" sz="1100" b="1" i="0" u="none" strike="noStrike">
+                      <a:endParaRPr lang="en-US" sz="1600" b="0" i="0" u="none" strike="noStrike">
                         <a:solidFill>
                           <a:srgbClr val="000000"/>
                         </a:solidFill>
@@ -8329,12 +8533,12 @@
                     <a:p>
                       <a:pPr algn="l" fontAlgn="b"/>
                       <a:r>
-                        <a:rPr lang="en-US" sz="1100" u="none" strike="noStrike">
+                        <a:rPr lang="en-US" sz="1600" u="none" strike="noStrike" dirty="0">
                           <a:effectLst/>
                         </a:rPr>
-                        <a:t>Specificity</a:t>
+                        <a:t>      0.1944 </a:t>
                       </a:r>
-                      <a:endParaRPr lang="en-US" sz="1100" b="1" i="0" u="none" strike="noStrike">
+                      <a:endParaRPr lang="en-US" sz="1600" b="0" i="0" u="none" strike="noStrike" dirty="0">
                         <a:solidFill>
                           <a:srgbClr val="000000"/>
                         </a:solidFill>
@@ -8347,11 +8551,11 @@
                 </a:tc>
                 <a:extLst>
                   <a:ext uri="{0D108BD9-81ED-4DB2-BD59-A6C34878D82A}">
-                    <a16:rowId xmlns:a16="http://schemas.microsoft.com/office/drawing/2014/main" val="1378083911"/>
+                    <a16:rowId xmlns:a16="http://schemas.microsoft.com/office/drawing/2014/main" val="2704012609"/>
                   </a:ext>
                 </a:extLst>
               </a:tr>
-              <a:tr h="299728">
+              <a:tr h="98448">
                 <a:tc>
                   <a:txBody>
                     <a:bodyPr/>
@@ -8359,12 +8563,12 @@
                     <a:p>
                       <a:pPr algn="l" fontAlgn="b"/>
                       <a:r>
-                        <a:rPr lang="en-US" sz="1100" u="none" strike="noStrike">
+                        <a:rPr lang="en-US" sz="1600" u="none" strike="noStrike" dirty="0">
                           <a:effectLst/>
                         </a:rPr>
-                        <a:t>KNN</a:t>
+                        <a:t>Random Forest</a:t>
                       </a:r>
-                      <a:endParaRPr lang="en-US" sz="1100" b="1" i="0" u="none" strike="noStrike">
+                      <a:endParaRPr lang="en-US" sz="1600" b="1" i="0" u="none" strike="noStrike" dirty="0">
                         <a:solidFill>
                           <a:srgbClr val="000000"/>
                         </a:solidFill>
@@ -8382,12 +8586,12 @@
                     <a:p>
                       <a:pPr algn="l" fontAlgn="b"/>
                       <a:r>
-                        <a:rPr lang="en-US" sz="1100" u="none" strike="noStrike">
+                        <a:rPr lang="en-US" sz="1600" u="none" strike="noStrike" dirty="0">
                           <a:effectLst/>
                         </a:rPr>
-                        <a:t>      0.8985 </a:t>
+                        <a:t>      0.9007</a:t>
                       </a:r>
-                      <a:endParaRPr lang="en-US" sz="1100" b="0" i="0" u="none" strike="noStrike">
+                      <a:endParaRPr lang="en-US" sz="1600" b="0" i="0" u="none" strike="noStrike" dirty="0">
                         <a:solidFill>
                           <a:srgbClr val="000000"/>
                         </a:solidFill>
@@ -8405,12 +8609,12 @@
                     <a:p>
                       <a:pPr algn="l" fontAlgn="b"/>
                       <a:r>
-                        <a:rPr lang="en-US" sz="1100" u="none" strike="noStrike" dirty="0">
+                        <a:rPr lang="en-US" sz="1600" u="none" strike="noStrike" dirty="0">
                           <a:effectLst/>
                         </a:rPr>
-                        <a:t>      0.8963 </a:t>
+                        <a:t>      0.8961 </a:t>
                       </a:r>
-                      <a:endParaRPr lang="en-US" sz="1100" b="0" i="0" u="none" strike="noStrike" dirty="0">
+                      <a:endParaRPr lang="en-US" sz="1600" b="0" i="0" u="none" strike="noStrike" dirty="0">
                         <a:solidFill>
                           <a:srgbClr val="000000"/>
                         </a:solidFill>
@@ -8428,12 +8632,12 @@
                     <a:p>
                       <a:pPr algn="l" fontAlgn="b"/>
                       <a:r>
-                        <a:rPr lang="en-US" sz="1100" u="none" strike="noStrike">
+                        <a:rPr lang="en-US" sz="1600" u="none" strike="noStrike" dirty="0">
                           <a:effectLst/>
                         </a:rPr>
-                        <a:t>      0.9874 </a:t>
+                        <a:t>      0.9894 </a:t>
                       </a:r>
-                      <a:endParaRPr lang="en-US" sz="1100" b="0" i="0" u="none" strike="noStrike">
+                      <a:endParaRPr lang="en-US" sz="1600" b="0" i="0" u="none" strike="noStrike" dirty="0">
                         <a:solidFill>
                           <a:srgbClr val="000000"/>
                         </a:solidFill>
@@ -8451,12 +8655,12 @@
                     <a:p>
                       <a:pPr algn="l" fontAlgn="b"/>
                       <a:r>
-                        <a:rPr lang="en-US" sz="1100" u="none" strike="noStrike">
+                        <a:rPr lang="en-US" sz="1600" u="none" strike="noStrike" dirty="0">
                           <a:effectLst/>
                         </a:rPr>
-                        <a:t>      0.1944 </a:t>
+                        <a:t>      0.1775</a:t>
                       </a:r>
-                      <a:endParaRPr lang="en-US" sz="1100" b="0" i="0" u="none" strike="noStrike">
+                      <a:endParaRPr lang="en-US" sz="1600" b="0" i="0" u="none" strike="noStrike" dirty="0">
                         <a:solidFill>
                           <a:srgbClr val="000000"/>
                         </a:solidFill>
@@ -8469,11 +8673,11 @@
                 </a:tc>
                 <a:extLst>
                   <a:ext uri="{0D108BD9-81ED-4DB2-BD59-A6C34878D82A}">
-                    <a16:rowId xmlns:a16="http://schemas.microsoft.com/office/drawing/2014/main" val="2704012609"/>
+                    <a16:rowId xmlns:a16="http://schemas.microsoft.com/office/drawing/2014/main" val="930742366"/>
                   </a:ext>
                 </a:extLst>
               </a:tr>
-              <a:tr h="299728">
+              <a:tr h="98448">
                 <a:tc>
                   <a:txBody>
                     <a:bodyPr/>
@@ -8481,12 +8685,12 @@
                     <a:p>
                       <a:pPr algn="l" fontAlgn="b"/>
                       <a:r>
-                        <a:rPr lang="en-US" sz="1100" u="none" strike="noStrike">
+                        <a:rPr lang="en-US" sz="1600" u="none" strike="noStrike" dirty="0">
                           <a:effectLst/>
                         </a:rPr>
                         <a:t>Boosted Model</a:t>
                       </a:r>
-                      <a:endParaRPr lang="en-US" sz="1100" b="1" i="0" u="none" strike="noStrike">
+                      <a:endParaRPr lang="en-US" sz="1600" b="1" i="0" u="none" strike="noStrike" dirty="0">
                         <a:solidFill>
                           <a:srgbClr val="000000"/>
                         </a:solidFill>
@@ -8504,12 +8708,12 @@
                     <a:p>
                       <a:pPr algn="l" fontAlgn="b"/>
                       <a:r>
-                        <a:rPr lang="en-US" sz="1100" u="none" strike="noStrike">
+                        <a:rPr lang="en-US" sz="1600" u="none" strike="noStrike">
                           <a:effectLst/>
                         </a:rPr>
-                        <a:t>      0.9002 </a:t>
+                        <a:t>      0.9002 </a:t>
                       </a:r>
-                      <a:endParaRPr lang="en-US" sz="1100" b="0" i="0" u="none" strike="noStrike">
+                      <a:endParaRPr lang="en-US" sz="1600" b="0" i="0" u="none" strike="noStrike">
                         <a:solidFill>
                           <a:srgbClr val="000000"/>
                         </a:solidFill>
@@ -8527,12 +8731,12 @@
                     <a:p>
                       <a:pPr algn="l" fontAlgn="b"/>
                       <a:r>
-                        <a:rPr lang="en-US" sz="1100" u="none" strike="noStrike">
+                        <a:rPr lang="en-US" sz="1600" u="none" strike="noStrike">
                           <a:effectLst/>
                         </a:rPr>
-                        <a:t>      0.8954 </a:t>
+                        <a:t>      0.8954 </a:t>
                       </a:r>
-                      <a:endParaRPr lang="en-US" sz="1100" b="0" i="0" u="none" strike="noStrike">
+                      <a:endParaRPr lang="en-US" sz="1600" b="0" i="0" u="none" strike="noStrike">
                         <a:solidFill>
                           <a:srgbClr val="000000"/>
                         </a:solidFill>
@@ -8550,12 +8754,12 @@
                     <a:p>
                       <a:pPr algn="l" fontAlgn="b"/>
                       <a:r>
-                        <a:rPr lang="en-US" sz="1100" u="none" strike="noStrike">
+                        <a:rPr lang="en-US" sz="1600" u="none" strike="noStrike" dirty="0">
                           <a:effectLst/>
                         </a:rPr>
                         <a:t>      0.9871 </a:t>
                       </a:r>
-                      <a:endParaRPr lang="en-US" sz="1100" b="0" i="0" u="none" strike="noStrike">
+                      <a:endParaRPr lang="en-US" sz="1600" b="0" i="0" u="none" strike="noStrike" dirty="0">
                         <a:solidFill>
                           <a:srgbClr val="000000"/>
                         </a:solidFill>
@@ -8573,12 +8777,12 @@
                     <a:p>
                       <a:pPr algn="l" fontAlgn="b"/>
                       <a:r>
-                        <a:rPr lang="en-US" sz="1100" u="none" strike="noStrike">
+                        <a:rPr lang="en-US" sz="1600" u="none" strike="noStrike" dirty="0">
                           <a:effectLst/>
                         </a:rPr>
                         <a:t>      0.1893 </a:t>
                       </a:r>
-                      <a:endParaRPr lang="en-US" sz="1100" b="0" i="0" u="none" strike="noStrike">
+                      <a:endParaRPr lang="en-US" sz="1600" b="0" i="0" u="none" strike="noStrike" dirty="0">
                         <a:solidFill>
                           <a:srgbClr val="000000"/>
                         </a:solidFill>
@@ -8595,7 +8799,7 @@
                   </a:ext>
                 </a:extLst>
               </a:tr>
-              <a:tr h="555746">
+              <a:tr h="195381">
                 <a:tc>
                   <a:txBody>
                     <a:bodyPr/>
@@ -8603,12 +8807,12 @@
                     <a:p>
                       <a:pPr algn="l" fontAlgn="b"/>
                       <a:r>
-                        <a:rPr lang="en-US" sz="1100" u="none" strike="noStrike">
+                        <a:rPr lang="en-US" sz="1600" u="none" strike="noStrike" dirty="0">
                           <a:effectLst/>
                         </a:rPr>
                         <a:t>Standard Logistic</a:t>
                       </a:r>
-                      <a:endParaRPr lang="en-US" sz="1100" b="1" i="0" u="none" strike="noStrike">
+                      <a:endParaRPr lang="en-US" sz="1600" b="1" i="0" u="none" strike="noStrike" dirty="0">
                         <a:solidFill>
                           <a:srgbClr val="000000"/>
                         </a:solidFill>
@@ -8626,12 +8830,12 @@
                     <a:p>
                       <a:pPr algn="l" fontAlgn="b"/>
                       <a:r>
-                        <a:rPr lang="en-US" sz="1100" u="none" strike="noStrike">
+                        <a:rPr lang="en-US" sz="1600" u="none" strike="noStrike">
                           <a:effectLst/>
                         </a:rPr>
-                        <a:t>      0.8983 </a:t>
+                        <a:t>      0.8983 </a:t>
                       </a:r>
-                      <a:endParaRPr lang="en-US" sz="1100" b="0" i="0" u="none" strike="noStrike">
+                      <a:endParaRPr lang="en-US" sz="1600" b="0" i="0" u="none" strike="noStrike">
                         <a:solidFill>
                           <a:srgbClr val="000000"/>
                         </a:solidFill>
@@ -8649,12 +8853,12 @@
                     <a:p>
                       <a:pPr algn="l" fontAlgn="b"/>
                       <a:r>
-                        <a:rPr lang="en-US" sz="1100" u="none" strike="noStrike">
+                        <a:rPr lang="en-US" sz="1600" u="none" strike="noStrike">
                           <a:effectLst/>
                         </a:rPr>
-                        <a:t>      0.8953 </a:t>
+                        <a:t>      0.8953 </a:t>
                       </a:r>
-                      <a:endParaRPr lang="en-US" sz="1100" b="0" i="0" u="none" strike="noStrike">
+                      <a:endParaRPr lang="en-US" sz="1600" b="0" i="0" u="none" strike="noStrike">
                         <a:solidFill>
                           <a:srgbClr val="000000"/>
                         </a:solidFill>
@@ -8672,12 +8876,12 @@
                     <a:p>
                       <a:pPr algn="l" fontAlgn="b"/>
                       <a:r>
-                        <a:rPr lang="en-US" sz="1100" u="none" strike="noStrike">
+                        <a:rPr lang="en-US" sz="1600" u="none" strike="noStrike">
                           <a:effectLst/>
                         </a:rPr>
-                        <a:t>      0.9844 </a:t>
+                        <a:t>      0.9844 </a:t>
                       </a:r>
-                      <a:endParaRPr lang="en-US" sz="1100" b="0" i="0" u="none" strike="noStrike">
+                      <a:endParaRPr lang="en-US" sz="1600" b="0" i="0" u="none" strike="noStrike">
                         <a:solidFill>
                           <a:srgbClr val="000000"/>
                         </a:solidFill>
@@ -8695,12 +8899,12 @@
                     <a:p>
                       <a:pPr algn="l" fontAlgn="b"/>
                       <a:r>
-                        <a:rPr lang="en-US" sz="1100" u="none" strike="noStrike">
+                        <a:rPr lang="en-US" sz="1600" u="none" strike="noStrike" dirty="0">
                           <a:effectLst/>
                         </a:rPr>
                         <a:t>      0.2088 </a:t>
                       </a:r>
-                      <a:endParaRPr lang="en-US" sz="1100" b="0" i="0" u="none" strike="noStrike">
+                      <a:endParaRPr lang="en-US" sz="1600" b="0" i="0" u="none" strike="noStrike" dirty="0">
                         <a:solidFill>
                           <a:srgbClr val="000000"/>
                         </a:solidFill>
@@ -8717,7 +8921,7 @@
                   </a:ext>
                 </a:extLst>
               </a:tr>
-              <a:tr h="299728">
+              <a:tr h="98448">
                 <a:tc>
                   <a:txBody>
                     <a:bodyPr/>
@@ -8725,12 +8929,12 @@
                     <a:p>
                       <a:pPr algn="l" fontAlgn="b"/>
                       <a:r>
-                        <a:rPr lang="en-US" sz="1100" u="none" strike="noStrike">
+                        <a:rPr lang="en-US" sz="1600" u="none" strike="noStrike">
                           <a:effectLst/>
                         </a:rPr>
                         <a:t>Support Vector</a:t>
                       </a:r>
-                      <a:endParaRPr lang="en-US" sz="1100" b="1" i="0" u="none" strike="noStrike">
+                      <a:endParaRPr lang="en-US" sz="1600" b="1" i="0" u="none" strike="noStrike">
                         <a:solidFill>
                           <a:srgbClr val="000000"/>
                         </a:solidFill>
@@ -8748,12 +8952,12 @@
                     <a:p>
                       <a:pPr algn="l" fontAlgn="b"/>
                       <a:r>
-                        <a:rPr lang="en-US" sz="1100" u="none" strike="noStrike">
+                        <a:rPr lang="en-US" sz="1600" u="none" strike="noStrike">
                           <a:effectLst/>
                         </a:rPr>
-                        <a:t>      0.8983 </a:t>
+                        <a:t>      0.8983 </a:t>
                       </a:r>
-                      <a:endParaRPr lang="en-US" sz="1100" b="0" i="0" u="none" strike="noStrike">
+                      <a:endParaRPr lang="en-US" sz="1600" b="0" i="0" u="none" strike="noStrike">
                         <a:solidFill>
                           <a:srgbClr val="000000"/>
                         </a:solidFill>
@@ -8771,12 +8975,12 @@
                     <a:p>
                       <a:pPr algn="l" fontAlgn="b"/>
                       <a:r>
-                        <a:rPr lang="en-US" sz="1100" u="none" strike="noStrike">
+                        <a:rPr lang="en-US" sz="1600" u="none" strike="noStrike">
                           <a:effectLst/>
                         </a:rPr>
-                        <a:t>      0.8953 </a:t>
+                        <a:t>      0.8953 </a:t>
                       </a:r>
-                      <a:endParaRPr lang="en-US" sz="1100" b="0" i="0" u="none" strike="noStrike">
+                      <a:endParaRPr lang="en-US" sz="1600" b="0" i="0" u="none" strike="noStrike">
                         <a:solidFill>
                           <a:srgbClr val="000000"/>
                         </a:solidFill>
@@ -8794,12 +8998,12 @@
                     <a:p>
                       <a:pPr algn="l" fontAlgn="b"/>
                       <a:r>
-                        <a:rPr lang="en-US" sz="1100" u="none" strike="noStrike">
+                        <a:rPr lang="en-US" sz="1600" u="none" strike="noStrike">
                           <a:effectLst/>
                         </a:rPr>
-                        <a:t>      0.9844 </a:t>
+                        <a:t>      0.9844 </a:t>
                       </a:r>
-                      <a:endParaRPr lang="en-US" sz="1100" b="0" i="0" u="none" strike="noStrike">
+                      <a:endParaRPr lang="en-US" sz="1600" b="0" i="0" u="none" strike="noStrike">
                         <a:solidFill>
                           <a:srgbClr val="000000"/>
                         </a:solidFill>
@@ -8817,12 +9021,12 @@
                     <a:p>
                       <a:pPr algn="l" fontAlgn="b"/>
                       <a:r>
-                        <a:rPr lang="en-US" sz="1100" u="none" strike="noStrike">
+                        <a:rPr lang="en-US" sz="1600" u="none" strike="noStrike" dirty="0">
                           <a:effectLst/>
                         </a:rPr>
                         <a:t>      0.2088 </a:t>
                       </a:r>
-                      <a:endParaRPr lang="en-US" sz="1100" b="0" i="0" u="none" strike="noStrike">
+                      <a:endParaRPr lang="en-US" sz="1600" b="0" i="0" u="none" strike="noStrike" dirty="0">
                         <a:solidFill>
                           <a:srgbClr val="000000"/>
                         </a:solidFill>
@@ -8839,7 +9043,7 @@
                   </a:ext>
                 </a:extLst>
               </a:tr>
-              <a:tr h="299728">
+              <a:tr h="195381">
                 <a:tc>
                   <a:txBody>
                     <a:bodyPr/>
@@ -8847,12 +9051,12 @@
                     <a:p>
                       <a:pPr algn="l" fontAlgn="b"/>
                       <a:r>
-                        <a:rPr lang="en-US" sz="1100" u="none" strike="noStrike">
+                        <a:rPr lang="en-US" sz="1600" u="none" strike="noStrike" dirty="0">
                           <a:effectLst/>
                         </a:rPr>
-                        <a:t>Random Forest</a:t>
+                        <a:t>Lasso Regression</a:t>
                       </a:r>
-                      <a:endParaRPr lang="en-US" sz="1100" b="1" i="0" u="none" strike="noStrike">
+                      <a:endParaRPr lang="en-US" sz="1600" b="1" i="0" u="none" strike="noStrike" dirty="0">
                         <a:solidFill>
                           <a:srgbClr val="000000"/>
                         </a:solidFill>
@@ -8870,12 +9074,12 @@
                     <a:p>
                       <a:pPr algn="l" fontAlgn="b"/>
                       <a:r>
-                        <a:rPr lang="en-US" sz="1100" u="none" strike="noStrike">
+                        <a:rPr lang="en-US" sz="1600" u="none" strike="noStrike" dirty="0">
                           <a:effectLst/>
                         </a:rPr>
-                        <a:t>      0.9013 </a:t>
+                        <a:t>      0.8221 </a:t>
                       </a:r>
-                      <a:endParaRPr lang="en-US" sz="1100" b="0" i="0" u="none" strike="noStrike">
+                      <a:endParaRPr lang="en-US" sz="1600" b="0" i="0" u="none" strike="noStrike" dirty="0">
                         <a:solidFill>
                           <a:srgbClr val="000000"/>
                         </a:solidFill>
@@ -8893,12 +9097,12 @@
                     <a:p>
                       <a:pPr algn="l" fontAlgn="b"/>
                       <a:r>
-                        <a:rPr lang="en-US" sz="1100" u="none" strike="noStrike">
+                        <a:rPr lang="en-US" sz="1600" u="none" strike="noStrike">
                           <a:effectLst/>
                         </a:rPr>
-                        <a:t>      0.8953 </a:t>
+                        <a:t>      0.8214 </a:t>
                       </a:r>
-                      <a:endParaRPr lang="en-US" sz="1100" b="0" i="0" u="none" strike="noStrike">
+                      <a:endParaRPr lang="en-US" sz="1600" b="0" i="0" u="none" strike="noStrike">
                         <a:solidFill>
                           <a:srgbClr val="000000"/>
                         </a:solidFill>
@@ -8916,12 +9120,12 @@
                     <a:p>
                       <a:pPr algn="l" fontAlgn="b"/>
                       <a:r>
-                        <a:rPr lang="en-US" sz="1100" u="none" strike="noStrike">
+                        <a:rPr lang="en-US" sz="1600" u="none" strike="noStrike">
                           <a:effectLst/>
                         </a:rPr>
-                        <a:t>      0.9884 </a:t>
+                        <a:t>      0.8878 </a:t>
                       </a:r>
-                      <a:endParaRPr lang="en-US" sz="1100" b="0" i="0" u="none" strike="noStrike">
+                      <a:endParaRPr lang="en-US" sz="1600" b="0" i="0" u="none" strike="noStrike">
                         <a:solidFill>
                           <a:srgbClr val="000000"/>
                         </a:solidFill>
@@ -8939,12 +9143,12 @@
                     <a:p>
                       <a:pPr algn="l" fontAlgn="b"/>
                       <a:r>
-                        <a:rPr lang="en-US" sz="1100" u="none" strike="noStrike">
+                        <a:rPr lang="en-US" sz="1600" u="none" strike="noStrike" dirty="0">
                           <a:effectLst/>
                         </a:rPr>
-                        <a:t>      0.1784 </a:t>
+                        <a:t>      0.3102 </a:t>
                       </a:r>
-                      <a:endParaRPr lang="en-US" sz="1100" b="0" i="0" u="none" strike="noStrike">
+                      <a:endParaRPr lang="en-US" sz="1600" b="0" i="0" u="none" strike="noStrike" dirty="0">
                         <a:solidFill>
                           <a:srgbClr val="000000"/>
                         </a:solidFill>
@@ -8957,11 +9161,11 @@
                 </a:tc>
                 <a:extLst>
                   <a:ext uri="{0D108BD9-81ED-4DB2-BD59-A6C34878D82A}">
-                    <a16:rowId xmlns:a16="http://schemas.microsoft.com/office/drawing/2014/main" val="259876441"/>
+                    <a16:rowId xmlns:a16="http://schemas.microsoft.com/office/drawing/2014/main" val="1797877529"/>
                   </a:ext>
                 </a:extLst>
               </a:tr>
-              <a:tr h="555746">
+              <a:tr h="195381">
                 <a:tc>
                   <a:txBody>
                     <a:bodyPr/>
@@ -8969,12 +9173,12 @@
                     <a:p>
                       <a:pPr algn="l" fontAlgn="b"/>
                       <a:r>
-                        <a:rPr lang="en-US" sz="1100" u="none" strike="noStrike">
+                        <a:rPr lang="en-US" sz="1600" u="none" strike="noStrike" dirty="0">
                           <a:effectLst/>
                         </a:rPr>
-                        <a:t>Lasso Regression</a:t>
+                        <a:t>Ridge Regression</a:t>
                       </a:r>
-                      <a:endParaRPr lang="en-US" sz="1100" b="1" i="0" u="none" strike="noStrike">
+                      <a:endParaRPr lang="en-US" sz="1600" b="1" i="0" u="none" strike="noStrike" dirty="0">
                         <a:solidFill>
                           <a:srgbClr val="000000"/>
                         </a:solidFill>
@@ -8992,12 +9196,12 @@
                     <a:p>
                       <a:pPr algn="l" fontAlgn="b"/>
                       <a:r>
-                        <a:rPr lang="en-US" sz="1100" u="none" strike="noStrike">
+                        <a:rPr lang="en-US" sz="1600" u="none" strike="noStrike">
                           <a:effectLst/>
                         </a:rPr>
-                        <a:t>      0.8221 </a:t>
+                        <a:t>      0.8221 </a:t>
                       </a:r>
-                      <a:endParaRPr lang="en-US" sz="1100" b="0" i="0" u="none" strike="noStrike">
+                      <a:endParaRPr lang="en-US" sz="1600" b="0" i="0" u="none" strike="noStrike">
                         <a:solidFill>
                           <a:srgbClr val="000000"/>
                         </a:solidFill>
@@ -9015,12 +9219,12 @@
                     <a:p>
                       <a:pPr algn="l" fontAlgn="b"/>
                       <a:r>
-                        <a:rPr lang="en-US" sz="1100" u="none" strike="noStrike">
+                        <a:rPr lang="en-US" sz="1600" u="none" strike="noStrike">
                           <a:effectLst/>
                         </a:rPr>
-                        <a:t>      0.8214 </a:t>
+                        <a:t>      0.8214 </a:t>
                       </a:r>
-                      <a:endParaRPr lang="en-US" sz="1100" b="0" i="0" u="none" strike="noStrike">
+                      <a:endParaRPr lang="en-US" sz="1600" b="0" i="0" u="none" strike="noStrike">
                         <a:solidFill>
                           <a:srgbClr val="000000"/>
                         </a:solidFill>
@@ -9038,12 +9242,12 @@
                     <a:p>
                       <a:pPr algn="l" fontAlgn="b"/>
                       <a:r>
-                        <a:rPr lang="en-US" sz="1100" u="none" strike="noStrike">
+                        <a:rPr lang="en-US" sz="1600" u="none" strike="noStrike">
                           <a:effectLst/>
                         </a:rPr>
-                        <a:t>      0.8878 </a:t>
+                        <a:t>      0.8878 </a:t>
                       </a:r>
-                      <a:endParaRPr lang="en-US" sz="1100" b="0" i="0" u="none" strike="noStrike">
+                      <a:endParaRPr lang="en-US" sz="1600" b="0" i="0" u="none" strike="noStrike">
                         <a:solidFill>
                           <a:srgbClr val="000000"/>
                         </a:solidFill>
@@ -9061,134 +9265,12 @@
                     <a:p>
                       <a:pPr algn="l" fontAlgn="b"/>
                       <a:r>
-                        <a:rPr lang="en-US" sz="1100" u="none" strike="noStrike">
+                        <a:rPr lang="en-US" sz="1600" u="none" strike="noStrike" dirty="0">
                           <a:effectLst/>
                         </a:rPr>
                         <a:t>      0.3102 </a:t>
                       </a:r>
-                      <a:endParaRPr lang="en-US" sz="1100" b="0" i="0" u="none" strike="noStrike">
-                        <a:solidFill>
-                          <a:srgbClr val="000000"/>
-                        </a:solidFill>
-                        <a:effectLst/>
-                        <a:latin typeface="Calibri" panose="020F0502020204030204" pitchFamily="34" charset="0"/>
-                      </a:endParaRPr>
-                    </a:p>
-                  </a:txBody>
-                  <a:tcPr marL="3810" marR="3810" marT="3810" marB="0" anchor="b"/>
-                </a:tc>
-                <a:extLst>
-                  <a:ext uri="{0D108BD9-81ED-4DB2-BD59-A6C34878D82A}">
-                    <a16:rowId xmlns:a16="http://schemas.microsoft.com/office/drawing/2014/main" val="1797877529"/>
-                  </a:ext>
-                </a:extLst>
-              </a:tr>
-              <a:tr h="555746">
-                <a:tc>
-                  <a:txBody>
-                    <a:bodyPr/>
-                    <a:lstStyle/>
-                    <a:p>
-                      <a:pPr algn="l" fontAlgn="b"/>
-                      <a:r>
-                        <a:rPr lang="en-US" sz="1100" u="none" strike="noStrike">
-                          <a:effectLst/>
-                        </a:rPr>
-                        <a:t>Ridge Regression</a:t>
-                      </a:r>
-                      <a:endParaRPr lang="en-US" sz="1100" b="1" i="0" u="none" strike="noStrike">
-                        <a:solidFill>
-                          <a:srgbClr val="000000"/>
-                        </a:solidFill>
-                        <a:effectLst/>
-                        <a:latin typeface="Calibri" panose="020F0502020204030204" pitchFamily="34" charset="0"/>
-                      </a:endParaRPr>
-                    </a:p>
-                  </a:txBody>
-                  <a:tcPr marL="3810" marR="3810" marT="3810" marB="0" anchor="b"/>
-                </a:tc>
-                <a:tc>
-                  <a:txBody>
-                    <a:bodyPr/>
-                    <a:lstStyle/>
-                    <a:p>
-                      <a:pPr algn="l" fontAlgn="b"/>
-                      <a:r>
-                        <a:rPr lang="en-US" sz="1100" u="none" strike="noStrike">
-                          <a:effectLst/>
-                        </a:rPr>
-                        <a:t>      0.8221 </a:t>
-                      </a:r>
-                      <a:endParaRPr lang="en-US" sz="1100" b="0" i="0" u="none" strike="noStrike">
-                        <a:solidFill>
-                          <a:srgbClr val="000000"/>
-                        </a:solidFill>
-                        <a:effectLst/>
-                        <a:latin typeface="Calibri" panose="020F0502020204030204" pitchFamily="34" charset="0"/>
-                      </a:endParaRPr>
-                    </a:p>
-                  </a:txBody>
-                  <a:tcPr marL="3810" marR="3810" marT="3810" marB="0" anchor="b"/>
-                </a:tc>
-                <a:tc>
-                  <a:txBody>
-                    <a:bodyPr/>
-                    <a:lstStyle/>
-                    <a:p>
-                      <a:pPr algn="l" fontAlgn="b"/>
-                      <a:r>
-                        <a:rPr lang="en-US" sz="1100" u="none" strike="noStrike">
-                          <a:effectLst/>
-                        </a:rPr>
-                        <a:t>      0.8214 </a:t>
-                      </a:r>
-                      <a:endParaRPr lang="en-US" sz="1100" b="0" i="0" u="none" strike="noStrike">
-                        <a:solidFill>
-                          <a:srgbClr val="000000"/>
-                        </a:solidFill>
-                        <a:effectLst/>
-                        <a:latin typeface="Calibri" panose="020F0502020204030204" pitchFamily="34" charset="0"/>
-                      </a:endParaRPr>
-                    </a:p>
-                  </a:txBody>
-                  <a:tcPr marL="3810" marR="3810" marT="3810" marB="0" anchor="b"/>
-                </a:tc>
-                <a:tc>
-                  <a:txBody>
-                    <a:bodyPr/>
-                    <a:lstStyle/>
-                    <a:p>
-                      <a:pPr algn="l" fontAlgn="b"/>
-                      <a:r>
-                        <a:rPr lang="en-US" sz="1100" u="none" strike="noStrike">
-                          <a:effectLst/>
-                        </a:rPr>
-                        <a:t>      0.8878 </a:t>
-                      </a:r>
-                      <a:endParaRPr lang="en-US" sz="1100" b="0" i="0" u="none" strike="noStrike">
-                        <a:solidFill>
-                          <a:srgbClr val="000000"/>
-                        </a:solidFill>
-                        <a:effectLst/>
-                        <a:latin typeface="Calibri" panose="020F0502020204030204" pitchFamily="34" charset="0"/>
-                      </a:endParaRPr>
-                    </a:p>
-                  </a:txBody>
-                  <a:tcPr marL="3810" marR="3810" marT="3810" marB="0" anchor="b"/>
-                </a:tc>
-                <a:tc>
-                  <a:txBody>
-                    <a:bodyPr/>
-                    <a:lstStyle/>
-                    <a:p>
-                      <a:pPr algn="l" fontAlgn="b"/>
-                      <a:r>
-                        <a:rPr lang="en-US" sz="1100" u="none" strike="noStrike" dirty="0">
-                          <a:effectLst/>
-                        </a:rPr>
-                        <a:t>      0.3102 </a:t>
-                      </a:r>
-                      <a:endParaRPr lang="en-US" sz="1100" b="0" i="0" u="none" strike="noStrike" dirty="0">
+                      <a:endParaRPr lang="en-US" sz="1600" b="0" i="0" u="none" strike="noStrike" dirty="0">
                         <a:solidFill>
                           <a:srgbClr val="000000"/>
                         </a:solidFill>
@@ -9209,6 +9291,404 @@
           </a:graphicData>
         </a:graphic>
       </p:graphicFrame>
+      <p:sp>
+        <p:nvSpPr>
+          <p:cNvPr id="5" name="Content Placeholder 7">
+            <a:extLst>
+              <a:ext uri="{FF2B5EF4-FFF2-40B4-BE49-F238E27FC236}">
+                <a16:creationId xmlns:a16="http://schemas.microsoft.com/office/drawing/2014/main" id="{0DF22289-F28B-4EC3-8175-A67A85A88513}"/>
+              </a:ext>
+            </a:extLst>
+          </p:cNvPr>
+          <p:cNvSpPr txBox="1">
+            <a:spLocks/>
+          </p:cNvSpPr>
+          <p:nvPr/>
+        </p:nvSpPr>
+        <p:spPr>
+          <a:xfrm>
+            <a:off x="913795" y="1732450"/>
+            <a:ext cx="10353762" cy="1335976"/>
+          </a:xfrm>
+          <a:prstGeom prst="rect">
+            <a:avLst/>
+          </a:prstGeom>
+          <a:effectLst>
+            <a:outerShdw blurRad="25400" dir="17880000">
+              <a:srgbClr val="000000">
+                <a:alpha val="46000"/>
+              </a:srgbClr>
+            </a:outerShdw>
+          </a:effectLst>
+        </p:spPr>
+        <p:txBody>
+          <a:bodyPr vert="horz" lIns="91440" tIns="45720" rIns="91440" bIns="45720" rtlCol="0" anchor="t">
+            <a:normAutofit fontScale="92500"/>
+          </a:bodyPr>
+          <a:lstStyle>
+            <a:lvl1pPr marL="342900" indent="-306000" algn="l" defTabSz="457200" rtl="0" eaLnBrk="1" latinLnBrk="0" hangingPunct="1">
+              <a:spcBef>
+                <a:spcPct val="20000"/>
+              </a:spcBef>
+              <a:spcAft>
+                <a:spcPts val="600"/>
+              </a:spcAft>
+              <a:buClr>
+                <a:schemeClr val="tx2"/>
+              </a:buClr>
+              <a:buSzPct val="70000"/>
+              <a:buFont typeface="Wingdings 2" charset="2"/>
+              <a:buChar char=""/>
+              <a:defRPr sz="2000" kern="1200">
+                <a:ln>
+                  <a:solidFill>
+                    <a:schemeClr val="bg1">
+                      <a:lumMod val="75000"/>
+                      <a:lumOff val="25000"/>
+                      <a:alpha val="10000"/>
+                    </a:schemeClr>
+                  </a:solidFill>
+                </a:ln>
+                <a:solidFill>
+                  <a:schemeClr val="tx2"/>
+                </a:solidFill>
+                <a:effectLst>
+                  <a:outerShdw blurRad="9525" dist="25400" dir="14640000" algn="tl" rotWithShape="0">
+                    <a:schemeClr val="bg1">
+                      <a:alpha val="30000"/>
+                    </a:schemeClr>
+                  </a:outerShdw>
+                </a:effectLst>
+                <a:latin typeface="+mn-lt"/>
+                <a:ea typeface="+mn-ea"/>
+                <a:cs typeface="+mn-cs"/>
+              </a:defRPr>
+            </a:lvl1pPr>
+            <a:lvl2pPr marL="720000" indent="-270000" algn="l" defTabSz="457200" rtl="0" eaLnBrk="1" latinLnBrk="0" hangingPunct="1">
+              <a:spcBef>
+                <a:spcPct val="20000"/>
+              </a:spcBef>
+              <a:spcAft>
+                <a:spcPts val="600"/>
+              </a:spcAft>
+              <a:buClr>
+                <a:schemeClr val="tx2"/>
+              </a:buClr>
+              <a:buSzPct val="70000"/>
+              <a:buFont typeface="Wingdings 2" charset="2"/>
+              <a:buChar char=""/>
+              <a:defRPr sz="1800" kern="1200">
+                <a:ln>
+                  <a:solidFill>
+                    <a:schemeClr val="bg1">
+                      <a:lumMod val="75000"/>
+                      <a:lumOff val="25000"/>
+                      <a:alpha val="10000"/>
+                    </a:schemeClr>
+                  </a:solidFill>
+                </a:ln>
+                <a:solidFill>
+                  <a:schemeClr val="tx2"/>
+                </a:solidFill>
+                <a:effectLst>
+                  <a:outerShdw blurRad="9525" dist="25400" dir="14640000" algn="tl" rotWithShape="0">
+                    <a:schemeClr val="bg1">
+                      <a:alpha val="30000"/>
+                    </a:schemeClr>
+                  </a:outerShdw>
+                </a:effectLst>
+                <a:latin typeface="+mn-lt"/>
+                <a:ea typeface="+mn-ea"/>
+                <a:cs typeface="+mn-cs"/>
+              </a:defRPr>
+            </a:lvl2pPr>
+            <a:lvl3pPr marL="1026000" indent="-216000" algn="l" defTabSz="457200" rtl="0" eaLnBrk="1" latinLnBrk="0" hangingPunct="1">
+              <a:spcBef>
+                <a:spcPct val="20000"/>
+              </a:spcBef>
+              <a:spcAft>
+                <a:spcPts val="600"/>
+              </a:spcAft>
+              <a:buClr>
+                <a:schemeClr val="tx2"/>
+              </a:buClr>
+              <a:buSzPct val="70000"/>
+              <a:buFont typeface="Wingdings 2" charset="2"/>
+              <a:buChar char=""/>
+              <a:defRPr sz="1600" kern="1200">
+                <a:ln>
+                  <a:solidFill>
+                    <a:schemeClr val="bg1">
+                      <a:lumMod val="75000"/>
+                      <a:lumOff val="25000"/>
+                      <a:alpha val="10000"/>
+                    </a:schemeClr>
+                  </a:solidFill>
+                </a:ln>
+                <a:solidFill>
+                  <a:schemeClr val="tx2"/>
+                </a:solidFill>
+                <a:effectLst>
+                  <a:outerShdw blurRad="9525" dist="25400" dir="14640000" algn="tl" rotWithShape="0">
+                    <a:schemeClr val="bg1">
+                      <a:alpha val="30000"/>
+                    </a:schemeClr>
+                  </a:outerShdw>
+                </a:effectLst>
+                <a:latin typeface="+mn-lt"/>
+                <a:ea typeface="+mn-ea"/>
+                <a:cs typeface="+mn-cs"/>
+              </a:defRPr>
+            </a:lvl3pPr>
+            <a:lvl4pPr marL="1386000" indent="-216000" algn="l" defTabSz="457200" rtl="0" eaLnBrk="1" latinLnBrk="0" hangingPunct="1">
+              <a:spcBef>
+                <a:spcPct val="20000"/>
+              </a:spcBef>
+              <a:spcAft>
+                <a:spcPts val="600"/>
+              </a:spcAft>
+              <a:buClr>
+                <a:schemeClr val="tx2"/>
+              </a:buClr>
+              <a:buSzPct val="70000"/>
+              <a:buFont typeface="Wingdings 2" charset="2"/>
+              <a:buChar char=""/>
+              <a:defRPr sz="1400" kern="1200">
+                <a:ln>
+                  <a:solidFill>
+                    <a:schemeClr val="bg1">
+                      <a:lumMod val="75000"/>
+                      <a:lumOff val="25000"/>
+                      <a:alpha val="10000"/>
+                    </a:schemeClr>
+                  </a:solidFill>
+                </a:ln>
+                <a:solidFill>
+                  <a:schemeClr val="tx2"/>
+                </a:solidFill>
+                <a:effectLst>
+                  <a:outerShdw blurRad="9525" dist="25400" dir="14640000" algn="tl" rotWithShape="0">
+                    <a:schemeClr val="bg1">
+                      <a:alpha val="30000"/>
+                    </a:schemeClr>
+                  </a:outerShdw>
+                </a:effectLst>
+                <a:latin typeface="+mn-lt"/>
+                <a:ea typeface="+mn-ea"/>
+                <a:cs typeface="+mn-cs"/>
+              </a:defRPr>
+            </a:lvl4pPr>
+            <a:lvl5pPr marL="1674000" indent="-216000" algn="l" defTabSz="457200" rtl="0" eaLnBrk="1" latinLnBrk="0" hangingPunct="1">
+              <a:spcBef>
+                <a:spcPct val="20000"/>
+              </a:spcBef>
+              <a:spcAft>
+                <a:spcPts val="600"/>
+              </a:spcAft>
+              <a:buClr>
+                <a:schemeClr val="tx2"/>
+              </a:buClr>
+              <a:buSzPct val="70000"/>
+              <a:buFont typeface="Wingdings 2" charset="2"/>
+              <a:buChar char=""/>
+              <a:defRPr sz="1400" kern="1200">
+                <a:ln>
+                  <a:solidFill>
+                    <a:schemeClr val="bg1">
+                      <a:lumMod val="75000"/>
+                      <a:lumOff val="25000"/>
+                      <a:alpha val="10000"/>
+                    </a:schemeClr>
+                  </a:solidFill>
+                </a:ln>
+                <a:solidFill>
+                  <a:schemeClr val="tx2"/>
+                </a:solidFill>
+                <a:effectLst>
+                  <a:outerShdw blurRad="9525" dist="25400" dir="14640000" algn="tl" rotWithShape="0">
+                    <a:schemeClr val="bg1">
+                      <a:alpha val="30000"/>
+                    </a:schemeClr>
+                  </a:outerShdw>
+                </a:effectLst>
+                <a:latin typeface="+mn-lt"/>
+                <a:ea typeface="+mn-ea"/>
+                <a:cs typeface="+mn-cs"/>
+              </a:defRPr>
+            </a:lvl5pPr>
+            <a:lvl6pPr marL="2014600" indent="-228600" algn="l" defTabSz="457200" rtl="0" eaLnBrk="1" latinLnBrk="0" hangingPunct="1">
+              <a:spcBef>
+                <a:spcPct val="20000"/>
+              </a:spcBef>
+              <a:spcAft>
+                <a:spcPts val="600"/>
+              </a:spcAft>
+              <a:buClr>
+                <a:schemeClr val="tx2"/>
+              </a:buClr>
+              <a:buSzPct val="70000"/>
+              <a:buFont typeface="Wingdings 2" charset="2"/>
+              <a:buChar char=""/>
+              <a:defRPr sz="1400" kern="1200">
+                <a:ln>
+                  <a:solidFill>
+                    <a:schemeClr val="bg1">
+                      <a:lumMod val="75000"/>
+                      <a:lumOff val="25000"/>
+                      <a:alpha val="10000"/>
+                    </a:schemeClr>
+                  </a:solidFill>
+                </a:ln>
+                <a:solidFill>
+                  <a:schemeClr val="tx2"/>
+                </a:solidFill>
+                <a:effectLst>
+                  <a:outerShdw blurRad="9525" dist="25400" dir="14640000" algn="tl" rotWithShape="0">
+                    <a:schemeClr val="bg1">
+                      <a:alpha val="30000"/>
+                    </a:schemeClr>
+                  </a:outerShdw>
+                </a:effectLst>
+                <a:latin typeface="+mn-lt"/>
+                <a:ea typeface="+mn-ea"/>
+                <a:cs typeface="+mn-cs"/>
+              </a:defRPr>
+            </a:lvl6pPr>
+            <a:lvl7pPr marL="2401800" indent="-228600" algn="l" defTabSz="457200" rtl="0" eaLnBrk="1" latinLnBrk="0" hangingPunct="1">
+              <a:spcBef>
+                <a:spcPct val="20000"/>
+              </a:spcBef>
+              <a:spcAft>
+                <a:spcPts val="600"/>
+              </a:spcAft>
+              <a:buClr>
+                <a:schemeClr val="tx2"/>
+              </a:buClr>
+              <a:buSzPct val="70000"/>
+              <a:buFont typeface="Wingdings 2" charset="2"/>
+              <a:buChar char=""/>
+              <a:defRPr sz="1400" kern="1200">
+                <a:ln>
+                  <a:solidFill>
+                    <a:schemeClr val="bg1">
+                      <a:lumMod val="75000"/>
+                      <a:lumOff val="25000"/>
+                      <a:alpha val="10000"/>
+                    </a:schemeClr>
+                  </a:solidFill>
+                </a:ln>
+                <a:solidFill>
+                  <a:schemeClr val="tx2"/>
+                </a:solidFill>
+                <a:effectLst>
+                  <a:outerShdw blurRad="9525" dist="25400" dir="14640000" algn="tl" rotWithShape="0">
+                    <a:schemeClr val="bg1">
+                      <a:alpha val="30000"/>
+                    </a:schemeClr>
+                  </a:outerShdw>
+                </a:effectLst>
+                <a:latin typeface="+mn-lt"/>
+                <a:ea typeface="+mn-ea"/>
+                <a:cs typeface="+mn-cs"/>
+              </a:defRPr>
+            </a:lvl7pPr>
+            <a:lvl8pPr marL="2789000" indent="-228600" algn="l" defTabSz="457200" rtl="0" eaLnBrk="1" latinLnBrk="0" hangingPunct="1">
+              <a:spcBef>
+                <a:spcPct val="20000"/>
+              </a:spcBef>
+              <a:spcAft>
+                <a:spcPts val="600"/>
+              </a:spcAft>
+              <a:buClr>
+                <a:schemeClr val="tx2"/>
+              </a:buClr>
+              <a:buSzPct val="70000"/>
+              <a:buFont typeface="Wingdings 2" charset="2"/>
+              <a:buChar char=""/>
+              <a:defRPr sz="1400" kern="1200">
+                <a:ln>
+                  <a:solidFill>
+                    <a:schemeClr val="bg1">
+                      <a:lumMod val="75000"/>
+                      <a:lumOff val="25000"/>
+                      <a:alpha val="10000"/>
+                    </a:schemeClr>
+                  </a:solidFill>
+                </a:ln>
+                <a:solidFill>
+                  <a:schemeClr val="tx2"/>
+                </a:solidFill>
+                <a:effectLst>
+                  <a:outerShdw blurRad="9525" dist="25400" dir="14640000" algn="tl" rotWithShape="0">
+                    <a:schemeClr val="bg1">
+                      <a:alpha val="30000"/>
+                    </a:schemeClr>
+                  </a:outerShdw>
+                </a:effectLst>
+                <a:latin typeface="+mn-lt"/>
+                <a:ea typeface="+mn-ea"/>
+                <a:cs typeface="+mn-cs"/>
+              </a:defRPr>
+            </a:lvl8pPr>
+            <a:lvl9pPr marL="3106200" indent="-228600" algn="l" defTabSz="457200" rtl="0" eaLnBrk="1" latinLnBrk="0" hangingPunct="1">
+              <a:spcBef>
+                <a:spcPct val="20000"/>
+              </a:spcBef>
+              <a:spcAft>
+                <a:spcPts val="600"/>
+              </a:spcAft>
+              <a:buClr>
+                <a:schemeClr val="tx2"/>
+              </a:buClr>
+              <a:buSzPct val="70000"/>
+              <a:buFont typeface="Wingdings 2" charset="2"/>
+              <a:buChar char=""/>
+              <a:defRPr sz="1400" kern="1200">
+                <a:ln>
+                  <a:solidFill>
+                    <a:schemeClr val="bg1">
+                      <a:lumMod val="75000"/>
+                      <a:lumOff val="25000"/>
+                      <a:alpha val="10000"/>
+                    </a:schemeClr>
+                  </a:solidFill>
+                </a:ln>
+                <a:solidFill>
+                  <a:schemeClr val="tx2"/>
+                </a:solidFill>
+                <a:effectLst>
+                  <a:outerShdw blurRad="9525" dist="25400" dir="14640000" algn="tl" rotWithShape="0">
+                    <a:schemeClr val="bg1">
+                      <a:alpha val="30000"/>
+                    </a:schemeClr>
+                  </a:outerShdw>
+                </a:effectLst>
+                <a:latin typeface="+mn-lt"/>
+                <a:ea typeface="+mn-ea"/>
+                <a:cs typeface="+mn-cs"/>
+              </a:defRPr>
+            </a:lvl9pPr>
+          </a:lstStyle>
+          <a:p>
+            <a:r>
+              <a:rPr lang="en-US" dirty="0"/>
+              <a:t>No models were able to able to product significantly better results than the baseline of 88.8%</a:t>
+            </a:r>
+          </a:p>
+          <a:p>
+            <a:r>
+              <a:rPr lang="en-US" dirty="0"/>
+              <a:t>The best accuracy performer was KNN</a:t>
+            </a:r>
+          </a:p>
+          <a:p>
+            <a:r>
+              <a:rPr lang="en-US" dirty="0"/>
+              <a:t>The best performers measured by specificity were Lasso and Ridge Regression</a:t>
+            </a:r>
+          </a:p>
+        </p:txBody>
+      </p:sp>
     </p:spTree>
     <p:extLst>
       <p:ext uri="{BB962C8B-B14F-4D97-AF65-F5344CB8AC3E}">
@@ -9314,7 +9794,7 @@
         <p:spPr/>
         <p:txBody>
           <a:bodyPr>
-            <a:normAutofit lnSpcReduction="10000"/>
+            <a:normAutofit/>
           </a:bodyPr>
           <a:lstStyle/>
           <a:p>
@@ -9327,21 +9807,7 @@
             <a:pPr lvl="1"/>
             <a:r>
               <a:rPr lang="en-US" dirty="0"/>
-              <a:t>Less likely to overfitting than decision trees</a:t>
-            </a:r>
-          </a:p>
-          <a:p>
-            <a:pPr lvl="1"/>
-            <a:r>
-              <a:rPr lang="en-US" dirty="0"/>
               <a:t>Help understand feature importance</a:t>
-            </a:r>
-          </a:p>
-          <a:p>
-            <a:pPr lvl="1"/>
-            <a:r>
-              <a:rPr lang="en-US" dirty="0"/>
-              <a:t>Resistant to outliers</a:t>
             </a:r>
           </a:p>
           <a:p>
@@ -9361,14 +9827,14 @@
             <a:pPr lvl="1"/>
             <a:r>
               <a:rPr lang="en-US" dirty="0"/>
-              <a:t>Difficult to interpret</a:t>
+              <a:t>Black box</a:t>
             </a:r>
           </a:p>
           <a:p>
             <a:pPr lvl="1"/>
             <a:r>
               <a:rPr lang="en-US" dirty="0"/>
-              <a:t>Larger forests can be slow to run</a:t>
+              <a:t>Larger forests can be slow to run and be computationally intensive</a:t>
             </a:r>
           </a:p>
           <a:p>
@@ -9424,11 +9890,26 @@
         <p:spPr/>
         <p:txBody>
           <a:bodyPr>
-            <a:normAutofit lnSpcReduction="10000"/>
+            <a:normAutofit/>
           </a:bodyPr>
           <a:lstStyle/>
           <a:p>
-            <a:endParaRPr lang="en-US" dirty="0"/>
+            <a:r>
+              <a:rPr lang="en-US" dirty="0"/>
+              <a:t>Number of Estimators : Tested values up to 10,000 – 5 produced best results</a:t>
+            </a:r>
+          </a:p>
+          <a:p>
+            <a:r>
+              <a:rPr lang="en-US" dirty="0"/>
+              <a:t>Accuracy = .8961</a:t>
+            </a:r>
+          </a:p>
+          <a:p>
+            <a:r>
+              <a:rPr lang="en-US" dirty="0"/>
+              <a:t>Score = .1775</a:t>
+            </a:r>
           </a:p>
         </p:txBody>
       </p:sp>
@@ -9582,7 +10063,7 @@
             <a:pPr lvl="1"/>
             <a:r>
               <a:rPr lang="en-US" dirty="0"/>
-              <a:t>Requires large data set to achieve stable results</a:t>
+              <a:t>None of the models perform well on both Accuracy and Sensitivity</a:t>
             </a:r>
           </a:p>
           <a:p>
@@ -9640,7 +10121,44 @@
           <a:bodyPr/>
           <a:lstStyle/>
           <a:p>
-            <a:endParaRPr lang="en-US"/>
+            <a:r>
+              <a:rPr lang="en-US" dirty="0"/>
+              <a:t>Logistic regression performed best on accuracy, class weight = None. </a:t>
+            </a:r>
+          </a:p>
+          <a:p>
+            <a:pPr lvl="1"/>
+            <a:r>
+              <a:rPr lang="en-US" dirty="0"/>
+              <a:t>Accuracy = .8963</a:t>
+            </a:r>
+          </a:p>
+          <a:p>
+            <a:pPr lvl="1"/>
+            <a:r>
+              <a:rPr lang="en-US" dirty="0"/>
+              <a:t>Sensitivity = .1944</a:t>
+            </a:r>
+          </a:p>
+          <a:p>
+            <a:r>
+              <a:rPr lang="en-US" dirty="0"/>
+              <a:t>Lasso and Ridge performed best with sensitivity,  </a:t>
+            </a:r>
+          </a:p>
+          <a:p>
+            <a:pPr lvl="1"/>
+            <a:r>
+              <a:rPr lang="en-US" dirty="0"/>
+              <a:t>Accuracy = .8214</a:t>
+            </a:r>
+          </a:p>
+          <a:p>
+            <a:pPr lvl="1"/>
+            <a:r>
+              <a:rPr lang="en-US" dirty="0"/>
+              <a:t>Sensitivity = .3102</a:t>
+            </a:r>
           </a:p>
         </p:txBody>
       </p:sp>
@@ -9765,13 +10283,6 @@
             <a:pPr lvl="1"/>
             <a:r>
               <a:rPr lang="en-US" dirty="0"/>
-              <a:t>Very accurate</a:t>
-            </a:r>
-          </a:p>
-          <a:p>
-            <a:pPr lvl="1"/>
-            <a:r>
-              <a:rPr lang="en-US" dirty="0"/>
               <a:t>Can model complex, nonlinear relationships</a:t>
             </a:r>
           </a:p>
@@ -9864,7 +10375,28 @@
           <a:bodyPr/>
           <a:lstStyle/>
           <a:p>
-            <a:endParaRPr lang="en-US"/>
+            <a:r>
+              <a:rPr lang="en-US" dirty="0"/>
+              <a:t>Kernel – RBF, Linear : RBF</a:t>
+            </a:r>
+          </a:p>
+          <a:p>
+            <a:r>
+              <a:rPr lang="en-US" dirty="0"/>
+              <a:t>Class Weight – None, Balance : None</a:t>
+            </a:r>
+          </a:p>
+          <a:p>
+            <a:r>
+              <a:rPr lang="en-US" dirty="0"/>
+              <a:t>Accuracy : .8953</a:t>
+            </a:r>
+          </a:p>
+          <a:p>
+            <a:r>
+              <a:rPr lang="en-US" dirty="0"/>
+              <a:t>Sensitivity : .2088</a:t>
+            </a:r>
           </a:p>
         </p:txBody>
       </p:sp>
@@ -9973,7 +10505,7 @@
         <p:spPr/>
         <p:txBody>
           <a:bodyPr>
-            <a:normAutofit fontScale="85000" lnSpcReduction="20000"/>
+            <a:normAutofit fontScale="92500" lnSpcReduction="10000"/>
           </a:bodyPr>
           <a:lstStyle/>
           <a:p>
@@ -9986,7 +10518,15 @@
             <a:pPr lvl="1"/>
             <a:r>
               <a:rPr lang="en-US" dirty="0"/>
-              <a:t>Feature transformation not needed</a:t>
+              <a:t>Used </a:t>
+            </a:r>
+            <a:r>
+              <a:rPr lang="en-US" dirty="0" err="1"/>
+              <a:t>Itertools</a:t>
+            </a:r>
+            <a:r>
+              <a:rPr lang="en-US" dirty="0"/>
+              <a:t> to test all parameter combinations</a:t>
             </a:r>
           </a:p>
           <a:p>
@@ -10017,21 +10557,7 @@
             <a:pPr lvl="1"/>
             <a:r>
               <a:rPr lang="en-US" dirty="0"/>
-              <a:t>Difficult to interpret</a:t>
-            </a:r>
-          </a:p>
-          <a:p>
-            <a:pPr lvl="1"/>
-            <a:r>
-              <a:rPr lang="en-US" dirty="0"/>
-              <a:t>Can be computationally intensive with larger number of estimators</a:t>
-            </a:r>
-          </a:p>
-          <a:p>
-            <a:pPr lvl="1"/>
-            <a:r>
-              <a:rPr lang="en-US" dirty="0"/>
-              <a:t>Sensitive to noisy data and outliers*</a:t>
+              <a:t>Can be computationally intensive with larger number of estimators and different parameter combinations</a:t>
             </a:r>
           </a:p>
           <a:p>
@@ -10064,7 +10590,10 @@
           <a:bodyPr/>
           <a:lstStyle/>
           <a:p>
-            <a:endParaRPr lang="en-US"/>
+            <a:r>
+              <a:rPr lang="en-US" dirty="0"/>
+              <a:t>Parameters &amp; Results</a:t>
+            </a:r>
           </a:p>
         </p:txBody>
       </p:sp>
@@ -10087,11 +10616,44 @@
         <p:spPr/>
         <p:txBody>
           <a:bodyPr>
-            <a:normAutofit fontScale="85000" lnSpcReduction="20000"/>
+            <a:normAutofit fontScale="92500" lnSpcReduction="10000"/>
           </a:bodyPr>
           <a:lstStyle/>
           <a:p>
-            <a:endParaRPr lang="en-US"/>
+            <a:r>
+              <a:rPr lang="en-US" dirty="0"/>
+              <a:t>Loss Types – Deviance, Exponential : Deviance </a:t>
+            </a:r>
+          </a:p>
+          <a:p>
+            <a:r>
+              <a:rPr lang="en-US" dirty="0"/>
+              <a:t>Max Depth – 1 to 8 : 4</a:t>
+            </a:r>
+          </a:p>
+          <a:p>
+            <a:r>
+              <a:rPr lang="en-US" dirty="0"/>
+              <a:t>Estimators – 1 to 1,000 : 100</a:t>
+            </a:r>
+          </a:p>
+          <a:p>
+            <a:r>
+              <a:rPr lang="en-US" dirty="0"/>
+              <a:t>Max Features – None </a:t>
+            </a:r>
+          </a:p>
+          <a:p>
+            <a:r>
+              <a:rPr lang="en-US" dirty="0"/>
+              <a:t>Accuracy = .8954</a:t>
+            </a:r>
+          </a:p>
+          <a:p>
+            <a:r>
+              <a:rPr lang="en-US" dirty="0"/>
+              <a:t>Sensitivity = .1893</a:t>
+            </a:r>
           </a:p>
         </p:txBody>
       </p:sp>
@@ -10222,13 +10784,6 @@
             </a:r>
           </a:p>
           <a:p>
-            <a:pPr lvl="1"/>
-            <a:r>
-              <a:rPr lang="en-US" dirty="0"/>
-              <a:t>Handles multiclass problems well</a:t>
-            </a:r>
-          </a:p>
-          <a:p>
             <a:pPr marL="358650" indent="-285750"/>
             <a:r>
               <a:rPr lang="en-US" dirty="0"/>
@@ -10245,12 +10800,8 @@
           <a:p>
             <a:pPr marL="735750" lvl="1" indent="-285750"/>
             <a:r>
-              <a:rPr lang="en-US"/>
-              <a:t>Can </a:t>
-            </a:r>
-            <a:r>
               <a:rPr lang="en-US" dirty="0"/>
-              <a:t>be slow during prediction</a:t>
+              <a:t>Can be slow during prediction</a:t>
             </a:r>
           </a:p>
           <a:p>
@@ -10308,7 +10859,28 @@
           <a:bodyPr/>
           <a:lstStyle/>
           <a:p>
-            <a:endParaRPr lang="en-US"/>
+            <a:r>
+              <a:rPr lang="en-US" dirty="0"/>
+              <a:t>Weights – Uniform, Distance: Uniform</a:t>
+            </a:r>
+          </a:p>
+          <a:p>
+            <a:r>
+              <a:rPr lang="en-US" dirty="0"/>
+              <a:t>Neighbors – 1 – 100 : 97</a:t>
+            </a:r>
+          </a:p>
+          <a:p>
+            <a:r>
+              <a:rPr lang="en-US" dirty="0"/>
+              <a:t>Accuracy = .8963</a:t>
+            </a:r>
+          </a:p>
+          <a:p>
+            <a:r>
+              <a:rPr lang="en-US" dirty="0"/>
+              <a:t>Sensitivity = .1944</a:t>
+            </a:r>
           </a:p>
         </p:txBody>
       </p:sp>
@@ -10347,7 +10919,7 @@
           <p:cNvPr id="2" name="Title 1">
             <a:extLst>
               <a:ext uri="{FF2B5EF4-FFF2-40B4-BE49-F238E27FC236}">
-                <a16:creationId xmlns:a16="http://schemas.microsoft.com/office/drawing/2014/main" id="{0E6441B5-A70E-41CF-B642-E890D0187948}"/>
+                <a16:creationId xmlns:a16="http://schemas.microsoft.com/office/drawing/2014/main" id="{4A1F2DD6-58ED-4A48-9C7C-09E0A00FB106}"/>
               </a:ext>
             </a:extLst>
           </p:cNvPr>
@@ -10365,7 +10937,7 @@
           <a:p>
             <a:r>
               <a:rPr lang="en-US" dirty="0"/>
-              <a:t>Future Work</a:t>
+              <a:t>Conclusions</a:t>
             </a:r>
           </a:p>
         </p:txBody>
@@ -10375,7 +10947,7 @@
           <p:cNvPr id="3" name="Content Placeholder 2">
             <a:extLst>
               <a:ext uri="{FF2B5EF4-FFF2-40B4-BE49-F238E27FC236}">
-                <a16:creationId xmlns:a16="http://schemas.microsoft.com/office/drawing/2014/main" id="{E63C308E-1F0D-4471-8644-F66A306E1FEF}"/>
+                <a16:creationId xmlns:a16="http://schemas.microsoft.com/office/drawing/2014/main" id="{2E19BCA5-7B77-4952-92D3-7EE99DE66485}"/>
               </a:ext>
             </a:extLst>
           </p:cNvPr>
@@ -10393,7 +10965,39 @@
           <a:p>
             <a:r>
               <a:rPr lang="en-US" dirty="0"/>
-              <a:t>Attempt to obtain more data to help build improved models</a:t>
+              <a:t>The data available did not allow for making predictions meaningfully better than baseline.</a:t>
+            </a:r>
+          </a:p>
+          <a:p>
+            <a:r>
+              <a:rPr lang="en-US" dirty="0"/>
+              <a:t>The only meaningful predictor, Previously Contacted – Yes, applied to a very small portion of the data so it didn’t help overall model performance.</a:t>
+            </a:r>
+          </a:p>
+          <a:p>
+            <a:r>
+              <a:rPr lang="en-US" dirty="0"/>
+              <a:t>Additional data is needed to improve model performance – a larger private dataset included information on the bank employee making the call, and additional customer information.</a:t>
+            </a:r>
+          </a:p>
+          <a:p>
+            <a:r>
+              <a:rPr lang="en-US" dirty="0"/>
+              <a:t>Business scenario would dictate whether priority is improving accuracy or sensitivity</a:t>
+            </a:r>
+          </a:p>
+          <a:p>
+            <a:pPr lvl="1"/>
+            <a:r>
+              <a:rPr lang="en-US" dirty="0"/>
+              <a:t>Best model for accuracy is KNN</a:t>
+            </a:r>
+          </a:p>
+          <a:p>
+            <a:pPr lvl="1"/>
+            <a:r>
+              <a:rPr lang="en-US" dirty="0"/>
+              <a:t>Best models for sensitivity are Ridge and Lasso Regression</a:t>
             </a:r>
           </a:p>
           <a:p>
@@ -10404,7 +11008,7 @@
     </p:spTree>
     <p:extLst>
       <p:ext uri="{BB962C8B-B14F-4D97-AF65-F5344CB8AC3E}">
-        <p14:creationId xmlns:p14="http://schemas.microsoft.com/office/powerpoint/2010/main" val="562104224"/>
+        <p14:creationId xmlns:p14="http://schemas.microsoft.com/office/powerpoint/2010/main" val="2115083516"/>
       </p:ext>
     </p:extLst>
   </p:cSld>
@@ -10436,7 +11040,7 @@
           <p:cNvPr id="2" name="Title 1">
             <a:extLst>
               <a:ext uri="{FF2B5EF4-FFF2-40B4-BE49-F238E27FC236}">
-                <a16:creationId xmlns:a16="http://schemas.microsoft.com/office/drawing/2014/main" id="{4A1F2DD6-58ED-4A48-9C7C-09E0A00FB106}"/>
+                <a16:creationId xmlns:a16="http://schemas.microsoft.com/office/drawing/2014/main" id="{5DCE5D67-69C6-45B2-9A56-61EFE8C964B4}"/>
               </a:ext>
             </a:extLst>
           </p:cNvPr>
@@ -10454,40 +11058,15 @@
           <a:p>
             <a:r>
               <a:rPr lang="en-US" dirty="0"/>
-              <a:t>Conclusions</a:t>
-            </a:r>
-          </a:p>
-        </p:txBody>
-      </p:sp>
-      <p:sp>
-        <p:nvSpPr>
-          <p:cNvPr id="3" name="Content Placeholder 2">
-            <a:extLst>
-              <a:ext uri="{FF2B5EF4-FFF2-40B4-BE49-F238E27FC236}">
-                <a16:creationId xmlns:a16="http://schemas.microsoft.com/office/drawing/2014/main" id="{2E19BCA5-7B77-4952-92D3-7EE99DE66485}"/>
-              </a:ext>
-            </a:extLst>
-          </p:cNvPr>
-          <p:cNvSpPr>
-            <a:spLocks noGrp="1"/>
-          </p:cNvSpPr>
-          <p:nvPr>
-            <p:ph idx="1"/>
-          </p:nvPr>
-        </p:nvSpPr>
-        <p:spPr/>
-        <p:txBody>
-          <a:bodyPr/>
-          <a:lstStyle/>
-          <a:p>
-            <a:endParaRPr lang="en-US"/>
+              <a:t>Thank You!</a:t>
+            </a:r>
           </a:p>
         </p:txBody>
       </p:sp>
     </p:spTree>
     <p:extLst>
       <p:ext uri="{BB962C8B-B14F-4D97-AF65-F5344CB8AC3E}">
-        <p14:creationId xmlns:p14="http://schemas.microsoft.com/office/powerpoint/2010/main" val="2115083516"/>
+        <p14:creationId xmlns:p14="http://schemas.microsoft.com/office/powerpoint/2010/main" val="211389930"/>
       </p:ext>
     </p:extLst>
   </p:cSld>
@@ -10577,7 +11156,7 @@
             <a:pPr lvl="1"/>
             <a:r>
               <a:rPr lang="en-US" dirty="0"/>
-              <a:t>Marketing response data obtained from UCI Machine Learning Repository - from a Portuguese bank using telemarketing to offer their customers a term deposit product</a:t>
+              <a:t>Marketing response data obtained from UCI Machine Learning Repository - Portuguese bank using telemarketing to offer their customers a term deposit product</a:t>
             </a:r>
           </a:p>
           <a:p>
@@ -10590,7 +11169,7 @@
           <a:p>
             <a:r>
               <a:rPr lang="en-US" dirty="0"/>
-              <a:t>Research Topic:  Can we predict whether a customer will purchase the product, given demographic and campaign data.</a:t>
+              <a:t>Research Topic:  Can we predict whether a customer will purchase the product, given demographic, campaign, and economic data.</a:t>
             </a:r>
           </a:p>
           <a:p>
@@ -10605,89 +11184,6 @@
     <p:extLst>
       <p:ext uri="{BB962C8B-B14F-4D97-AF65-F5344CB8AC3E}">
         <p14:creationId xmlns:p14="http://schemas.microsoft.com/office/powerpoint/2010/main" val="4191326613"/>
-      </p:ext>
-    </p:extLst>
-  </p:cSld>
-  <p:clrMapOvr>
-    <a:masterClrMapping/>
-  </p:clrMapOvr>
-</p:sld>
-</file>
-
-<file path=ppt/slides/slide20.xml><?xml version="1.0" encoding="utf-8"?>
-<p:sld xmlns:a="http://schemas.openxmlformats.org/drawingml/2006/main" xmlns:r="http://schemas.openxmlformats.org/officeDocument/2006/relationships" xmlns:p="http://schemas.openxmlformats.org/presentationml/2006/main">
-  <p:cSld>
-    <p:spTree>
-      <p:nvGrpSpPr>
-        <p:cNvPr id="1" name=""/>
-        <p:cNvGrpSpPr/>
-        <p:nvPr/>
-      </p:nvGrpSpPr>
-      <p:grpSpPr>
-        <a:xfrm>
-          <a:off x="0" y="0"/>
-          <a:ext cx="0" cy="0"/>
-          <a:chOff x="0" y="0"/>
-          <a:chExt cx="0" cy="0"/>
-        </a:xfrm>
-      </p:grpSpPr>
-      <p:sp>
-        <p:nvSpPr>
-          <p:cNvPr id="2" name="Title 1">
-            <a:extLst>
-              <a:ext uri="{FF2B5EF4-FFF2-40B4-BE49-F238E27FC236}">
-                <a16:creationId xmlns:a16="http://schemas.microsoft.com/office/drawing/2014/main" id="{5DCE5D67-69C6-45B2-9A56-61EFE8C964B4}"/>
-              </a:ext>
-            </a:extLst>
-          </p:cNvPr>
-          <p:cNvSpPr>
-            <a:spLocks noGrp="1"/>
-          </p:cNvSpPr>
-          <p:nvPr>
-            <p:ph type="title"/>
-          </p:nvPr>
-        </p:nvSpPr>
-        <p:spPr/>
-        <p:txBody>
-          <a:bodyPr/>
-          <a:lstStyle/>
-          <a:p>
-            <a:r>
-              <a:rPr lang="en-US" dirty="0"/>
-              <a:t>Thank You!</a:t>
-            </a:r>
-          </a:p>
-        </p:txBody>
-      </p:sp>
-      <p:sp>
-        <p:nvSpPr>
-          <p:cNvPr id="3" name="Content Placeholder 2">
-            <a:extLst>
-              <a:ext uri="{FF2B5EF4-FFF2-40B4-BE49-F238E27FC236}">
-                <a16:creationId xmlns:a16="http://schemas.microsoft.com/office/drawing/2014/main" id="{BF4ACCEF-B406-4CD4-B30E-CC111E7F7065}"/>
-              </a:ext>
-            </a:extLst>
-          </p:cNvPr>
-          <p:cNvSpPr>
-            <a:spLocks noGrp="1"/>
-          </p:cNvSpPr>
-          <p:nvPr>
-            <p:ph idx="1"/>
-          </p:nvPr>
-        </p:nvSpPr>
-        <p:spPr/>
-        <p:txBody>
-          <a:bodyPr/>
-          <a:lstStyle/>
-          <a:p>
-            <a:endParaRPr lang="en-US"/>
-          </a:p>
-        </p:txBody>
-      </p:sp>
-    </p:spTree>
-    <p:extLst>
-      <p:ext uri="{BB962C8B-B14F-4D97-AF65-F5344CB8AC3E}">
-        <p14:creationId xmlns:p14="http://schemas.microsoft.com/office/powerpoint/2010/main" val="211389930"/>
       </p:ext>
     </p:extLst>
   </p:cSld>
@@ -10868,21 +11364,21 @@
             <a:pPr lvl="1"/>
             <a:r>
               <a:rPr lang="en-US" dirty="0"/>
-              <a:t>Customer – Age, Job, Marital, Education, Housing, etc. (1/7 continuous)</a:t>
+              <a:t>Customer – Age, Job, Marital, Education, Housing, etc. (1/8 numerical)</a:t>
             </a:r>
           </a:p>
           <a:p>
             <a:pPr lvl="1"/>
             <a:r>
               <a:rPr lang="en-US" dirty="0"/>
-              <a:t>Campaign – Number of contacts, day of week, duration, previous outcomes (4/9 Continuous)</a:t>
+              <a:t>Campaign – Number of contacts, day of week, duration, previous outcomes (4/8 numerical)</a:t>
             </a:r>
           </a:p>
           <a:p>
             <a:pPr lvl="1"/>
             <a:r>
               <a:rPr lang="en-US" dirty="0"/>
-              <a:t>Macro Economic – CPI, Employment variation rate, CCI, Number of employees( 4/4 continuous)</a:t>
+              <a:t>Macro Economic – CPI, Employment variation rate, CCI, Number of employees( 5/5 numerical)</a:t>
             </a:r>
           </a:p>
           <a:p>
@@ -11021,7 +11517,7 @@
         </p:blipFill>
         <p:spPr>
           <a:xfrm>
-            <a:off x="6406445" y="1862792"/>
+            <a:off x="6437831" y="1899262"/>
             <a:ext cx="4875632" cy="4875632"/>
           </a:xfrm>
           <a:prstGeom prst="rect">
@@ -11885,6 +12381,9 @@
             <a:off x="1448855" y="2597085"/>
             <a:ext cx="4141240" cy="4141240"/>
           </a:xfrm>
+          <a:prstGeom prst="rect">
+            <a:avLst/>
+          </a:prstGeom>
         </p:spPr>
       </p:pic>
       <p:pic>
@@ -11983,14 +12482,14 @@
         <p:spPr>
           <a:xfrm>
             <a:off x="6387782" y="1523706"/>
-            <a:ext cx="3984873" cy="1015663"/>
+            <a:ext cx="5640327" cy="646331"/>
           </a:xfrm>
           <a:prstGeom prst="rect">
             <a:avLst/>
           </a:prstGeom>
         </p:spPr>
         <p:txBody>
-          <a:bodyPr wrap="none">
+          <a:bodyPr wrap="none" anchor="t">
             <a:spAutoFit/>
           </a:bodyPr>
           <a:lstStyle/>
@@ -12000,36 +12499,65 @@
               <a:buChar char="•"/>
             </a:pPr>
             <a:r>
-              <a:rPr lang="en-US" sz="1200" dirty="0"/>
-              <a:t>Looking only at the bank and customer information</a:t>
+              <a:rPr lang="en-US" sz="1200" dirty="0">
+                <a:ea typeface="+mn-lt"/>
+                <a:cs typeface="+mn-lt"/>
+              </a:rPr>
+              <a:t>Previous and </a:t>
+            </a:r>
+            <a:r>
+              <a:rPr lang="en-US" sz="1200" dirty="0" err="1">
+                <a:ea typeface="+mn-lt"/>
+                <a:cs typeface="+mn-lt"/>
+              </a:rPr>
+              <a:t>pdays</a:t>
+            </a:r>
+            <a:r>
+              <a:rPr lang="en-US" sz="1200" dirty="0">
+                <a:ea typeface="+mn-lt"/>
+                <a:cs typeface="+mn-lt"/>
+              </a:rPr>
+              <a:t> are negatively correlated due a coding quirk, if a customer </a:t>
             </a:r>
             <a:br>
-              <a:rPr lang="en-US" sz="1200" dirty="0"/>
+              <a:rPr lang="en-US" sz="1200" dirty="0">
+                <a:ea typeface="+mn-lt"/>
+                <a:cs typeface="+mn-lt"/>
+              </a:rPr>
             </a:br>
             <a:r>
-              <a:rPr lang="en-US" sz="1200" dirty="0"/>
-              <a:t>there aren’t any worrying correlations between the </a:t>
+              <a:rPr lang="en-US" sz="1200" dirty="0">
+                <a:ea typeface="+mn-lt"/>
+                <a:cs typeface="+mn-lt"/>
+              </a:rPr>
+              <a:t>has not been previously correlated </a:t>
+            </a:r>
+            <a:r>
+              <a:rPr lang="en-US" sz="1200" dirty="0" err="1">
+                <a:ea typeface="+mn-lt"/>
+                <a:cs typeface="+mn-lt"/>
+              </a:rPr>
+              <a:t>pdays</a:t>
+            </a:r>
+            <a:r>
+              <a:rPr lang="en-US" sz="1200" dirty="0">
+                <a:ea typeface="+mn-lt"/>
+                <a:cs typeface="+mn-lt"/>
+              </a:rPr>
+              <a:t> has a value of 999, while previous has </a:t>
             </a:r>
             <a:br>
-              <a:rPr lang="en-US" sz="1200" dirty="0"/>
+              <a:rPr lang="en-US" sz="1200" dirty="0">
+                <a:ea typeface="+mn-lt"/>
+                <a:cs typeface="+mn-lt"/>
+              </a:rPr>
             </a:br>
             <a:r>
-              <a:rPr lang="en-US" sz="1200" dirty="0"/>
-              <a:t>features.  We do notice a correlation between duration</a:t>
-            </a:r>
-            <a:br>
-              <a:rPr lang="en-US" sz="1200" dirty="0"/>
-            </a:br>
-            <a:r>
-              <a:rPr lang="en-US" sz="1200" dirty="0"/>
-              <a:t>and the target outcome..  Unfortunately that can’t be </a:t>
-            </a:r>
-            <a:br>
-              <a:rPr lang="en-US" sz="1200" dirty="0"/>
-            </a:br>
-            <a:r>
-              <a:rPr lang="en-US" sz="1200" dirty="0"/>
-              <a:t>used since we will not know the duration beforehand.</a:t>
+              <a:rPr lang="en-US" sz="1200" dirty="0">
+                <a:ea typeface="+mn-lt"/>
+                <a:cs typeface="+mn-lt"/>
+              </a:rPr>
+              <a:t>0. Apart from that the features appear independent.</a:t>
             </a:r>
           </a:p>
         </p:txBody>
@@ -12421,10 +12949,10 @@
       </p:sp>
       <p:pic>
         <p:nvPicPr>
-          <p:cNvPr id="10" name="Picture 9">
+          <p:cNvPr id="4" name="Picture 3">
             <a:extLst>
               <a:ext uri="{FF2B5EF4-FFF2-40B4-BE49-F238E27FC236}">
-                <a16:creationId xmlns:a16="http://schemas.microsoft.com/office/drawing/2014/main" id="{6465003B-6EE3-4DEC-AB1C-679DC2FE804D}"/>
+                <a16:creationId xmlns:a16="http://schemas.microsoft.com/office/drawing/2014/main" id="{1A324428-4000-4A1D-8E68-C2024E615F3F}"/>
               </a:ext>
             </a:extLst>
           </p:cNvPr>
@@ -12441,8 +12969,8 @@
         </p:blipFill>
         <p:spPr>
           <a:xfrm>
-            <a:off x="403474" y="4123250"/>
-            <a:ext cx="11277537" cy="2390164"/>
+            <a:off x="163286" y="4062781"/>
+            <a:ext cx="12192000" cy="2585980"/>
           </a:xfrm>
           <a:prstGeom prst="rect">
             <a:avLst/>

--- a/Bank Marketing.pptx
+++ b/Bank Marketing.pptx
@@ -15,15 +15,20 @@
     <p:sldId id="267" r:id="rId9"/>
     <p:sldId id="272" r:id="rId10"/>
     <p:sldId id="259" r:id="rId11"/>
-    <p:sldId id="274" r:id="rId12"/>
-    <p:sldId id="260" r:id="rId13"/>
-    <p:sldId id="273" r:id="rId14"/>
-    <p:sldId id="261" r:id="rId15"/>
-    <p:sldId id="271" r:id="rId16"/>
-    <p:sldId id="270" r:id="rId17"/>
-    <p:sldId id="269" r:id="rId18"/>
-    <p:sldId id="263" r:id="rId19"/>
-    <p:sldId id="268" r:id="rId20"/>
+    <p:sldId id="280" r:id="rId12"/>
+    <p:sldId id="274" r:id="rId13"/>
+    <p:sldId id="260" r:id="rId14"/>
+    <p:sldId id="273" r:id="rId15"/>
+    <p:sldId id="277" r:id="rId16"/>
+    <p:sldId id="261" r:id="rId17"/>
+    <p:sldId id="271" r:id="rId18"/>
+    <p:sldId id="270" r:id="rId19"/>
+    <p:sldId id="279" r:id="rId20"/>
+    <p:sldId id="269" r:id="rId21"/>
+    <p:sldId id="278" r:id="rId22"/>
+    <p:sldId id="263" r:id="rId23"/>
+    <p:sldId id="276" r:id="rId24"/>
+    <p:sldId id="268" r:id="rId25"/>
   </p:sldIdLst>
   <p:sldSz cx="12192000" cy="6858000"/>
   <p:notesSz cx="6858000" cy="9144000"/>
@@ -135,18 +140,18 @@
   <pc:docChgLst>
     <pc:chgData name="Roy Shabaya" userId="aa0dbd3e755b963d" providerId="LiveId" clId="{B9ACF7BD-9B4D-4855-844E-6900B8EDEA6A}"/>
     <pc:docChg chg="undo redo custSel addSld delSld modSld sldOrd">
-      <pc:chgData name="Roy Shabaya" userId="aa0dbd3e755b963d" providerId="LiveId" clId="{B9ACF7BD-9B4D-4855-844E-6900B8EDEA6A}" dt="2018-04-20T15:55:30.629" v="9158" actId="14826"/>
+      <pc:chgData name="Roy Shabaya" userId="aa0dbd3e755b963d" providerId="LiveId" clId="{B9ACF7BD-9B4D-4855-844E-6900B8EDEA6A}" dt="2018-04-25T14:28:58.624" v="10838" actId="20577"/>
       <pc:docMkLst>
         <pc:docMk/>
       </pc:docMkLst>
       <pc:sldChg chg="addSp delSp modSp mod setBg">
-        <pc:chgData name="Roy Shabaya" userId="aa0dbd3e755b963d" providerId="LiveId" clId="{B9ACF7BD-9B4D-4855-844E-6900B8EDEA6A}" dt="2018-04-11T00:47:53.121" v="181" actId="26606"/>
+        <pc:chgData name="Roy Shabaya" userId="aa0dbd3e755b963d" providerId="LiveId" clId="{B9ACF7BD-9B4D-4855-844E-6900B8EDEA6A}" dt="2018-04-25T00:43:49.544" v="10566" actId="20577"/>
         <pc:sldMkLst>
           <pc:docMk/>
           <pc:sldMk cId="2812277816" sldId="256"/>
         </pc:sldMkLst>
         <pc:spChg chg="mod">
-          <ac:chgData name="Roy Shabaya" userId="aa0dbd3e755b963d" providerId="LiveId" clId="{B9ACF7BD-9B4D-4855-844E-6900B8EDEA6A}" dt="2018-04-11T00:47:53.121" v="181" actId="26606"/>
+          <ac:chgData name="Roy Shabaya" userId="aa0dbd3e755b963d" providerId="LiveId" clId="{B9ACF7BD-9B4D-4855-844E-6900B8EDEA6A}" dt="2018-04-25T00:43:49.544" v="10566" actId="20577"/>
           <ac:spMkLst>
             <pc:docMk/>
             <pc:sldMk cId="2812277816" sldId="256"/>
@@ -154,7 +159,7 @@
           </ac:spMkLst>
         </pc:spChg>
         <pc:spChg chg="mod">
-          <ac:chgData name="Roy Shabaya" userId="aa0dbd3e755b963d" providerId="LiveId" clId="{B9ACF7BD-9B4D-4855-844E-6900B8EDEA6A}" dt="2018-04-11T00:47:53.121" v="181" actId="26606"/>
+          <ac:chgData name="Roy Shabaya" userId="aa0dbd3e755b963d" providerId="LiveId" clId="{B9ACF7BD-9B4D-4855-844E-6900B8EDEA6A}" dt="2018-04-25T00:07:26.379" v="10548" actId="20577"/>
           <ac:spMkLst>
             <pc:docMk/>
             <pc:sldMk cId="2812277816" sldId="256"/>
@@ -202,14 +207,14 @@
           </ac:spMkLst>
         </pc:spChg>
       </pc:sldChg>
-      <pc:sldChg chg="modSp">
-        <pc:chgData name="Roy Shabaya" userId="aa0dbd3e755b963d" providerId="LiveId" clId="{B9ACF7BD-9B4D-4855-844E-6900B8EDEA6A}" dt="2018-04-20T02:08:19.411" v="8558" actId="20577"/>
+      <pc:sldChg chg="modSp ord">
+        <pc:chgData name="Roy Shabaya" userId="aa0dbd3e755b963d" providerId="LiveId" clId="{B9ACF7BD-9B4D-4855-844E-6900B8EDEA6A}" dt="2018-04-25T13:20:43.559" v="10747" actId="20577"/>
         <pc:sldMkLst>
           <pc:docMk/>
           <pc:sldMk cId="4191326613" sldId="257"/>
         </pc:sldMkLst>
         <pc:spChg chg="mod">
-          <ac:chgData name="Roy Shabaya" userId="aa0dbd3e755b963d" providerId="LiveId" clId="{B9ACF7BD-9B4D-4855-844E-6900B8EDEA6A}" dt="2018-04-20T02:08:19.411" v="8558" actId="20577"/>
+          <ac:chgData name="Roy Shabaya" userId="aa0dbd3e755b963d" providerId="LiveId" clId="{B9ACF7BD-9B4D-4855-844E-6900B8EDEA6A}" dt="2018-04-25T13:20:43.559" v="10747" actId="20577"/>
           <ac:spMkLst>
             <pc:docMk/>
             <pc:sldMk cId="4191326613" sldId="257"/>
@@ -218,7 +223,7 @@
         </pc:spChg>
       </pc:sldChg>
       <pc:sldChg chg="addSp delSp modSp mod setBg">
-        <pc:chgData name="Roy Shabaya" userId="aa0dbd3e755b963d" providerId="LiveId" clId="{B9ACF7BD-9B4D-4855-844E-6900B8EDEA6A}" dt="2018-04-20T02:37:39.492" v="8629" actId="20577"/>
+        <pc:chgData name="Roy Shabaya" userId="aa0dbd3e755b963d" providerId="LiveId" clId="{B9ACF7BD-9B4D-4855-844E-6900B8EDEA6A}" dt="2018-04-25T14:28:58.624" v="10838" actId="20577"/>
         <pc:sldMkLst>
           <pc:docMk/>
           <pc:sldMk cId="248346468" sldId="258"/>
@@ -248,7 +253,7 @@
           </ac:spMkLst>
         </pc:spChg>
         <pc:spChg chg="add mod">
-          <ac:chgData name="Roy Shabaya" userId="aa0dbd3e755b963d" providerId="LiveId" clId="{B9ACF7BD-9B4D-4855-844E-6900B8EDEA6A}" dt="2018-04-20T02:37:39.492" v="8629" actId="20577"/>
+          <ac:chgData name="Roy Shabaya" userId="aa0dbd3e755b963d" providerId="LiveId" clId="{B9ACF7BD-9B4D-4855-844E-6900B8EDEA6A}" dt="2018-04-25T14:28:58.624" v="10838" actId="20577"/>
           <ac:spMkLst>
             <pc:docMk/>
             <pc:sldMk cId="248346468" sldId="258"/>
@@ -329,7 +334,7 @@
         </pc:cxnChg>
       </pc:sldChg>
       <pc:sldChg chg="addSp delSp modSp">
-        <pc:chgData name="Roy Shabaya" userId="aa0dbd3e755b963d" providerId="LiveId" clId="{B9ACF7BD-9B4D-4855-844E-6900B8EDEA6A}" dt="2018-04-20T02:41:28.027" v="8640" actId="14100"/>
+        <pc:chgData name="Roy Shabaya" userId="aa0dbd3e755b963d" providerId="LiveId" clId="{B9ACF7BD-9B4D-4855-844E-6900B8EDEA6A}" dt="2018-04-24T23:10:10.862" v="10498" actId="20577"/>
         <pc:sldMkLst>
           <pc:docMk/>
           <pc:sldMk cId="2564531582" sldId="259"/>
@@ -343,7 +348,7 @@
           </ac:spMkLst>
         </pc:spChg>
         <pc:spChg chg="mod">
-          <ac:chgData name="Roy Shabaya" userId="aa0dbd3e755b963d" providerId="LiveId" clId="{B9ACF7BD-9B4D-4855-844E-6900B8EDEA6A}" dt="2018-04-20T02:23:19.971" v="8617" actId="27636"/>
+          <ac:chgData name="Roy Shabaya" userId="aa0dbd3e755b963d" providerId="LiveId" clId="{B9ACF7BD-9B4D-4855-844E-6900B8EDEA6A}" dt="2018-04-24T23:10:10.862" v="10498" actId="20577"/>
           <ac:spMkLst>
             <pc:docMk/>
             <pc:sldMk cId="2564531582" sldId="259"/>
@@ -358,8 +363,8 @@
             <ac:spMk id="4" creationId="{F6F30127-3500-4417-922E-4D462FEFA04A}"/>
           </ac:spMkLst>
         </pc:spChg>
-        <pc:picChg chg="add mod">
-          <ac:chgData name="Roy Shabaya" userId="aa0dbd3e755b963d" providerId="LiveId" clId="{B9ACF7BD-9B4D-4855-844E-6900B8EDEA6A}" dt="2018-04-20T02:41:28.027" v="8640" actId="14100"/>
+        <pc:picChg chg="add del mod">
+          <ac:chgData name="Roy Shabaya" userId="aa0dbd3e755b963d" providerId="LiveId" clId="{B9ACF7BD-9B4D-4855-844E-6900B8EDEA6A}" dt="2018-04-22T21:21:34.688" v="9237" actId="478"/>
           <ac:picMkLst>
             <pc:docMk/>
             <pc:sldMk cId="2564531582" sldId="259"/>
@@ -367,6 +372,14 @@
           </ac:picMkLst>
         </pc:picChg>
         <pc:picChg chg="add del mod">
+          <ac:chgData name="Roy Shabaya" userId="aa0dbd3e755b963d" providerId="LiveId" clId="{B9ACF7BD-9B4D-4855-844E-6900B8EDEA6A}" dt="2018-04-23T22:33:29.420" v="9855" actId="20577"/>
+          <ac:picMkLst>
+            <pc:docMk/>
+            <pc:sldMk cId="2564531582" sldId="259"/>
+            <ac:picMk id="5" creationId="{292EB6DE-B581-4594-B78F-7468999AAD12}"/>
+          </ac:picMkLst>
+        </pc:picChg>
+        <pc:picChg chg="add del mod">
           <ac:chgData name="Roy Shabaya" userId="aa0dbd3e755b963d" providerId="LiveId" clId="{B9ACF7BD-9B4D-4855-844E-6900B8EDEA6A}" dt="2018-04-20T02:41:20.648" v="8638" actId="478"/>
           <ac:picMkLst>
             <pc:docMk/>
@@ -374,9 +387,25 @@
             <ac:picMk id="6" creationId="{6E78CCF9-EE78-4619-B024-D2775917471C}"/>
           </ac:picMkLst>
         </pc:picChg>
+        <pc:picChg chg="add del mod">
+          <ac:chgData name="Roy Shabaya" userId="aa0dbd3e755b963d" providerId="LiveId" clId="{B9ACF7BD-9B4D-4855-844E-6900B8EDEA6A}" dt="2018-04-23T22:32:52.672" v="9847" actId="478"/>
+          <ac:picMkLst>
+            <pc:docMk/>
+            <pc:sldMk cId="2564531582" sldId="259"/>
+            <ac:picMk id="6" creationId="{7967251B-D791-4B9E-AE95-A1B759E2A898}"/>
+          </ac:picMkLst>
+        </pc:picChg>
+        <pc:picChg chg="add del">
+          <ac:chgData name="Roy Shabaya" userId="aa0dbd3e755b963d" providerId="LiveId" clId="{B9ACF7BD-9B4D-4855-844E-6900B8EDEA6A}" dt="2018-04-23T22:33:13.989" v="9851" actId="20577"/>
+          <ac:picMkLst>
+            <pc:docMk/>
+            <pc:sldMk cId="2564531582" sldId="259"/>
+            <ac:picMk id="7" creationId="{126F9274-669E-4533-9AEA-D61754DCCBB4}"/>
+          </ac:picMkLst>
+        </pc:picChg>
       </pc:sldChg>
       <pc:sldChg chg="addSp delSp modSp">
-        <pc:chgData name="Roy Shabaya" userId="aa0dbd3e755b963d" providerId="LiveId" clId="{B9ACF7BD-9B4D-4855-844E-6900B8EDEA6A}" dt="2018-04-20T02:52:09.970" v="8903" actId="6549"/>
+        <pc:chgData name="Roy Shabaya" userId="aa0dbd3e755b963d" providerId="LiveId" clId="{B9ACF7BD-9B4D-4855-844E-6900B8EDEA6A}" dt="2018-04-25T01:02:30.434" v="10578" actId="20577"/>
         <pc:sldMkLst>
           <pc:docMk/>
           <pc:sldMk cId="4278075034" sldId="260"/>
@@ -398,7 +427,7 @@
           </ac:spMkLst>
         </pc:spChg>
         <pc:spChg chg="add mod">
-          <ac:chgData name="Roy Shabaya" userId="aa0dbd3e755b963d" providerId="LiveId" clId="{B9ACF7BD-9B4D-4855-844E-6900B8EDEA6A}" dt="2018-04-20T00:41:17.300" v="5957" actId="20577"/>
+          <ac:chgData name="Roy Shabaya" userId="aa0dbd3e755b963d" providerId="LiveId" clId="{B9ACF7BD-9B4D-4855-844E-6900B8EDEA6A}" dt="2018-04-25T01:01:53.613" v="10568" actId="20577"/>
           <ac:spMkLst>
             <pc:docMk/>
             <pc:sldMk cId="4278075034" sldId="260"/>
@@ -438,7 +467,7 @@
           </ac:graphicFrameMkLst>
         </pc:graphicFrameChg>
         <pc:graphicFrameChg chg="add mod modGraphic">
-          <ac:chgData name="Roy Shabaya" userId="aa0dbd3e755b963d" providerId="LiveId" clId="{B9ACF7BD-9B4D-4855-844E-6900B8EDEA6A}" dt="2018-04-20T02:52:09.970" v="8903" actId="6549"/>
+          <ac:chgData name="Roy Shabaya" userId="aa0dbd3e755b963d" providerId="LiveId" clId="{B9ACF7BD-9B4D-4855-844E-6900B8EDEA6A}" dt="2018-04-25T01:02:30.434" v="10578" actId="20577"/>
           <ac:graphicFrameMkLst>
             <pc:docMk/>
             <pc:sldMk cId="4278075034" sldId="260"/>
@@ -447,7 +476,7 @@
         </pc:graphicFrameChg>
       </pc:sldChg>
       <pc:sldChg chg="addSp delSp modSp">
-        <pc:chgData name="Roy Shabaya" userId="aa0dbd3e755b963d" providerId="LiveId" clId="{B9ACF7BD-9B4D-4855-844E-6900B8EDEA6A}" dt="2018-04-20T02:51:45.494" v="8879" actId="20577"/>
+        <pc:chgData name="Roy Shabaya" userId="aa0dbd3e755b963d" providerId="LiveId" clId="{B9ACF7BD-9B4D-4855-844E-6900B8EDEA6A}" dt="2018-04-25T01:20:58.336" v="10618" actId="20577"/>
         <pc:sldMkLst>
           <pc:docMk/>
           <pc:sldMk cId="1921652643" sldId="261"/>
@@ -493,7 +522,7 @@
           </ac:spMkLst>
         </pc:spChg>
         <pc:spChg chg="add mod">
-          <ac:chgData name="Roy Shabaya" userId="aa0dbd3e755b963d" providerId="LiveId" clId="{B9ACF7BD-9B4D-4855-844E-6900B8EDEA6A}" dt="2018-04-20T02:51:36.311" v="8849" actId="20577"/>
+          <ac:chgData name="Roy Shabaya" userId="aa0dbd3e755b963d" providerId="LiveId" clId="{B9ACF7BD-9B4D-4855-844E-6900B8EDEA6A}" dt="2018-04-24T23:16:48.913" v="10502" actId="20577"/>
           <ac:spMkLst>
             <pc:docMk/>
             <pc:sldMk cId="1921652643" sldId="261"/>
@@ -525,7 +554,7 @@
           </ac:spMkLst>
         </pc:spChg>
         <pc:spChg chg="add mod">
-          <ac:chgData name="Roy Shabaya" userId="aa0dbd3e755b963d" providerId="LiveId" clId="{B9ACF7BD-9B4D-4855-844E-6900B8EDEA6A}" dt="2018-04-20T02:51:45.494" v="8879" actId="20577"/>
+          <ac:chgData name="Roy Shabaya" userId="aa0dbd3e755b963d" providerId="LiveId" clId="{B9ACF7BD-9B4D-4855-844E-6900B8EDEA6A}" dt="2018-04-25T01:20:58.336" v="10618" actId="20577"/>
           <ac:spMkLst>
             <pc:docMk/>
             <pc:sldMk cId="1921652643" sldId="261"/>
@@ -533,38 +562,31 @@
           </ac:spMkLst>
         </pc:spChg>
       </pc:sldChg>
-      <pc:sldChg chg="modSp del">
-        <pc:chgData name="Roy Shabaya" userId="aa0dbd3e755b963d" providerId="LiveId" clId="{B9ACF7BD-9B4D-4855-844E-6900B8EDEA6A}" dt="2018-04-20T01:59:07.435" v="7634" actId="2696"/>
-        <pc:sldMkLst>
-          <pc:docMk/>
-          <pc:sldMk cId="562104224" sldId="262"/>
-        </pc:sldMkLst>
-        <pc:spChg chg="mod">
-          <ac:chgData name="Roy Shabaya" userId="aa0dbd3e755b963d" providerId="LiveId" clId="{B9ACF7BD-9B4D-4855-844E-6900B8EDEA6A}" dt="2018-04-11T00:34:18.276" v="149" actId="20577"/>
-          <ac:spMkLst>
-            <pc:docMk/>
-            <pc:sldMk cId="562104224" sldId="262"/>
-            <ac:spMk id="3" creationId="{E63C308E-1F0D-4471-8644-F66A306E1FEF}"/>
-          </ac:spMkLst>
-        </pc:spChg>
-      </pc:sldChg>
-      <pc:sldChg chg="modSp">
-        <pc:chgData name="Roy Shabaya" userId="aa0dbd3e755b963d" providerId="LiveId" clId="{B9ACF7BD-9B4D-4855-844E-6900B8EDEA6A}" dt="2018-04-20T02:05:49.718" v="8551" actId="20577"/>
+      <pc:sldChg chg="addSp delSp modSp">
+        <pc:chgData name="Roy Shabaya" userId="aa0dbd3e755b963d" providerId="LiveId" clId="{B9ACF7BD-9B4D-4855-844E-6900B8EDEA6A}" dt="2018-04-25T13:40:24.154" v="10804" actId="27636"/>
         <pc:sldMkLst>
           <pc:docMk/>
           <pc:sldMk cId="2115083516" sldId="263"/>
         </pc:sldMkLst>
         <pc:spChg chg="mod">
-          <ac:chgData name="Roy Shabaya" userId="aa0dbd3e755b963d" providerId="LiveId" clId="{B9ACF7BD-9B4D-4855-844E-6900B8EDEA6A}" dt="2018-04-20T02:05:49.718" v="8551" actId="20577"/>
+          <ac:chgData name="Roy Shabaya" userId="aa0dbd3e755b963d" providerId="LiveId" clId="{B9ACF7BD-9B4D-4855-844E-6900B8EDEA6A}" dt="2018-04-25T13:40:24.154" v="10804" actId="27636"/>
           <ac:spMkLst>
             <pc:docMk/>
             <pc:sldMk cId="2115083516" sldId="263"/>
             <ac:spMk id="3" creationId="{2E19BCA5-7B77-4952-92D3-7EE99DE66485}"/>
           </ac:spMkLst>
         </pc:spChg>
+        <pc:picChg chg="add del mod">
+          <ac:chgData name="Roy Shabaya" userId="aa0dbd3e755b963d" providerId="LiveId" clId="{B9ACF7BD-9B4D-4855-844E-6900B8EDEA6A}" dt="2018-04-22T21:13:18.307" v="9169" actId="478"/>
+          <ac:picMkLst>
+            <pc:docMk/>
+            <pc:sldMk cId="2115083516" sldId="263"/>
+            <ac:picMk id="4" creationId="{41827B9F-74C9-4978-BE92-6D418AEE4008}"/>
+          </ac:picMkLst>
+        </pc:picChg>
       </pc:sldChg>
       <pc:sldChg chg="addSp delSp modSp add ord">
-        <pc:chgData name="Roy Shabaya" userId="aa0dbd3e755b963d" providerId="LiveId" clId="{B9ACF7BD-9B4D-4855-844E-6900B8EDEA6A}" dt="2018-04-20T15:55:30.629" v="9158" actId="14826"/>
+        <pc:chgData name="Roy Shabaya" userId="aa0dbd3e755b963d" providerId="LiveId" clId="{B9ACF7BD-9B4D-4855-844E-6900B8EDEA6A}" dt="2018-04-24T23:59:05.034" v="10528" actId="20577"/>
         <pc:sldMkLst>
           <pc:docMk/>
           <pc:sldMk cId="1755427021" sldId="264"/>
@@ -602,7 +624,7 @@
           </ac:spMkLst>
         </pc:spChg>
         <pc:spChg chg="add mod">
-          <ac:chgData name="Roy Shabaya" userId="aa0dbd3e755b963d" providerId="LiveId" clId="{B9ACF7BD-9B4D-4855-844E-6900B8EDEA6A}" dt="2018-04-20T15:54:15.404" v="9155" actId="20577"/>
+          <ac:chgData name="Roy Shabaya" userId="aa0dbd3e755b963d" providerId="LiveId" clId="{B9ACF7BD-9B4D-4855-844E-6900B8EDEA6A}" dt="2018-04-24T23:59:05.034" v="10528" actId="20577"/>
           <ac:spMkLst>
             <pc:docMk/>
             <pc:sldMk cId="1755427021" sldId="264"/>
@@ -635,7 +657,7 @@
         </pc:picChg>
       </pc:sldChg>
       <pc:sldChg chg="addSp delSp modSp add">
-        <pc:chgData name="Roy Shabaya" userId="aa0dbd3e755b963d" providerId="LiveId" clId="{B9ACF7BD-9B4D-4855-844E-6900B8EDEA6A}" dt="2018-04-11T01:17:57.180" v="890" actId="1076"/>
+        <pc:chgData name="Roy Shabaya" userId="aa0dbd3e755b963d" providerId="LiveId" clId="{B9ACF7BD-9B4D-4855-844E-6900B8EDEA6A}" dt="2018-04-24T22:36:06.576" v="10479" actId="1076"/>
         <pc:sldMkLst>
           <pc:docMk/>
           <pc:sldMk cId="1664746432" sldId="265"/>
@@ -656,8 +678,24 @@
             <ac:spMk id="3" creationId="{152ECAF2-B207-4B49-B896-EF0049C1F43B}"/>
           </ac:spMkLst>
         </pc:spChg>
+        <pc:spChg chg="add del mod">
+          <ac:chgData name="Roy Shabaya" userId="aa0dbd3e755b963d" providerId="LiveId" clId="{B9ACF7BD-9B4D-4855-844E-6900B8EDEA6A}" dt="2018-04-24T22:35:32.732" v="10476" actId="478"/>
+          <ac:spMkLst>
+            <pc:docMk/>
+            <pc:sldMk cId="1664746432" sldId="265"/>
+            <ac:spMk id="6" creationId="{F926E134-395C-4CCD-AD3A-1D8096F1A527}"/>
+          </ac:spMkLst>
+        </pc:spChg>
         <pc:picChg chg="add mod">
-          <ac:chgData name="Roy Shabaya" userId="aa0dbd3e755b963d" providerId="LiveId" clId="{B9ACF7BD-9B4D-4855-844E-6900B8EDEA6A}" dt="2018-04-11T01:17:57.180" v="890" actId="1076"/>
+          <ac:chgData name="Roy Shabaya" userId="aa0dbd3e755b963d" providerId="LiveId" clId="{B9ACF7BD-9B4D-4855-844E-6900B8EDEA6A}" dt="2018-04-24T22:36:06.576" v="10479" actId="1076"/>
+          <ac:picMkLst>
+            <pc:docMk/>
+            <pc:sldMk cId="1664746432" sldId="265"/>
+            <ac:picMk id="3" creationId="{9632EEEE-5CB4-4294-80F9-CABDB5506690}"/>
+          </ac:picMkLst>
+        </pc:picChg>
+        <pc:picChg chg="add del mod">
+          <ac:chgData name="Roy Shabaya" userId="aa0dbd3e755b963d" providerId="LiveId" clId="{B9ACF7BD-9B4D-4855-844E-6900B8EDEA6A}" dt="2018-04-24T22:35:26.177" v="10475" actId="478"/>
           <ac:picMkLst>
             <pc:docMk/>
             <pc:sldMk cId="1664746432" sldId="265"/>
@@ -666,7 +704,7 @@
         </pc:picChg>
       </pc:sldChg>
       <pc:sldChg chg="addSp delSp modSp add">
-        <pc:chgData name="Roy Shabaya" userId="aa0dbd3e755b963d" providerId="LiveId" clId="{B9ACF7BD-9B4D-4855-844E-6900B8EDEA6A}" dt="2018-04-11T01:17:37.686" v="882" actId="1076"/>
+        <pc:chgData name="Roy Shabaya" userId="aa0dbd3e755b963d" providerId="LiveId" clId="{B9ACF7BD-9B4D-4855-844E-6900B8EDEA6A}" dt="2018-04-24T22:36:39.040" v="10485" actId="1076"/>
         <pc:sldMkLst>
           <pc:docMk/>
           <pc:sldMk cId="3369230981" sldId="266"/>
@@ -688,7 +726,7 @@
           </ac:spMkLst>
         </pc:spChg>
         <pc:picChg chg="add mod">
-          <ac:chgData name="Roy Shabaya" userId="aa0dbd3e755b963d" providerId="LiveId" clId="{B9ACF7BD-9B4D-4855-844E-6900B8EDEA6A}" dt="2018-04-11T01:17:37.686" v="882" actId="1076"/>
+          <ac:chgData name="Roy Shabaya" userId="aa0dbd3e755b963d" providerId="LiveId" clId="{B9ACF7BD-9B4D-4855-844E-6900B8EDEA6A}" dt="2018-04-24T22:36:39.040" v="10485" actId="1076"/>
           <ac:picMkLst>
             <pc:docMk/>
             <pc:sldMk cId="3369230981" sldId="266"/>
@@ -697,17 +735,25 @@
         </pc:picChg>
       </pc:sldChg>
       <pc:sldChg chg="addSp delSp modSp add">
-        <pc:chgData name="Roy Shabaya" userId="aa0dbd3e755b963d" providerId="LiveId" clId="{B9ACF7BD-9B4D-4855-844E-6900B8EDEA6A}" dt="2018-04-11T01:20:51.641" v="895" actId="14826"/>
+        <pc:chgData name="Roy Shabaya" userId="aa0dbd3e755b963d" providerId="LiveId" clId="{B9ACF7BD-9B4D-4855-844E-6900B8EDEA6A}" dt="2018-04-25T12:56:44.976" v="10723" actId="20577"/>
         <pc:sldMkLst>
           <pc:docMk/>
           <pc:sldMk cId="515459059" sldId="267"/>
         </pc:sldMkLst>
         <pc:spChg chg="mod">
-          <ac:chgData name="Roy Shabaya" userId="aa0dbd3e755b963d" providerId="LiveId" clId="{B9ACF7BD-9B4D-4855-844E-6900B8EDEA6A}" dt="2018-04-11T01:08:20.921" v="872" actId="20577"/>
+          <ac:chgData name="Roy Shabaya" userId="aa0dbd3e755b963d" providerId="LiveId" clId="{B9ACF7BD-9B4D-4855-844E-6900B8EDEA6A}" dt="2018-04-25T12:56:44.976" v="10723" actId="20577"/>
           <ac:spMkLst>
             <pc:docMk/>
             <pc:sldMk cId="515459059" sldId="267"/>
             <ac:spMk id="2" creationId="{0B4E8BED-2A2F-424B-BEB0-EDFD9868A949}"/>
+          </ac:spMkLst>
+        </pc:spChg>
+        <pc:spChg chg="add del">
+          <ac:chgData name="Roy Shabaya" userId="aa0dbd3e755b963d" providerId="LiveId" clId="{B9ACF7BD-9B4D-4855-844E-6900B8EDEA6A}" dt="2018-04-25T12:56:42.566" v="10721"/>
+          <ac:spMkLst>
+            <pc:docMk/>
+            <pc:sldMk cId="515459059" sldId="267"/>
+            <ac:spMk id="3" creationId="{F2D8DF16-DB55-4A6D-95ED-91CB88479A1E}"/>
           </ac:spMkLst>
         </pc:spChg>
         <pc:spChg chg="del">
@@ -719,7 +765,7 @@
           </ac:spMkLst>
         </pc:spChg>
         <pc:picChg chg="add mod">
-          <ac:chgData name="Roy Shabaya" userId="aa0dbd3e755b963d" providerId="LiveId" clId="{B9ACF7BD-9B4D-4855-844E-6900B8EDEA6A}" dt="2018-04-11T01:20:51.641" v="895" actId="14826"/>
+          <ac:chgData name="Roy Shabaya" userId="aa0dbd3e755b963d" providerId="LiveId" clId="{B9ACF7BD-9B4D-4855-844E-6900B8EDEA6A}" dt="2018-04-25T12:56:33.056" v="10712" actId="14826"/>
           <ac:picMkLst>
             <pc:docMk/>
             <pc:sldMk cId="515459059" sldId="267"/>
@@ -750,8 +796,8 @@
           </ac:spMkLst>
         </pc:spChg>
       </pc:sldChg>
-      <pc:sldChg chg="addSp delSp modSp add">
-        <pc:chgData name="Roy Shabaya" userId="aa0dbd3e755b963d" providerId="LiveId" clId="{B9ACF7BD-9B4D-4855-844E-6900B8EDEA6A}" dt="2018-04-20T01:40:01.871" v="7029" actId="20577"/>
+      <pc:sldChg chg="addSp delSp modSp add ord">
+        <pc:chgData name="Roy Shabaya" userId="aa0dbd3e755b963d" providerId="LiveId" clId="{B9ACF7BD-9B4D-4855-844E-6900B8EDEA6A}" dt="2018-04-24T00:14:54.555" v="10360" actId="14100"/>
         <pc:sldMkLst>
           <pc:docMk/>
           <pc:sldMk cId="3986397924" sldId="269"/>
@@ -837,7 +883,7 @@
           </ac:spMkLst>
         </pc:spChg>
         <pc:spChg chg="add mod">
-          <ac:chgData name="Roy Shabaya" userId="aa0dbd3e755b963d" providerId="LiveId" clId="{B9ACF7BD-9B4D-4855-844E-6900B8EDEA6A}" dt="2018-04-20T01:32:39.295" v="7028" actId="20577"/>
+          <ac:chgData name="Roy Shabaya" userId="aa0dbd3e755b963d" providerId="LiveId" clId="{B9ACF7BD-9B4D-4855-844E-6900B8EDEA6A}" dt="2018-04-23T21:31:14.228" v="9582" actId="20577"/>
           <ac:spMkLst>
             <pc:docMk/>
             <pc:sldMk cId="3986397924" sldId="269"/>
@@ -846,7 +892,7 @@
         </pc:spChg>
       </pc:sldChg>
       <pc:sldChg chg="addSp delSp modSp add">
-        <pc:chgData name="Roy Shabaya" userId="aa0dbd3e755b963d" providerId="LiveId" clId="{B9ACF7BD-9B4D-4855-844E-6900B8EDEA6A}" dt="2018-04-20T01:52:20.884" v="7096" actId="27636"/>
+        <pc:chgData name="Roy Shabaya" userId="aa0dbd3e755b963d" providerId="LiveId" clId="{B9ACF7BD-9B4D-4855-844E-6900B8EDEA6A}" dt="2018-04-23T22:37:36.219" v="9950" actId="27636"/>
         <pc:sldMkLst>
           <pc:docMk/>
           <pc:sldMk cId="1658428108" sldId="270"/>
@@ -916,7 +962,7 @@
           </ac:spMkLst>
         </pc:spChg>
         <pc:spChg chg="add mod">
-          <ac:chgData name="Roy Shabaya" userId="aa0dbd3e755b963d" providerId="LiveId" clId="{B9ACF7BD-9B4D-4855-844E-6900B8EDEA6A}" dt="2018-04-20T01:52:20.884" v="7096" actId="27636"/>
+          <ac:chgData name="Roy Shabaya" userId="aa0dbd3e755b963d" providerId="LiveId" clId="{B9ACF7BD-9B4D-4855-844E-6900B8EDEA6A}" dt="2018-04-23T22:37:36.219" v="9950" actId="27636"/>
           <ac:spMkLst>
             <pc:docMk/>
             <pc:sldMk cId="1658428108" sldId="270"/>
@@ -932,7 +978,7 @@
           </ac:spMkLst>
         </pc:spChg>
         <pc:spChg chg="add mod">
-          <ac:chgData name="Roy Shabaya" userId="aa0dbd3e755b963d" providerId="LiveId" clId="{B9ACF7BD-9B4D-4855-844E-6900B8EDEA6A}" dt="2018-04-20T01:52:20.884" v="7095" actId="27636"/>
+          <ac:chgData name="Roy Shabaya" userId="aa0dbd3e755b963d" providerId="LiveId" clId="{B9ACF7BD-9B4D-4855-844E-6900B8EDEA6A}" dt="2018-04-23T22:37:36.219" v="9949" actId="27636"/>
           <ac:spMkLst>
             <pc:docMk/>
             <pc:sldMk cId="1658428108" sldId="270"/>
@@ -941,7 +987,7 @@
         </pc:spChg>
       </pc:sldChg>
       <pc:sldChg chg="addSp delSp modSp add">
-        <pc:chgData name="Roy Shabaya" userId="aa0dbd3e755b963d" providerId="LiveId" clId="{B9ACF7BD-9B4D-4855-844E-6900B8EDEA6A}" dt="2018-04-20T02:50:14.245" v="8751" actId="20577"/>
+        <pc:chgData name="Roy Shabaya" userId="aa0dbd3e755b963d" providerId="LiveId" clId="{B9ACF7BD-9B4D-4855-844E-6900B8EDEA6A}" dt="2018-04-25T13:36:55.228" v="10802" actId="20577"/>
         <pc:sldMkLst>
           <pc:docMk/>
           <pc:sldMk cId="872217947" sldId="271"/>
@@ -1011,7 +1057,7 @@
           </ac:spMkLst>
         </pc:spChg>
         <pc:spChg chg="add mod">
-          <ac:chgData name="Roy Shabaya" userId="aa0dbd3e755b963d" providerId="LiveId" clId="{B9ACF7BD-9B4D-4855-844E-6900B8EDEA6A}" dt="2018-04-20T01:49:19.083" v="7078" actId="20577"/>
+          <ac:chgData name="Roy Shabaya" userId="aa0dbd3e755b963d" providerId="LiveId" clId="{B9ACF7BD-9B4D-4855-844E-6900B8EDEA6A}" dt="2018-04-25T13:36:55.228" v="10802" actId="20577"/>
           <ac:spMkLst>
             <pc:docMk/>
             <pc:sldMk cId="872217947" sldId="271"/>
@@ -1027,7 +1073,7 @@
           </ac:spMkLst>
         </pc:spChg>
         <pc:spChg chg="add mod">
-          <ac:chgData name="Roy Shabaya" userId="aa0dbd3e755b963d" providerId="LiveId" clId="{B9ACF7BD-9B4D-4855-844E-6900B8EDEA6A}" dt="2018-04-20T02:50:14.245" v="8751" actId="20577"/>
+          <ac:chgData name="Roy Shabaya" userId="aa0dbd3e755b963d" providerId="LiveId" clId="{B9ACF7BD-9B4D-4855-844E-6900B8EDEA6A}" dt="2018-04-23T21:29:36.384" v="9493" actId="20577"/>
           <ac:spMkLst>
             <pc:docMk/>
             <pc:sldMk cId="872217947" sldId="271"/>
@@ -1036,7 +1082,7 @@
         </pc:spChg>
       </pc:sldChg>
       <pc:sldChg chg="addSp delSp modSp add ord">
-        <pc:chgData name="Roy Shabaya" userId="aa0dbd3e755b963d" providerId="LiveId" clId="{B9ACF7BD-9B4D-4855-844E-6900B8EDEA6A}" dt="2018-04-20T02:37:48.687" v="8632" actId="1076"/>
+        <pc:chgData name="Roy Shabaya" userId="aa0dbd3e755b963d" providerId="LiveId" clId="{B9ACF7BD-9B4D-4855-844E-6900B8EDEA6A}" dt="2018-04-25T13:28:27.940" v="10766" actId="20577"/>
         <pc:sldMkLst>
           <pc:docMk/>
           <pc:sldMk cId="1739842126" sldId="272"/>
@@ -1066,7 +1112,7 @@
           </ac:spMkLst>
         </pc:spChg>
         <pc:spChg chg="add mod">
-          <ac:chgData name="Roy Shabaya" userId="aa0dbd3e755b963d" providerId="LiveId" clId="{B9ACF7BD-9B4D-4855-844E-6900B8EDEA6A}" dt="2018-04-13T01:27:50.023" v="4708" actId="20577"/>
+          <ac:chgData name="Roy Shabaya" userId="aa0dbd3e755b963d" providerId="LiveId" clId="{B9ACF7BD-9B4D-4855-844E-6900B8EDEA6A}" dt="2018-04-25T13:28:27.940" v="10766" actId="20577"/>
           <ac:spMkLst>
             <pc:docMk/>
             <pc:sldMk cId="1739842126" sldId="272"/>
@@ -1082,7 +1128,7 @@
           </ac:picMkLst>
         </pc:picChg>
         <pc:picChg chg="add mod">
-          <ac:chgData name="Roy Shabaya" userId="aa0dbd3e755b963d" providerId="LiveId" clId="{B9ACF7BD-9B4D-4855-844E-6900B8EDEA6A}" dt="2018-04-20T02:37:48.687" v="8632" actId="1076"/>
+          <ac:chgData name="Roy Shabaya" userId="aa0dbd3e755b963d" providerId="LiveId" clId="{B9ACF7BD-9B4D-4855-844E-6900B8EDEA6A}" dt="2018-04-23T22:56:06.686" v="10019" actId="14100"/>
           <ac:picMkLst>
             <pc:docMk/>
             <pc:sldMk cId="1739842126" sldId="272"/>
@@ -1115,13 +1161,13 @@
         </pc:picChg>
       </pc:sldChg>
       <pc:sldChg chg="addSp delSp modSp add ord">
-        <pc:chgData name="Roy Shabaya" userId="aa0dbd3e755b963d" providerId="LiveId" clId="{B9ACF7BD-9B4D-4855-844E-6900B8EDEA6A}" dt="2018-04-20T01:41:22.652" v="7077" actId="20577"/>
+        <pc:chgData name="Roy Shabaya" userId="aa0dbd3e755b963d" providerId="LiveId" clId="{B9ACF7BD-9B4D-4855-844E-6900B8EDEA6A}" dt="2018-04-23T21:51:51.746" v="9670" actId="20577"/>
         <pc:sldMkLst>
           <pc:docMk/>
           <pc:sldMk cId="1112717788" sldId="273"/>
         </pc:sldMkLst>
         <pc:spChg chg="mod">
-          <ac:chgData name="Roy Shabaya" userId="aa0dbd3e755b963d" providerId="LiveId" clId="{B9ACF7BD-9B4D-4855-844E-6900B8EDEA6A}" dt="2018-04-12T22:26:41.248" v="2103" actId="20577"/>
+          <ac:chgData name="Roy Shabaya" userId="aa0dbd3e755b963d" providerId="LiveId" clId="{B9ACF7BD-9B4D-4855-844E-6900B8EDEA6A}" dt="2018-04-22T21:50:27.408" v="9282" actId="1076"/>
           <ac:spMkLst>
             <pc:docMk/>
             <pc:sldMk cId="1112717788" sldId="273"/>
@@ -1177,7 +1223,7 @@
           </ac:spMkLst>
         </pc:spChg>
         <pc:spChg chg="add mod">
-          <ac:chgData name="Roy Shabaya" userId="aa0dbd3e755b963d" providerId="LiveId" clId="{B9ACF7BD-9B4D-4855-844E-6900B8EDEA6A}" dt="2018-04-13T01:34:58.054" v="4751" actId="20577"/>
+          <ac:chgData name="Roy Shabaya" userId="aa0dbd3e755b963d" providerId="LiveId" clId="{B9ACF7BD-9B4D-4855-844E-6900B8EDEA6A}" dt="2018-04-22T21:49:14.469" v="9278" actId="1076"/>
           <ac:spMkLst>
             <pc:docMk/>
             <pc:sldMk cId="1112717788" sldId="273"/>
@@ -1185,7 +1231,7 @@
           </ac:spMkLst>
         </pc:spChg>
         <pc:spChg chg="add mod">
-          <ac:chgData name="Roy Shabaya" userId="aa0dbd3e755b963d" providerId="LiveId" clId="{B9ACF7BD-9B4D-4855-844E-6900B8EDEA6A}" dt="2018-04-20T01:41:22.652" v="7077" actId="20577"/>
+          <ac:chgData name="Roy Shabaya" userId="aa0dbd3e755b963d" providerId="LiveId" clId="{B9ACF7BD-9B4D-4855-844E-6900B8EDEA6A}" dt="2018-04-22T21:49:14.469" v="9278" actId="1076"/>
           <ac:spMkLst>
             <pc:docMk/>
             <pc:sldMk cId="1112717788" sldId="273"/>
@@ -1201,16 +1247,24 @@
           </ac:spMkLst>
         </pc:spChg>
         <pc:spChg chg="add mod">
-          <ac:chgData name="Roy Shabaya" userId="aa0dbd3e755b963d" providerId="LiveId" clId="{B9ACF7BD-9B4D-4855-844E-6900B8EDEA6A}" dt="2018-04-20T01:40:58.775" v="7031" actId="27636"/>
+          <ac:chgData name="Roy Shabaya" userId="aa0dbd3e755b963d" providerId="LiveId" clId="{B9ACF7BD-9B4D-4855-844E-6900B8EDEA6A}" dt="2018-04-23T21:51:51.746" v="9670" actId="20577"/>
           <ac:spMkLst>
             <pc:docMk/>
             <pc:sldMk cId="1112717788" sldId="273"/>
             <ac:spMk id="12" creationId="{1A5114FF-F667-45D3-BD29-2590A8646B9A}"/>
           </ac:spMkLst>
         </pc:spChg>
+        <pc:picChg chg="add del mod">
+          <ac:chgData name="Roy Shabaya" userId="aa0dbd3e755b963d" providerId="LiveId" clId="{B9ACF7BD-9B4D-4855-844E-6900B8EDEA6A}" dt="2018-04-22T21:50:15.494" v="9281" actId="20577"/>
+          <ac:picMkLst>
+            <pc:docMk/>
+            <pc:sldMk cId="1112717788" sldId="273"/>
+            <ac:picMk id="3" creationId="{363889A4-9C62-4DA5-9EDC-3401A6ABD5A4}"/>
+          </ac:picMkLst>
+        </pc:picChg>
       </pc:sldChg>
       <pc:sldChg chg="addSp delSp modSp add">
-        <pc:chgData name="Roy Shabaya" userId="aa0dbd3e755b963d" providerId="LiveId" clId="{B9ACF7BD-9B4D-4855-844E-6900B8EDEA6A}" dt="2018-04-20T02:52:18.558" v="8911" actId="20577"/>
+        <pc:chgData name="Roy Shabaya" userId="aa0dbd3e755b963d" providerId="LiveId" clId="{B9ACF7BD-9B4D-4855-844E-6900B8EDEA6A}" dt="2018-04-24T00:06:20.215" v="10310" actId="1036"/>
         <pc:sldMkLst>
           <pc:docMk/>
           <pc:sldMk cId="4099283593" sldId="274"/>
@@ -1264,7 +1318,7 @@
           </ac:spMkLst>
         </pc:spChg>
         <pc:spChg chg="add mod">
-          <ac:chgData name="Roy Shabaya" userId="aa0dbd3e755b963d" providerId="LiveId" clId="{B9ACF7BD-9B4D-4855-844E-6900B8EDEA6A}" dt="2018-04-13T20:59:04.691" v="5316" actId="20577"/>
+          <ac:chgData name="Roy Shabaya" userId="aa0dbd3e755b963d" providerId="LiveId" clId="{B9ACF7BD-9B4D-4855-844E-6900B8EDEA6A}" dt="2018-04-24T00:06:20.215" v="10310" actId="1036"/>
           <ac:spMkLst>
             <pc:docMk/>
             <pc:sldMk cId="4099283593" sldId="274"/>
@@ -1297,7 +1351,7 @@
         </pc:picChg>
       </pc:sldChg>
       <pc:sldChg chg="addSp delSp modSp add">
-        <pc:chgData name="Roy Shabaya" userId="aa0dbd3e755b963d" providerId="LiveId" clId="{B9ACF7BD-9B4D-4855-844E-6900B8EDEA6A}" dt="2018-04-20T00:36:31.131" v="5632" actId="1076"/>
+        <pc:chgData name="Roy Shabaya" userId="aa0dbd3e755b963d" providerId="LiveId" clId="{B9ACF7BD-9B4D-4855-844E-6900B8EDEA6A}" dt="2018-04-25T12:56:41.707" v="10720" actId="14100"/>
         <pc:sldMkLst>
           <pc:docMk/>
           <pc:sldMk cId="2638978930" sldId="275"/>
@@ -1319,7 +1373,7 @@
           </ac:spMkLst>
         </pc:spChg>
         <pc:spChg chg="add mod">
-          <ac:chgData name="Roy Shabaya" userId="aa0dbd3e755b963d" providerId="LiveId" clId="{B9ACF7BD-9B4D-4855-844E-6900B8EDEA6A}" dt="2018-04-13T04:17:51.493" v="5004" actId="1076"/>
+          <ac:chgData name="Roy Shabaya" userId="aa0dbd3e755b963d" providerId="LiveId" clId="{B9ACF7BD-9B4D-4855-844E-6900B8EDEA6A}" dt="2018-04-25T03:10:46.456" v="10679" actId="1076"/>
           <ac:spMkLst>
             <pc:docMk/>
             <pc:sldMk cId="2638978930" sldId="275"/>
@@ -1327,7 +1381,7 @@
           </ac:spMkLst>
         </pc:spChg>
         <pc:spChg chg="add mod">
-          <ac:chgData name="Roy Shabaya" userId="aa0dbd3e755b963d" providerId="LiveId" clId="{B9ACF7BD-9B4D-4855-844E-6900B8EDEA6A}" dt="2018-04-13T04:18:10.100" v="5037" actId="1076"/>
+          <ac:chgData name="Roy Shabaya" userId="aa0dbd3e755b963d" providerId="LiveId" clId="{B9ACF7BD-9B4D-4855-844E-6900B8EDEA6A}" dt="2018-04-25T03:10:28.269" v="10656" actId="1076"/>
           <ac:spMkLst>
             <pc:docMk/>
             <pc:sldMk cId="2638978930" sldId="275"/>
@@ -1335,6 +1389,14 @@
           </ac:spMkLst>
         </pc:spChg>
         <pc:picChg chg="add mod">
+          <ac:chgData name="Roy Shabaya" userId="aa0dbd3e755b963d" providerId="LiveId" clId="{B9ACF7BD-9B4D-4855-844E-6900B8EDEA6A}" dt="2018-04-25T12:56:41.707" v="10720" actId="14100"/>
+          <ac:picMkLst>
+            <pc:docMk/>
+            <pc:sldMk cId="2638978930" sldId="275"/>
+            <ac:picMk id="3" creationId="{92ED3527-EA85-4183-868B-9C3B3553DB32}"/>
+          </ac:picMkLst>
+        </pc:picChg>
+        <pc:picChg chg="add mod">
           <ac:chgData name="Roy Shabaya" userId="aa0dbd3e755b963d" providerId="LiveId" clId="{B9ACF7BD-9B4D-4855-844E-6900B8EDEA6A}" dt="2018-04-13T04:17:29.066" v="4991" actId="1076"/>
           <ac:picMkLst>
             <pc:docMk/>
@@ -1342,14 +1404,376 @@
             <ac:picMk id="5" creationId="{19FBA46F-6E1A-460F-AB47-70D41CED4442}"/>
           </ac:picMkLst>
         </pc:picChg>
-        <pc:picChg chg="add mod">
-          <ac:chgData name="Roy Shabaya" userId="aa0dbd3e755b963d" providerId="LiveId" clId="{B9ACF7BD-9B4D-4855-844E-6900B8EDEA6A}" dt="2018-04-20T00:36:31.131" v="5632" actId="1076"/>
+        <pc:picChg chg="add del mod">
+          <ac:chgData name="Roy Shabaya" userId="aa0dbd3e755b963d" providerId="LiveId" clId="{B9ACF7BD-9B4D-4855-844E-6900B8EDEA6A}" dt="2018-04-25T12:16:59.047" v="10682" actId="478"/>
           <ac:picMkLst>
             <pc:docMk/>
             <pc:sldMk cId="2638978930" sldId="275"/>
             <ac:picMk id="7" creationId="{FDAB7749-B020-4AD3-AC00-CD503E7062D9}"/>
           </ac:picMkLst>
         </pc:picChg>
+      </pc:sldChg>
+      <pc:sldChg chg="addSp delSp modSp add">
+        <pc:chgData name="Roy Shabaya" userId="aa0dbd3e755b963d" providerId="LiveId" clId="{B9ACF7BD-9B4D-4855-844E-6900B8EDEA6A}" dt="2018-04-24T23:32:51.864" v="10511" actId="14100"/>
+        <pc:sldMkLst>
+          <pc:docMk/>
+          <pc:sldMk cId="1783425224" sldId="276"/>
+        </pc:sldMkLst>
+        <pc:spChg chg="mod">
+          <ac:chgData name="Roy Shabaya" userId="aa0dbd3e755b963d" providerId="LiveId" clId="{B9ACF7BD-9B4D-4855-844E-6900B8EDEA6A}" dt="2018-04-24T00:16:14.780" v="10369" actId="20577"/>
+          <ac:spMkLst>
+            <pc:docMk/>
+            <pc:sldMk cId="1783425224" sldId="276"/>
+            <ac:spMk id="2" creationId="{0F47DC74-4ACF-4D4C-8C89-FE98729DAE47}"/>
+          </ac:spMkLst>
+        </pc:spChg>
+        <pc:spChg chg="del mod">
+          <ac:chgData name="Roy Shabaya" userId="aa0dbd3e755b963d" providerId="LiveId" clId="{B9ACF7BD-9B4D-4855-844E-6900B8EDEA6A}" dt="2018-04-24T00:16:10.251" v="10368" actId="478"/>
+          <ac:spMkLst>
+            <pc:docMk/>
+            <pc:sldMk cId="1783425224" sldId="276"/>
+            <ac:spMk id="3" creationId="{0DFC04C8-2325-477A-83C7-805C45058F00}"/>
+          </ac:spMkLst>
+        </pc:spChg>
+        <pc:picChg chg="add del mod">
+          <ac:chgData name="Roy Shabaya" userId="aa0dbd3e755b963d" providerId="LiveId" clId="{B9ACF7BD-9B4D-4855-844E-6900B8EDEA6A}" dt="2018-04-24T23:28:39.470" v="10504" actId="478"/>
+          <ac:picMkLst>
+            <pc:docMk/>
+            <pc:sldMk cId="1783425224" sldId="276"/>
+            <ac:picMk id="4" creationId="{E98A3506-323F-4A02-8B5B-01FBEB116D90}"/>
+          </ac:picMkLst>
+        </pc:picChg>
+        <pc:picChg chg="add mod">
+          <ac:chgData name="Roy Shabaya" userId="aa0dbd3e755b963d" providerId="LiveId" clId="{B9ACF7BD-9B4D-4855-844E-6900B8EDEA6A}" dt="2018-04-24T23:32:51.864" v="10511" actId="14100"/>
+          <ac:picMkLst>
+            <pc:docMk/>
+            <pc:sldMk cId="1783425224" sldId="276"/>
+            <ac:picMk id="5" creationId="{E6A0FA0C-6FD4-4BE6-8FA3-898787BA7D78}"/>
+          </ac:picMkLst>
+        </pc:picChg>
+      </pc:sldChg>
+      <pc:sldChg chg="addSp delSp modSp add">
+        <pc:chgData name="Roy Shabaya" userId="aa0dbd3e755b963d" providerId="LiveId" clId="{B9ACF7BD-9B4D-4855-844E-6900B8EDEA6A}" dt="2018-04-22T22:09:33.459" v="9309" actId="20577"/>
+        <pc:sldMkLst>
+          <pc:docMk/>
+          <pc:sldMk cId="104001569" sldId="277"/>
+        </pc:sldMkLst>
+        <pc:spChg chg="del">
+          <ac:chgData name="Roy Shabaya" userId="aa0dbd3e755b963d" providerId="LiveId" clId="{B9ACF7BD-9B4D-4855-844E-6900B8EDEA6A}" dt="2018-04-22T22:09:21.245" v="9294" actId="20577"/>
+          <ac:spMkLst>
+            <pc:docMk/>
+            <pc:sldMk cId="104001569" sldId="277"/>
+            <ac:spMk id="2" creationId="{FE505A4B-1D7D-45AD-B502-A66CF3EC5BC2}"/>
+          </ac:spMkLst>
+        </pc:spChg>
+        <pc:spChg chg="del">
+          <ac:chgData name="Roy Shabaya" userId="aa0dbd3e755b963d" providerId="LiveId" clId="{B9ACF7BD-9B4D-4855-844E-6900B8EDEA6A}" dt="2018-04-22T22:09:21.245" v="9294" actId="20577"/>
+          <ac:spMkLst>
+            <pc:docMk/>
+            <pc:sldMk cId="104001569" sldId="277"/>
+            <ac:spMk id="3" creationId="{DD37139C-7405-4B94-AC8F-8547C1793175}"/>
+          </ac:spMkLst>
+        </pc:spChg>
+        <pc:spChg chg="del">
+          <ac:chgData name="Roy Shabaya" userId="aa0dbd3e755b963d" providerId="LiveId" clId="{B9ACF7BD-9B4D-4855-844E-6900B8EDEA6A}" dt="2018-04-22T22:09:21.245" v="9294" actId="20577"/>
+          <ac:spMkLst>
+            <pc:docMk/>
+            <pc:sldMk cId="104001569" sldId="277"/>
+            <ac:spMk id="4" creationId="{1A7DB1AF-DA75-4833-B0CF-F5C17763397F}"/>
+          </ac:spMkLst>
+        </pc:spChg>
+        <pc:spChg chg="del">
+          <ac:chgData name="Roy Shabaya" userId="aa0dbd3e755b963d" providerId="LiveId" clId="{B9ACF7BD-9B4D-4855-844E-6900B8EDEA6A}" dt="2018-04-22T22:09:21.245" v="9294" actId="20577"/>
+          <ac:spMkLst>
+            <pc:docMk/>
+            <pc:sldMk cId="104001569" sldId="277"/>
+            <ac:spMk id="5" creationId="{3142FE95-DD68-40CE-91A1-BC095E1088C6}"/>
+          </ac:spMkLst>
+        </pc:spChg>
+        <pc:spChg chg="del">
+          <ac:chgData name="Roy Shabaya" userId="aa0dbd3e755b963d" providerId="LiveId" clId="{B9ACF7BD-9B4D-4855-844E-6900B8EDEA6A}" dt="2018-04-22T22:09:21.245" v="9294" actId="20577"/>
+          <ac:spMkLst>
+            <pc:docMk/>
+            <pc:sldMk cId="104001569" sldId="277"/>
+            <ac:spMk id="6" creationId="{8D426616-FD79-459F-B917-21945EFF78E4}"/>
+          </ac:spMkLst>
+        </pc:spChg>
+        <pc:spChg chg="add mod">
+          <ac:chgData name="Roy Shabaya" userId="aa0dbd3e755b963d" providerId="LiveId" clId="{B9ACF7BD-9B4D-4855-844E-6900B8EDEA6A}" dt="2018-04-22T22:09:33.459" v="9309" actId="20577"/>
+          <ac:spMkLst>
+            <pc:docMk/>
+            <pc:sldMk cId="104001569" sldId="277"/>
+            <ac:spMk id="10" creationId="{843CF9DA-3DCB-4B02-8445-9AA71A3F2CDB}"/>
+          </ac:spMkLst>
+        </pc:spChg>
+        <pc:picChg chg="add del mod">
+          <ac:chgData name="Roy Shabaya" userId="aa0dbd3e755b963d" providerId="LiveId" clId="{B9ACF7BD-9B4D-4855-844E-6900B8EDEA6A}" dt="2018-04-22T22:07:56.407" v="9286" actId="478"/>
+          <ac:picMkLst>
+            <pc:docMk/>
+            <pc:sldMk cId="104001569" sldId="277"/>
+            <ac:picMk id="7" creationId="{F5DA6BE1-E06B-4EF3-A09A-33F7A5A5A2D9}"/>
+          </ac:picMkLst>
+        </pc:picChg>
+        <pc:picChg chg="add mod">
+          <ac:chgData name="Roy Shabaya" userId="aa0dbd3e755b963d" providerId="LiveId" clId="{B9ACF7BD-9B4D-4855-844E-6900B8EDEA6A}" dt="2018-04-22T22:09:24.312" v="9295" actId="1076"/>
+          <ac:picMkLst>
+            <pc:docMk/>
+            <pc:sldMk cId="104001569" sldId="277"/>
+            <ac:picMk id="8" creationId="{2E98B58B-0A29-4019-827E-821C27801791}"/>
+          </ac:picMkLst>
+        </pc:picChg>
+        <pc:picChg chg="add mod">
+          <ac:chgData name="Roy Shabaya" userId="aa0dbd3e755b963d" providerId="LiveId" clId="{B9ACF7BD-9B4D-4855-844E-6900B8EDEA6A}" dt="2018-04-22T22:09:28.121" v="9296" actId="1076"/>
+          <ac:picMkLst>
+            <pc:docMk/>
+            <pc:sldMk cId="104001569" sldId="277"/>
+            <ac:picMk id="9" creationId="{C86275BF-132A-42F4-B620-7FD47C0E92E0}"/>
+          </ac:picMkLst>
+        </pc:picChg>
+      </pc:sldChg>
+      <pc:sldChg chg="addSp delSp modSp add">
+        <pc:chgData name="Roy Shabaya" userId="aa0dbd3e755b963d" providerId="LiveId" clId="{B9ACF7BD-9B4D-4855-844E-6900B8EDEA6A}" dt="2018-04-24T23:19:38.884" v="10503" actId="14100"/>
+        <pc:sldMkLst>
+          <pc:docMk/>
+          <pc:sldMk cId="3725212188" sldId="278"/>
+        </pc:sldMkLst>
+        <pc:spChg chg="del">
+          <ac:chgData name="Roy Shabaya" userId="aa0dbd3e755b963d" providerId="LiveId" clId="{B9ACF7BD-9B4D-4855-844E-6900B8EDEA6A}" dt="2018-04-22T22:33:24.246" v="9315" actId="14100"/>
+          <ac:spMkLst>
+            <pc:docMk/>
+            <pc:sldMk cId="3725212188" sldId="278"/>
+            <ac:spMk id="2" creationId="{1330E35A-03E7-4F97-97C4-3D155F1129D0}"/>
+          </ac:spMkLst>
+        </pc:spChg>
+        <pc:spChg chg="del">
+          <ac:chgData name="Roy Shabaya" userId="aa0dbd3e755b963d" providerId="LiveId" clId="{B9ACF7BD-9B4D-4855-844E-6900B8EDEA6A}" dt="2018-04-22T22:33:24.246" v="9315" actId="14100"/>
+          <ac:spMkLst>
+            <pc:docMk/>
+            <pc:sldMk cId="3725212188" sldId="278"/>
+            <ac:spMk id="3" creationId="{F39B6FC7-3165-4394-8BE6-F093A4E1052F}"/>
+          </ac:spMkLst>
+        </pc:spChg>
+        <pc:spChg chg="del">
+          <ac:chgData name="Roy Shabaya" userId="aa0dbd3e755b963d" providerId="LiveId" clId="{B9ACF7BD-9B4D-4855-844E-6900B8EDEA6A}" dt="2018-04-22T22:33:24.246" v="9315" actId="14100"/>
+          <ac:spMkLst>
+            <pc:docMk/>
+            <pc:sldMk cId="3725212188" sldId="278"/>
+            <ac:spMk id="4" creationId="{57B67C7F-CFFD-4818-8945-D011CD8EDA3B}"/>
+          </ac:spMkLst>
+        </pc:spChg>
+        <pc:spChg chg="del">
+          <ac:chgData name="Roy Shabaya" userId="aa0dbd3e755b963d" providerId="LiveId" clId="{B9ACF7BD-9B4D-4855-844E-6900B8EDEA6A}" dt="2018-04-22T22:33:24.246" v="9315" actId="14100"/>
+          <ac:spMkLst>
+            <pc:docMk/>
+            <pc:sldMk cId="3725212188" sldId="278"/>
+            <ac:spMk id="5" creationId="{8DFDC297-CF9D-404C-BC4D-75C8A5517034}"/>
+          </ac:spMkLst>
+        </pc:spChg>
+        <pc:spChg chg="del">
+          <ac:chgData name="Roy Shabaya" userId="aa0dbd3e755b963d" providerId="LiveId" clId="{B9ACF7BD-9B4D-4855-844E-6900B8EDEA6A}" dt="2018-04-22T22:33:24.246" v="9315" actId="14100"/>
+          <ac:spMkLst>
+            <pc:docMk/>
+            <pc:sldMk cId="3725212188" sldId="278"/>
+            <ac:spMk id="6" creationId="{895DD61D-0450-4B49-BC52-1E272ADE73D2}"/>
+          </ac:spMkLst>
+        </pc:spChg>
+        <pc:spChg chg="add mod">
+          <ac:chgData name="Roy Shabaya" userId="aa0dbd3e755b963d" providerId="LiveId" clId="{B9ACF7BD-9B4D-4855-844E-6900B8EDEA6A}" dt="2018-04-22T22:35:33.985" v="9324" actId="20577"/>
+          <ac:spMkLst>
+            <pc:docMk/>
+            <pc:sldMk cId="3725212188" sldId="278"/>
+            <ac:spMk id="7" creationId="{E02781A3-A20D-4A12-BDEF-98D03F2586F4}"/>
+          </ac:spMkLst>
+        </pc:spChg>
+        <pc:picChg chg="add mod">
+          <ac:chgData name="Roy Shabaya" userId="aa0dbd3e755b963d" providerId="LiveId" clId="{B9ACF7BD-9B4D-4855-844E-6900B8EDEA6A}" dt="2018-04-23T21:18:08.890" v="9407" actId="1076"/>
+          <ac:picMkLst>
+            <pc:docMk/>
+            <pc:sldMk cId="3725212188" sldId="278"/>
+            <ac:picMk id="8" creationId="{F7B9CD7F-679E-49F8-ACDB-123A07C47DD9}"/>
+          </ac:picMkLst>
+        </pc:picChg>
+        <pc:picChg chg="add mod">
+          <ac:chgData name="Roy Shabaya" userId="aa0dbd3e755b963d" providerId="LiveId" clId="{B9ACF7BD-9B4D-4855-844E-6900B8EDEA6A}" dt="2018-04-24T23:19:38.884" v="10503" actId="14100"/>
+          <ac:picMkLst>
+            <pc:docMk/>
+            <pc:sldMk cId="3725212188" sldId="278"/>
+            <ac:picMk id="9" creationId="{5C239F03-E7C8-4A57-98B1-36F1BD97ABBE}"/>
+          </ac:picMkLst>
+        </pc:picChg>
+      </pc:sldChg>
+      <pc:sldChg chg="addSp delSp modSp add">
+        <pc:chgData name="Roy Shabaya" userId="aa0dbd3e755b963d" providerId="LiveId" clId="{B9ACF7BD-9B4D-4855-844E-6900B8EDEA6A}" dt="2018-04-23T21:13:07.548" v="9403" actId="20577"/>
+        <pc:sldMkLst>
+          <pc:docMk/>
+          <pc:sldMk cId="2904111998" sldId="279"/>
+        </pc:sldMkLst>
+        <pc:spChg chg="del">
+          <ac:chgData name="Roy Shabaya" userId="aa0dbd3e755b963d" providerId="LiveId" clId="{B9ACF7BD-9B4D-4855-844E-6900B8EDEA6A}" dt="2018-04-23T21:11:22.655" v="9367" actId="20577"/>
+          <ac:spMkLst>
+            <pc:docMk/>
+            <pc:sldMk cId="2904111998" sldId="279"/>
+            <ac:spMk id="2" creationId="{CA3F5FA8-995D-4465-8AEF-2C15F9BF6E44}"/>
+          </ac:spMkLst>
+        </pc:spChg>
+        <pc:spChg chg="del">
+          <ac:chgData name="Roy Shabaya" userId="aa0dbd3e755b963d" providerId="LiveId" clId="{B9ACF7BD-9B4D-4855-844E-6900B8EDEA6A}" dt="2018-04-23T21:11:22.655" v="9367" actId="20577"/>
+          <ac:spMkLst>
+            <pc:docMk/>
+            <pc:sldMk cId="2904111998" sldId="279"/>
+            <ac:spMk id="3" creationId="{E17E9A27-4588-4301-A4CD-285C9BD233FB}"/>
+          </ac:spMkLst>
+        </pc:spChg>
+        <pc:spChg chg="del">
+          <ac:chgData name="Roy Shabaya" userId="aa0dbd3e755b963d" providerId="LiveId" clId="{B9ACF7BD-9B4D-4855-844E-6900B8EDEA6A}" dt="2018-04-23T21:11:22.655" v="9367" actId="20577"/>
+          <ac:spMkLst>
+            <pc:docMk/>
+            <pc:sldMk cId="2904111998" sldId="279"/>
+            <ac:spMk id="4" creationId="{3501AF23-2E63-465F-B416-76B63E442210}"/>
+          </ac:spMkLst>
+        </pc:spChg>
+        <pc:spChg chg="del">
+          <ac:chgData name="Roy Shabaya" userId="aa0dbd3e755b963d" providerId="LiveId" clId="{B9ACF7BD-9B4D-4855-844E-6900B8EDEA6A}" dt="2018-04-23T21:11:22.655" v="9367" actId="20577"/>
+          <ac:spMkLst>
+            <pc:docMk/>
+            <pc:sldMk cId="2904111998" sldId="279"/>
+            <ac:spMk id="5" creationId="{5678A16B-620D-4045-B890-FE4E9E9AD149}"/>
+          </ac:spMkLst>
+        </pc:spChg>
+        <pc:spChg chg="del">
+          <ac:chgData name="Roy Shabaya" userId="aa0dbd3e755b963d" providerId="LiveId" clId="{B9ACF7BD-9B4D-4855-844E-6900B8EDEA6A}" dt="2018-04-23T21:11:22.655" v="9367" actId="20577"/>
+          <ac:spMkLst>
+            <pc:docMk/>
+            <pc:sldMk cId="2904111998" sldId="279"/>
+            <ac:spMk id="6" creationId="{2D396348-63EA-44ED-BAD7-FE787FC205D6}"/>
+          </ac:spMkLst>
+        </pc:spChg>
+        <pc:spChg chg="add mod">
+          <ac:chgData name="Roy Shabaya" userId="aa0dbd3e755b963d" providerId="LiveId" clId="{B9ACF7BD-9B4D-4855-844E-6900B8EDEA6A}" dt="2018-04-23T21:13:07.548" v="9403" actId="20577"/>
+          <ac:spMkLst>
+            <pc:docMk/>
+            <pc:sldMk cId="2904111998" sldId="279"/>
+            <ac:spMk id="7" creationId="{99CC6820-F54A-44A5-9D70-B28032E4BEE5}"/>
+          </ac:spMkLst>
+        </pc:spChg>
+        <pc:picChg chg="add mod">
+          <ac:chgData name="Roy Shabaya" userId="aa0dbd3e755b963d" providerId="LiveId" clId="{B9ACF7BD-9B4D-4855-844E-6900B8EDEA6A}" dt="2018-04-23T21:12:57.920" v="9377" actId="14100"/>
+          <ac:picMkLst>
+            <pc:docMk/>
+            <pc:sldMk cId="2904111998" sldId="279"/>
+            <ac:picMk id="8" creationId="{793196A8-E523-44EF-83AE-3556E30640B8}"/>
+          </ac:picMkLst>
+        </pc:picChg>
+        <pc:picChg chg="add mod">
+          <ac:chgData name="Roy Shabaya" userId="aa0dbd3e755b963d" providerId="LiveId" clId="{B9ACF7BD-9B4D-4855-844E-6900B8EDEA6A}" dt="2018-04-23T21:12:55.227" v="9376" actId="14100"/>
+          <ac:picMkLst>
+            <pc:docMk/>
+            <pc:sldMk cId="2904111998" sldId="279"/>
+            <ac:picMk id="9" creationId="{F46EB8A2-122A-4278-AD4D-83736155E3BC}"/>
+          </ac:picMkLst>
+        </pc:picChg>
+      </pc:sldChg>
+      <pc:sldChg chg="addSp delSp modSp add mod setBg">
+        <pc:chgData name="Roy Shabaya" userId="aa0dbd3e755b963d" providerId="LiveId" clId="{B9ACF7BD-9B4D-4855-844E-6900B8EDEA6A}" dt="2018-04-25T00:32:15.759" v="10562" actId="26606"/>
+        <pc:sldMkLst>
+          <pc:docMk/>
+          <pc:sldMk cId="2672819325" sldId="280"/>
+        </pc:sldMkLst>
+        <pc:spChg chg="del">
+          <ac:chgData name="Roy Shabaya" userId="aa0dbd3e755b963d" providerId="LiveId" clId="{B9ACF7BD-9B4D-4855-844E-6900B8EDEA6A}" dt="2018-04-23T22:33:36.534" v="9858" actId="478"/>
+          <ac:spMkLst>
+            <pc:docMk/>
+            <pc:sldMk cId="2672819325" sldId="280"/>
+            <ac:spMk id="2" creationId="{96542751-6062-40A0-9130-244875D78507}"/>
+          </ac:spMkLst>
+        </pc:spChg>
+        <pc:spChg chg="del">
+          <ac:chgData name="Roy Shabaya" userId="aa0dbd3e755b963d" providerId="LiveId" clId="{B9ACF7BD-9B4D-4855-844E-6900B8EDEA6A}" dt="2018-04-23T22:33:11.136" v="9850" actId="478"/>
+          <ac:spMkLst>
+            <pc:docMk/>
+            <pc:sldMk cId="2672819325" sldId="280"/>
+            <ac:spMk id="3" creationId="{06970813-5404-49D0-9AF6-6F53B1418DBB}"/>
+          </ac:spMkLst>
+        </pc:spChg>
+        <pc:spChg chg="add del">
+          <ac:chgData name="Roy Shabaya" userId="aa0dbd3e755b963d" providerId="LiveId" clId="{B9ACF7BD-9B4D-4855-844E-6900B8EDEA6A}" dt="2018-04-25T00:32:15.759" v="10562" actId="26606"/>
+          <ac:spMkLst>
+            <pc:docMk/>
+            <pc:sldMk cId="2672819325" sldId="280"/>
+            <ac:spMk id="8" creationId="{00DACFED-DFD9-4C03-9E95-FF6D8E639645}"/>
+          </ac:spMkLst>
+        </pc:spChg>
+        <pc:spChg chg="add del">
+          <ac:chgData name="Roy Shabaya" userId="aa0dbd3e755b963d" providerId="LiveId" clId="{B9ACF7BD-9B4D-4855-844E-6900B8EDEA6A}" dt="2018-04-25T00:32:15.759" v="10562" actId="26606"/>
+          <ac:spMkLst>
+            <pc:docMk/>
+            <pc:sldMk cId="2672819325" sldId="280"/>
+            <ac:spMk id="9" creationId="{62CA5141-8120-4ADA-BCF1-3A4449FE616C}"/>
+          </ac:spMkLst>
+        </pc:spChg>
+        <pc:spChg chg="add del">
+          <ac:chgData name="Roy Shabaya" userId="aa0dbd3e755b963d" providerId="LiveId" clId="{B9ACF7BD-9B4D-4855-844E-6900B8EDEA6A}" dt="2018-04-25T00:32:06.145" v="10560" actId="26606"/>
+          <ac:spMkLst>
+            <pc:docMk/>
+            <pc:sldMk cId="2672819325" sldId="280"/>
+            <ac:spMk id="11" creationId="{093797CA-51AE-4245-A8B2-F5D0180522BC}"/>
+          </ac:spMkLst>
+        </pc:spChg>
+        <pc:spChg chg="add del">
+          <ac:chgData name="Roy Shabaya" userId="aa0dbd3e755b963d" providerId="LiveId" clId="{B9ACF7BD-9B4D-4855-844E-6900B8EDEA6A}" dt="2018-04-25T00:32:06.145" v="10560" actId="26606"/>
+          <ac:spMkLst>
+            <pc:docMk/>
+            <pc:sldMk cId="2672819325" sldId="280"/>
+            <ac:spMk id="13" creationId="{45D13CF6-CAE0-4A88-A734-2A3DBFE89D69}"/>
+          </ac:spMkLst>
+        </pc:spChg>
+        <pc:picChg chg="add mod">
+          <ac:chgData name="Roy Shabaya" userId="aa0dbd3e755b963d" providerId="LiveId" clId="{B9ACF7BD-9B4D-4855-844E-6900B8EDEA6A}" dt="2018-04-25T00:32:15.759" v="10562" actId="26606"/>
+          <ac:picMkLst>
+            <pc:docMk/>
+            <pc:sldMk cId="2672819325" sldId="280"/>
+            <ac:picMk id="2" creationId="{390A73C6-9B17-459A-8C2C-7A765BBB527A}"/>
+          </ac:picMkLst>
+        </pc:picChg>
+        <pc:picChg chg="add del mod">
+          <ac:chgData name="Roy Shabaya" userId="aa0dbd3e755b963d" providerId="LiveId" clId="{B9ACF7BD-9B4D-4855-844E-6900B8EDEA6A}" dt="2018-04-23T22:33:07.975" v="9849" actId="478"/>
+          <ac:picMkLst>
+            <pc:docMk/>
+            <pc:sldMk cId="2672819325" sldId="280"/>
+            <ac:picMk id="4" creationId="{48D0A856-3DDB-4742-8583-C78BCFA59D6B}"/>
+          </ac:picMkLst>
+        </pc:picChg>
+        <pc:picChg chg="add del mod">
+          <ac:chgData name="Roy Shabaya" userId="aa0dbd3e755b963d" providerId="LiveId" clId="{B9ACF7BD-9B4D-4855-844E-6900B8EDEA6A}" dt="2018-04-25T00:30:06.924" v="10549" actId="478"/>
+          <ac:picMkLst>
+            <pc:docMk/>
+            <pc:sldMk cId="2672819325" sldId="280"/>
+            <ac:picMk id="5" creationId="{2D90137E-744E-4C15-BE5C-E88C85B05EE8}"/>
+          </ac:picMkLst>
+        </pc:picChg>
+        <pc:picChg chg="add mod ord">
+          <ac:chgData name="Roy Shabaya" userId="aa0dbd3e755b963d" providerId="LiveId" clId="{B9ACF7BD-9B4D-4855-844E-6900B8EDEA6A}" dt="2018-04-25T00:32:15.759" v="10562" actId="26606"/>
+          <ac:picMkLst>
+            <pc:docMk/>
+            <pc:sldMk cId="2672819325" sldId="280"/>
+            <ac:picMk id="6" creationId="{615B336D-F739-4A6F-92D0-2D21C22A6E1F}"/>
+          </ac:picMkLst>
+        </pc:picChg>
+      </pc:sldChg>
+      <pc:sldChg chg="modSp add del">
+        <pc:chgData name="Roy Shabaya" userId="aa0dbd3e755b963d" providerId="LiveId" clId="{B9ACF7BD-9B4D-4855-844E-6900B8EDEA6A}" dt="2018-04-24T22:30:16.800" v="10471" actId="2696"/>
+        <pc:sldMkLst>
+          <pc:docMk/>
+          <pc:sldMk cId="177334981" sldId="281"/>
+        </pc:sldMkLst>
+        <pc:spChg chg="mod">
+          <ac:chgData name="Roy Shabaya" userId="aa0dbd3e755b963d" providerId="LiveId" clId="{B9ACF7BD-9B4D-4855-844E-6900B8EDEA6A}" dt="2018-04-24T00:21:20.958" v="10430" actId="207"/>
+          <ac:spMkLst>
+            <pc:docMk/>
+            <pc:sldMk cId="177334981" sldId="281"/>
+            <ac:spMk id="3" creationId="{9554B201-503B-417D-9BE0-BD1F771A4A8C}"/>
+          </ac:spMkLst>
+        </pc:spChg>
       </pc:sldChg>
     </pc:docChg>
   </pc:docChgLst>
@@ -1580,7 +2004,7 @@
           <a:p>
             <a:fld id="{043A489C-1922-4C65-BF10-0D58C6A10522}" type="datetimeFigureOut">
               <a:rPr lang="en-US" smtClean="0"/>
-              <a:t>4/18/2018</a:t>
+              <a:t>4/24/2018</a:t>
             </a:fld>
             <a:endParaRPr lang="en-US"/>
           </a:p>
@@ -1878,7 +2302,7 @@
           <a:p>
             <a:fld id="{043A489C-1922-4C65-BF10-0D58C6A10522}" type="datetimeFigureOut">
               <a:rPr lang="en-US" smtClean="0"/>
-              <a:t>4/18/2018</a:t>
+              <a:t>4/24/2018</a:t>
             </a:fld>
             <a:endParaRPr lang="en-US"/>
           </a:p>
@@ -2070,7 +2494,7 @@
           <a:p>
             <a:fld id="{043A489C-1922-4C65-BF10-0D58C6A10522}" type="datetimeFigureOut">
               <a:rPr lang="en-US" smtClean="0"/>
-              <a:t>4/18/2018</a:t>
+              <a:t>4/24/2018</a:t>
             </a:fld>
             <a:endParaRPr lang="en-US"/>
           </a:p>
@@ -2331,7 +2755,7 @@
           <a:p>
             <a:fld id="{043A489C-1922-4C65-BF10-0D58C6A10522}" type="datetimeFigureOut">
               <a:rPr lang="en-US" smtClean="0"/>
-              <a:t>4/18/2018</a:t>
+              <a:t>4/24/2018</a:t>
             </a:fld>
             <a:endParaRPr lang="en-US"/>
           </a:p>
@@ -2755,7 +3179,7 @@
           <a:p>
             <a:fld id="{043A489C-1922-4C65-BF10-0D58C6A10522}" type="datetimeFigureOut">
               <a:rPr lang="en-US" smtClean="0"/>
-              <a:t>4/18/2018</a:t>
+              <a:t>4/24/2018</a:t>
             </a:fld>
             <a:endParaRPr lang="en-US"/>
           </a:p>
@@ -3292,7 +3716,7 @@
           <a:p>
             <a:fld id="{043A489C-1922-4C65-BF10-0D58C6A10522}" type="datetimeFigureOut">
               <a:rPr lang="en-US" smtClean="0"/>
-              <a:t>4/18/2018</a:t>
+              <a:t>4/24/2018</a:t>
             </a:fld>
             <a:endParaRPr lang="en-US"/>
           </a:p>
@@ -4156,7 +4580,7 @@
           <a:p>
             <a:fld id="{043A489C-1922-4C65-BF10-0D58C6A10522}" type="datetimeFigureOut">
               <a:rPr lang="en-US" smtClean="0"/>
-              <a:t>4/18/2018</a:t>
+              <a:t>4/24/2018</a:t>
             </a:fld>
             <a:endParaRPr lang="en-US"/>
           </a:p>
@@ -4326,7 +4750,7 @@
           <a:p>
             <a:fld id="{043A489C-1922-4C65-BF10-0D58C6A10522}" type="datetimeFigureOut">
               <a:rPr lang="en-US" smtClean="0"/>
-              <a:t>4/18/2018</a:t>
+              <a:t>4/24/2018</a:t>
             </a:fld>
             <a:endParaRPr lang="en-US"/>
           </a:p>
@@ -4510,7 +4934,7 @@
           <a:p>
             <a:fld id="{043A489C-1922-4C65-BF10-0D58C6A10522}" type="datetimeFigureOut">
               <a:rPr lang="en-US" smtClean="0"/>
-              <a:t>4/18/2018</a:t>
+              <a:t>4/24/2018</a:t>
             </a:fld>
             <a:endParaRPr lang="en-US"/>
           </a:p>
@@ -4680,7 +5104,7 @@
           <a:p>
             <a:fld id="{043A489C-1922-4C65-BF10-0D58C6A10522}" type="datetimeFigureOut">
               <a:rPr lang="en-US" smtClean="0"/>
-              <a:t>4/18/2018</a:t>
+              <a:t>4/24/2018</a:t>
             </a:fld>
             <a:endParaRPr lang="en-US"/>
           </a:p>
@@ -4924,7 +5348,7 @@
           <a:p>
             <a:fld id="{043A489C-1922-4C65-BF10-0D58C6A10522}" type="datetimeFigureOut">
               <a:rPr lang="en-US" smtClean="0"/>
-              <a:t>4/18/2018</a:t>
+              <a:t>4/24/2018</a:t>
             </a:fld>
             <a:endParaRPr lang="en-US"/>
           </a:p>
@@ -5160,7 +5584,7 @@
           <a:p>
             <a:fld id="{043A489C-1922-4C65-BF10-0D58C6A10522}" type="datetimeFigureOut">
               <a:rPr lang="en-US" smtClean="0"/>
-              <a:t>4/18/2018</a:t>
+              <a:t>4/24/2018</a:t>
             </a:fld>
             <a:endParaRPr lang="en-US"/>
           </a:p>
@@ -5626,7 +6050,7 @@
           <a:p>
             <a:fld id="{043A489C-1922-4C65-BF10-0D58C6A10522}" type="datetimeFigureOut">
               <a:rPr lang="en-US" smtClean="0"/>
-              <a:t>4/18/2018</a:t>
+              <a:t>4/24/2018</a:t>
             </a:fld>
             <a:endParaRPr lang="en-US"/>
           </a:p>
@@ -5744,7 +6168,7 @@
           <a:p>
             <a:fld id="{043A489C-1922-4C65-BF10-0D58C6A10522}" type="datetimeFigureOut">
               <a:rPr lang="en-US" smtClean="0"/>
-              <a:t>4/18/2018</a:t>
+              <a:t>4/24/2018</a:t>
             </a:fld>
             <a:endParaRPr lang="en-US"/>
           </a:p>
@@ -5839,7 +6263,7 @@
           <a:p>
             <a:fld id="{043A489C-1922-4C65-BF10-0D58C6A10522}" type="datetimeFigureOut">
               <a:rPr lang="en-US" smtClean="0"/>
-              <a:t>4/18/2018</a:t>
+              <a:t>4/24/2018</a:t>
             </a:fld>
             <a:endParaRPr lang="en-US"/>
           </a:p>
@@ -6094,7 +6518,7 @@
           <a:p>
             <a:fld id="{043A489C-1922-4C65-BF10-0D58C6A10522}" type="datetimeFigureOut">
               <a:rPr lang="en-US" smtClean="0"/>
-              <a:t>4/18/2018</a:t>
+              <a:t>4/24/2018</a:t>
             </a:fld>
             <a:endParaRPr lang="en-US"/>
           </a:p>
@@ -6394,7 +6818,7 @@
           <a:p>
             <a:fld id="{043A489C-1922-4C65-BF10-0D58C6A10522}" type="datetimeFigureOut">
               <a:rPr lang="en-US" smtClean="0"/>
-              <a:t>4/18/2018</a:t>
+              <a:t>4/24/2018</a:t>
             </a:fld>
             <a:endParaRPr lang="en-US"/>
           </a:p>
@@ -6628,7 +7052,7 @@
           <a:p>
             <a:fld id="{043A489C-1922-4C65-BF10-0D58C6A10522}" type="datetimeFigureOut">
               <a:rPr lang="en-US" smtClean="0"/>
-              <a:t>4/18/2018</a:t>
+              <a:t>4/24/2018</a:t>
             </a:fld>
             <a:endParaRPr lang="en-US"/>
           </a:p>
@@ -7538,8 +7962,8 @@
           <a:lstStyle/>
           <a:p>
             <a:r>
-              <a:rPr lang="en-US" sz="4800"/>
-              <a:t>Predicting Marketing Response Rates</a:t>
+              <a:rPr lang="en-US" sz="4800" dirty="0"/>
+              <a:t>Applying Supervised Learning to the Bank Marketing Dataset</a:t>
             </a:r>
           </a:p>
         </p:txBody>
@@ -7574,20 +7998,24 @@
           <a:p>
             <a:pPr algn="l"/>
             <a:r>
-              <a:rPr lang="en-US"/>
-              <a:t>Thinkful Data Science Mid-Capstone</a:t>
+              <a:rPr lang="en-US" dirty="0" err="1"/>
+              <a:t>Thinkful</a:t>
+            </a:r>
+            <a:r>
+              <a:rPr lang="en-US" dirty="0"/>
+              <a:t> Data Science Supervised Learning Capstone</a:t>
             </a:r>
           </a:p>
           <a:p>
             <a:pPr algn="l"/>
             <a:r>
-              <a:rPr lang="en-US"/>
+              <a:rPr lang="en-US" dirty="0"/>
               <a:t>Roy Shabaya</a:t>
             </a:r>
           </a:p>
           <a:p>
             <a:pPr algn="l"/>
-            <a:endParaRPr lang="en-US"/>
+            <a:endParaRPr lang="en-US" dirty="0"/>
           </a:p>
         </p:txBody>
       </p:sp>
@@ -7672,101 +8100,64 @@
         </p:nvSpPr>
         <p:spPr>
           <a:xfrm>
-            <a:off x="105834" y="928126"/>
-            <a:ext cx="2800652" cy="4779627"/>
+            <a:off x="372534" y="1039186"/>
+            <a:ext cx="11305116" cy="4779627"/>
           </a:xfrm>
         </p:spPr>
         <p:txBody>
           <a:bodyPr>
-            <a:normAutofit fontScale="92500"/>
+            <a:normAutofit/>
           </a:bodyPr>
           <a:lstStyle/>
           <a:p>
             <a:r>
+              <a:rPr lang="en-US" sz="2400" dirty="0"/>
+              <a:t>Several methods were used for feature selection:</a:t>
+            </a:r>
+          </a:p>
+          <a:p>
+            <a:pPr lvl="1"/>
+            <a:r>
+              <a:rPr lang="en-US" sz="2000" dirty="0"/>
+              <a:t>Coefficients from Lasso</a:t>
+            </a:r>
+          </a:p>
+          <a:p>
+            <a:pPr lvl="1"/>
+            <a:r>
+              <a:rPr lang="en-US" sz="2000" dirty="0"/>
+              <a:t>Principal Component Analysis</a:t>
+            </a:r>
+          </a:p>
+          <a:p>
+            <a:pPr lvl="1"/>
+            <a:r>
+              <a:rPr lang="en-US" sz="2000" dirty="0"/>
+              <a:t>Random Forest Feature Importance</a:t>
+            </a:r>
+          </a:p>
+          <a:p>
+            <a:pPr lvl="1"/>
+            <a:r>
+              <a:rPr lang="en-US" sz="2000" dirty="0"/>
+              <a:t>Backwards Pass Feature Elimination</a:t>
+            </a:r>
+          </a:p>
+          <a:p>
+            <a:pPr lvl="1"/>
+            <a:r>
+              <a:rPr lang="en-US" sz="2000" dirty="0"/>
+              <a:t>Recursive Feature Elimination</a:t>
+            </a:r>
+          </a:p>
+          <a:p>
+            <a:r>
               <a:rPr lang="en-US" dirty="0"/>
-              <a:t>Several methods were used for feature selection:</a:t>
-            </a:r>
-          </a:p>
-          <a:p>
-            <a:pPr lvl="1"/>
-            <a:r>
-              <a:rPr lang="en-US" dirty="0"/>
-              <a:t>Coefficients from Lasso</a:t>
-            </a:r>
-          </a:p>
-          <a:p>
-            <a:pPr lvl="1"/>
-            <a:r>
-              <a:rPr lang="en-US" dirty="0"/>
-              <a:t>PCA</a:t>
-            </a:r>
-          </a:p>
-          <a:p>
-            <a:pPr lvl="1"/>
-            <a:r>
-              <a:rPr lang="en-US" dirty="0"/>
-              <a:t>Random Forest Feature Importance</a:t>
-            </a:r>
-          </a:p>
-          <a:p>
-            <a:pPr lvl="1"/>
-            <a:r>
-              <a:rPr lang="en-US" dirty="0"/>
-              <a:t>Backwards Pass Feature Elimination</a:t>
-            </a:r>
-          </a:p>
-          <a:p>
-            <a:pPr lvl="1"/>
-            <a:r>
-              <a:rPr lang="en-US" dirty="0"/>
-              <a:t>RFE</a:t>
-            </a:r>
-          </a:p>
-          <a:p>
-            <a:r>
-              <a:rPr lang="en-US" dirty="0"/>
-              <a:t>Conclusion – </a:t>
-            </a:r>
-            <a:br>
-              <a:rPr lang="en-US" dirty="0"/>
-            </a:br>
-            <a:r>
-              <a:rPr lang="en-US" dirty="0"/>
-              <a:t>   Most features don’t improve model </a:t>
-            </a:r>
-          </a:p>
-        </p:txBody>
-      </p:sp>
-      <p:pic>
-        <p:nvPicPr>
-          <p:cNvPr id="4" name="Picture 3">
-            <a:extLst>
-              <a:ext uri="{FF2B5EF4-FFF2-40B4-BE49-F238E27FC236}">
-                <a16:creationId xmlns:a16="http://schemas.microsoft.com/office/drawing/2014/main" id="{79374124-272A-4852-96FF-DCD25C1BED31}"/>
-              </a:ext>
-            </a:extLst>
-          </p:cNvPr>
-          <p:cNvPicPr>
-            <a:picLocks noChangeAspect="1"/>
-          </p:cNvPicPr>
-          <p:nvPr/>
-        </p:nvPicPr>
-        <p:blipFill>
-          <a:blip r:embed="rId2"/>
-          <a:stretch>
-            <a:fillRect/>
-          </a:stretch>
-        </p:blipFill>
-        <p:spPr>
-          <a:xfrm>
-            <a:off x="3189515" y="935490"/>
-            <a:ext cx="8896652" cy="5820132"/>
-          </a:xfrm>
-          <a:prstGeom prst="rect">
-            <a:avLst/>
-          </a:prstGeom>
-        </p:spPr>
-      </p:pic>
+              <a:t>Data did not contain information that was adequate for us to make reliable predictions on the outcome, whether a purchase was made (more on this later…)</a:t>
+            </a:r>
+          </a:p>
+        </p:txBody>
+      </p:sp>
     </p:spTree>
     <p:extLst>
       <p:ext uri="{BB962C8B-B14F-4D97-AF65-F5344CB8AC3E}">
@@ -7797,6 +8188,96 @@
           <a:chExt cx="0" cy="0"/>
         </a:xfrm>
       </p:grpSpPr>
+      <p:pic>
+        <p:nvPicPr>
+          <p:cNvPr id="6" name="Picture 5">
+            <a:extLst>
+              <a:ext uri="{FF2B5EF4-FFF2-40B4-BE49-F238E27FC236}">
+                <a16:creationId xmlns:a16="http://schemas.microsoft.com/office/drawing/2014/main" id="{615B336D-F739-4A6F-92D0-2D21C22A6E1F}"/>
+              </a:ext>
+            </a:extLst>
+          </p:cNvPr>
+          <p:cNvPicPr>
+            <a:picLocks noChangeAspect="1"/>
+          </p:cNvPicPr>
+          <p:nvPr/>
+        </p:nvPicPr>
+        <p:blipFill>
+          <a:blip r:embed="rId2"/>
+          <a:stretch>
+            <a:fillRect/>
+          </a:stretch>
+        </p:blipFill>
+        <p:spPr>
+          <a:xfrm>
+            <a:off x="3542357" y="672905"/>
+            <a:ext cx="8216619" cy="5685032"/>
+          </a:xfrm>
+          <a:prstGeom prst="rect">
+            <a:avLst/>
+          </a:prstGeom>
+        </p:spPr>
+      </p:pic>
+      <p:pic>
+        <p:nvPicPr>
+          <p:cNvPr id="2" name="Picture 1">
+            <a:extLst>
+              <a:ext uri="{FF2B5EF4-FFF2-40B4-BE49-F238E27FC236}">
+                <a16:creationId xmlns:a16="http://schemas.microsoft.com/office/drawing/2014/main" id="{390A73C6-9B17-459A-8C2C-7A765BBB527A}"/>
+              </a:ext>
+            </a:extLst>
+          </p:cNvPr>
+          <p:cNvPicPr>
+            <a:picLocks noChangeAspect="1"/>
+          </p:cNvPicPr>
+          <p:nvPr/>
+        </p:nvPicPr>
+        <p:blipFill>
+          <a:blip r:embed="rId3"/>
+          <a:stretch>
+            <a:fillRect/>
+          </a:stretch>
+        </p:blipFill>
+        <p:spPr>
+          <a:xfrm>
+            <a:off x="327359" y="130968"/>
+            <a:ext cx="2741609" cy="6596063"/>
+          </a:xfrm>
+          <a:prstGeom prst="rect">
+            <a:avLst/>
+          </a:prstGeom>
+        </p:spPr>
+      </p:pic>
+    </p:spTree>
+    <p:extLst>
+      <p:ext uri="{BB962C8B-B14F-4D97-AF65-F5344CB8AC3E}">
+        <p14:creationId xmlns:p14="http://schemas.microsoft.com/office/powerpoint/2010/main" val="2672819325"/>
+      </p:ext>
+    </p:extLst>
+  </p:cSld>
+  <p:clrMapOvr>
+    <a:masterClrMapping/>
+  </p:clrMapOvr>
+</p:sld>
+</file>
+
+<file path=ppt/slides/slide12.xml><?xml version="1.0" encoding="utf-8"?>
+<p:sld xmlns:a="http://schemas.openxmlformats.org/drawingml/2006/main" xmlns:r="http://schemas.openxmlformats.org/officeDocument/2006/relationships" xmlns:p="http://schemas.openxmlformats.org/presentationml/2006/main">
+  <p:cSld>
+    <p:spTree>
+      <p:nvGrpSpPr>
+        <p:cNvPr id="1" name=""/>
+        <p:cNvGrpSpPr/>
+        <p:nvPr/>
+      </p:nvGrpSpPr>
+      <p:grpSpPr>
+        <a:xfrm>
+          <a:off x="0" y="0"/>
+          <a:ext cx="0" cy="0"/>
+          <a:chOff x="0" y="0"/>
+          <a:chExt cx="0" cy="0"/>
+        </a:xfrm>
+      </p:grpSpPr>
       <p:sp>
         <p:nvSpPr>
           <p:cNvPr id="2" name="Title 1">
@@ -7976,7 +8457,7 @@
         </p:nvSpPr>
         <p:spPr>
           <a:xfrm>
-            <a:off x="295259" y="3311338"/>
+            <a:off x="295259" y="3316101"/>
             <a:ext cx="3300984" cy="1466850"/>
           </a:xfrm>
         </p:spPr>
@@ -8128,7 +8609,7 @@
 </p:sld>
 </file>
 
-<file path=ppt/slides/slide12.xml><?xml version="1.0" encoding="utf-8"?>
+<file path=ppt/slides/slide13.xml><?xml version="1.0" encoding="utf-8"?>
 <p:sld xmlns:a="http://schemas.openxmlformats.org/drawingml/2006/main" xmlns:r="http://schemas.openxmlformats.org/officeDocument/2006/relationships" xmlns:p="http://schemas.openxmlformats.org/presentationml/2006/main">
   <p:cSld>
     <p:spTree>
@@ -8189,14 +8670,14 @@
             <p:ph idx="1"/>
             <p:extLst>
               <p:ext uri="{D42A27DB-BD31-4B8C-83A1-F6EECF244321}">
-                <p14:modId xmlns:p14="http://schemas.microsoft.com/office/powerpoint/2010/main" val="1184982759"/>
+                <p14:modId xmlns:p14="http://schemas.microsoft.com/office/powerpoint/2010/main" val="4037777306"/>
               </p:ext>
             </p:extLst>
           </p:nvPr>
         </p:nvGraphicFramePr>
         <p:xfrm>
           <a:off x="2630032" y="4188993"/>
-          <a:ext cx="6275817" cy="2228850"/>
+          <a:ext cx="6730827" cy="2245221"/>
         </p:xfrm>
         <a:graphic>
           <a:graphicData uri="http://schemas.openxmlformats.org/drawingml/2006/table">
@@ -8205,35 +8686,35 @@
                 <a:tableStyleId>{3C2FFA5D-87B4-456A-9821-1D502468CF0F}</a:tableStyleId>
               </a:tblPr>
               <a:tblGrid>
-                <a:gridCol w="1752570">
+                <a:gridCol w="1964485">
                   <a:extLst>
                     <a:ext uri="{9D8B030D-6E8A-4147-A177-3AD203B41FA5}">
                       <a16:colId xmlns:a16="http://schemas.microsoft.com/office/drawing/2014/main" val="1781190064"/>
                     </a:ext>
                   </a:extLst>
                 </a:gridCol>
-                <a:gridCol w="1051179">
+                <a:gridCol w="1178284">
                   <a:extLst>
                     <a:ext uri="{9D8B030D-6E8A-4147-A177-3AD203B41FA5}">
                       <a16:colId xmlns:a16="http://schemas.microsoft.com/office/drawing/2014/main" val="2598997190"/>
                     </a:ext>
                   </a:extLst>
                 </a:gridCol>
-                <a:gridCol w="1157356">
+                <a:gridCol w="993458">
                   <a:extLst>
                     <a:ext uri="{9D8B030D-6E8A-4147-A177-3AD203B41FA5}">
                       <a16:colId xmlns:a16="http://schemas.microsoft.com/office/drawing/2014/main" val="3270755784"/>
                     </a:ext>
                   </a:extLst>
                 </a:gridCol>
-                <a:gridCol w="1157356">
+                <a:gridCol w="1297300">
                   <a:extLst>
                     <a:ext uri="{9D8B030D-6E8A-4147-A177-3AD203B41FA5}">
                       <a16:colId xmlns:a16="http://schemas.microsoft.com/office/drawing/2014/main" val="398996321"/>
                     </a:ext>
                   </a:extLst>
                 </a:gridCol>
-                <a:gridCol w="1157356">
+                <a:gridCol w="1297300">
                   <a:extLst>
                     <a:ext uri="{9D8B030D-6E8A-4147-A177-3AD203B41FA5}">
                       <a16:colId xmlns:a16="http://schemas.microsoft.com/office/drawing/2014/main" val="3202770995"/>
@@ -8241,7 +8722,7 @@
                   </a:extLst>
                 </a:gridCol>
               </a:tblGrid>
-              <a:tr h="98448">
+              <a:tr h="174417">
                 <a:tc gridSpan="5">
                   <a:txBody>
                     <a:bodyPr/>
@@ -8311,7 +8792,7 @@
                   </a:ext>
                 </a:extLst>
               </a:tr>
-              <a:tr h="195381">
+              <a:tr h="174417">
                 <a:tc>
                   <a:txBody>
                     <a:bodyPr/>
@@ -8365,12 +8846,12 @@
                     <a:p>
                       <a:pPr algn="ctr" fontAlgn="b"/>
                       <a:r>
-                        <a:rPr lang="en-US" sz="1600" u="none" strike="noStrike">
+                        <a:rPr lang="en-US" sz="1600" u="none" strike="noStrike" dirty="0">
                           <a:effectLst/>
                         </a:rPr>
                         <a:t>Test Score</a:t>
                       </a:r>
-                      <a:endParaRPr lang="en-US" sz="1600" b="1" i="0" u="none" strike="noStrike">
+                      <a:endParaRPr lang="en-US" sz="1600" b="1" i="0" u="none" strike="noStrike" dirty="0">
                         <a:solidFill>
                           <a:srgbClr val="000000"/>
                         </a:solidFill>
@@ -8433,7 +8914,7 @@
                   </a:ext>
                 </a:extLst>
               </a:tr>
-              <a:tr h="98448">
+              <a:tr h="174417">
                 <a:tc>
                   <a:txBody>
                     <a:bodyPr/>
@@ -8555,7 +9036,7 @@
                   </a:ext>
                 </a:extLst>
               </a:tr>
-              <a:tr h="98448">
+              <a:tr h="174417">
                 <a:tc>
                   <a:txBody>
                     <a:bodyPr/>
@@ -8677,7 +9158,7 @@
                   </a:ext>
                 </a:extLst>
               </a:tr>
-              <a:tr h="98448">
+              <a:tr h="174417">
                 <a:tc>
                   <a:txBody>
                     <a:bodyPr/>
@@ -8731,33 +9212,10 @@
                     <a:p>
                       <a:pPr algn="l" fontAlgn="b"/>
                       <a:r>
-                        <a:rPr lang="en-US" sz="1600" u="none" strike="noStrike">
-                          <a:effectLst/>
-                        </a:rPr>
-                        <a:t>      0.8954 </a:t>
-                      </a:r>
-                      <a:endParaRPr lang="en-US" sz="1600" b="0" i="0" u="none" strike="noStrike">
-                        <a:solidFill>
-                          <a:srgbClr val="000000"/>
-                        </a:solidFill>
-                        <a:effectLst/>
-                        <a:latin typeface="Calibri" panose="020F0502020204030204" pitchFamily="34" charset="0"/>
-                      </a:endParaRPr>
-                    </a:p>
-                  </a:txBody>
-                  <a:tcPr marL="3810" marR="3810" marT="3810" marB="0" anchor="b"/>
-                </a:tc>
-                <a:tc>
-                  <a:txBody>
-                    <a:bodyPr/>
-                    <a:lstStyle/>
-                    <a:p>
-                      <a:pPr algn="l" fontAlgn="b"/>
-                      <a:r>
                         <a:rPr lang="en-US" sz="1600" u="none" strike="noStrike" dirty="0">
                           <a:effectLst/>
                         </a:rPr>
-                        <a:t>      0.9871 </a:t>
+                        <a:t>      0.8958 </a:t>
                       </a:r>
                       <a:endParaRPr lang="en-US" sz="1600" b="0" i="0" u="none" strike="noStrike" dirty="0">
                         <a:solidFill>
@@ -8780,7 +9238,30 @@
                         <a:rPr lang="en-US" sz="1600" u="none" strike="noStrike" dirty="0">
                           <a:effectLst/>
                         </a:rPr>
-                        <a:t>      0.1893 </a:t>
+                        <a:t>      0.9885</a:t>
+                      </a:r>
+                      <a:endParaRPr lang="en-US" sz="1600" b="0" i="0" u="none" strike="noStrike" dirty="0">
+                        <a:solidFill>
+                          <a:srgbClr val="000000"/>
+                        </a:solidFill>
+                        <a:effectLst/>
+                        <a:latin typeface="Calibri" panose="020F0502020204030204" pitchFamily="34" charset="0"/>
+                      </a:endParaRPr>
+                    </a:p>
+                  </a:txBody>
+                  <a:tcPr marL="3810" marR="3810" marT="3810" marB="0" anchor="b"/>
+                </a:tc>
+                <a:tc>
+                  <a:txBody>
+                    <a:bodyPr/>
+                    <a:lstStyle/>
+                    <a:p>
+                      <a:pPr algn="l" fontAlgn="b"/>
+                      <a:r>
+                        <a:rPr lang="en-US" sz="1600" u="none" strike="noStrike" dirty="0">
+                          <a:effectLst/>
+                        </a:rPr>
+                        <a:t>      0.1817</a:t>
                       </a:r>
                       <a:endParaRPr lang="en-US" sz="1600" b="0" i="0" u="none" strike="noStrike" dirty="0">
                         <a:solidFill>
@@ -8799,7 +9280,7 @@
                   </a:ext>
                 </a:extLst>
               </a:tr>
-              <a:tr h="195381">
+              <a:tr h="264021">
                 <a:tc>
                   <a:txBody>
                     <a:bodyPr/>
@@ -8810,7 +9291,7 @@
                         <a:rPr lang="en-US" sz="1600" u="none" strike="noStrike" dirty="0">
                           <a:effectLst/>
                         </a:rPr>
-                        <a:t>Standard Logistic</a:t>
+                        <a:t>Logistic Regression</a:t>
                       </a:r>
                       <a:endParaRPr lang="en-US" sz="1600" b="1" i="0" u="none" strike="noStrike" dirty="0">
                         <a:solidFill>
@@ -8830,12 +9311,12 @@
                     <a:p>
                       <a:pPr algn="l" fontAlgn="b"/>
                       <a:r>
-                        <a:rPr lang="en-US" sz="1600" u="none" strike="noStrike">
+                        <a:rPr lang="en-US" sz="1600" u="none" strike="noStrike" dirty="0">
                           <a:effectLst/>
                         </a:rPr>
                         <a:t>      0.8983 </a:t>
                       </a:r>
-                      <a:endParaRPr lang="en-US" sz="1600" b="0" i="0" u="none" strike="noStrike">
+                      <a:endParaRPr lang="en-US" sz="1600" b="0" i="0" u="none" strike="noStrike" dirty="0">
                         <a:solidFill>
                           <a:srgbClr val="000000"/>
                         </a:solidFill>
@@ -8921,7 +9402,7 @@
                   </a:ext>
                 </a:extLst>
               </a:tr>
-              <a:tr h="98448">
+              <a:tr h="174417">
                 <a:tc>
                   <a:txBody>
                     <a:bodyPr/>
@@ -8952,12 +9433,12 @@
                     <a:p>
                       <a:pPr algn="l" fontAlgn="b"/>
                       <a:r>
-                        <a:rPr lang="en-US" sz="1600" u="none" strike="noStrike">
+                        <a:rPr lang="en-US" sz="1600" u="none" strike="noStrike" dirty="0">
                           <a:effectLst/>
                         </a:rPr>
-                        <a:t>      0.8983 </a:t>
+                        <a:t>      0.8982</a:t>
                       </a:r>
-                      <a:endParaRPr lang="en-US" sz="1600" b="0" i="0" u="none" strike="noStrike">
+                      <a:endParaRPr lang="en-US" sz="1600" b="0" i="0" u="none" strike="noStrike" dirty="0">
                         <a:solidFill>
                           <a:srgbClr val="000000"/>
                         </a:solidFill>
@@ -9024,7 +9505,7 @@
                         <a:rPr lang="en-US" sz="1600" u="none" strike="noStrike" dirty="0">
                           <a:effectLst/>
                         </a:rPr>
-                        <a:t>      0.2088 </a:t>
+                        <a:t>      0.2087</a:t>
                       </a:r>
                       <a:endParaRPr lang="en-US" sz="1600" b="0" i="0" u="none" strike="noStrike" dirty="0">
                         <a:solidFill>
@@ -9043,7 +9524,7 @@
                   </a:ext>
                 </a:extLst>
               </a:tr>
-              <a:tr h="195381">
+              <a:tr h="174417">
                 <a:tc>
                   <a:txBody>
                     <a:bodyPr/>
@@ -9165,7 +9646,7 @@
                   </a:ext>
                 </a:extLst>
               </a:tr>
-              <a:tr h="195381">
+              <a:tr h="174417">
                 <a:tc>
                   <a:txBody>
                     <a:bodyPr/>
@@ -9672,7 +10153,7 @@
           <a:p>
             <a:r>
               <a:rPr lang="en-US" dirty="0"/>
-              <a:t>No models were able to able to product significantly better results than the baseline of 88.8%</a:t>
+              <a:t>No models were able to able to produce significantly better results than the baseline of 88.8%</a:t>
             </a:r>
           </a:p>
           <a:p>
@@ -9693,230 +10174,6 @@
     <p:extLst>
       <p:ext uri="{BB962C8B-B14F-4D97-AF65-F5344CB8AC3E}">
         <p14:creationId xmlns:p14="http://schemas.microsoft.com/office/powerpoint/2010/main" val="4278075034"/>
-      </p:ext>
-    </p:extLst>
-  </p:cSld>
-  <p:clrMapOvr>
-    <a:masterClrMapping/>
-  </p:clrMapOvr>
-</p:sld>
-</file>
-
-<file path=ppt/slides/slide13.xml><?xml version="1.0" encoding="utf-8"?>
-<p:sld xmlns:a="http://schemas.openxmlformats.org/drawingml/2006/main" xmlns:r="http://schemas.openxmlformats.org/officeDocument/2006/relationships" xmlns:p="http://schemas.openxmlformats.org/presentationml/2006/main">
-  <p:cSld>
-    <p:spTree>
-      <p:nvGrpSpPr>
-        <p:cNvPr id="1" name=""/>
-        <p:cNvGrpSpPr/>
-        <p:nvPr/>
-      </p:nvGrpSpPr>
-      <p:grpSpPr>
-        <a:xfrm>
-          <a:off x="0" y="0"/>
-          <a:ext cx="0" cy="0"/>
-          <a:chOff x="0" y="0"/>
-          <a:chExt cx="0" cy="0"/>
-        </a:xfrm>
-      </p:grpSpPr>
-      <p:sp>
-        <p:nvSpPr>
-          <p:cNvPr id="2" name="Title 1">
-            <a:extLst>
-              <a:ext uri="{FF2B5EF4-FFF2-40B4-BE49-F238E27FC236}">
-                <a16:creationId xmlns:a16="http://schemas.microsoft.com/office/drawing/2014/main" id="{6BC52ED0-B79C-40B5-84F3-169589FADCF7}"/>
-              </a:ext>
-            </a:extLst>
-          </p:cNvPr>
-          <p:cNvSpPr>
-            <a:spLocks noGrp="1"/>
-          </p:cNvSpPr>
-          <p:nvPr>
-            <p:ph type="title"/>
-          </p:nvPr>
-        </p:nvSpPr>
-        <p:spPr/>
-        <p:txBody>
-          <a:bodyPr/>
-          <a:lstStyle/>
-          <a:p>
-            <a:r>
-              <a:rPr lang="en-US" dirty="0"/>
-              <a:t>Random Forest</a:t>
-            </a:r>
-          </a:p>
-        </p:txBody>
-      </p:sp>
-      <p:sp>
-        <p:nvSpPr>
-          <p:cNvPr id="9" name="Text Placeholder 8">
-            <a:extLst>
-              <a:ext uri="{FF2B5EF4-FFF2-40B4-BE49-F238E27FC236}">
-                <a16:creationId xmlns:a16="http://schemas.microsoft.com/office/drawing/2014/main" id="{897C8DA2-82A4-4196-83FB-9AF1F04D7B58}"/>
-              </a:ext>
-            </a:extLst>
-          </p:cNvPr>
-          <p:cNvSpPr>
-            <a:spLocks noGrp="1"/>
-          </p:cNvSpPr>
-          <p:nvPr>
-            <p:ph type="body" idx="1"/>
-          </p:nvPr>
-        </p:nvSpPr>
-        <p:spPr/>
-        <p:txBody>
-          <a:bodyPr/>
-          <a:lstStyle/>
-          <a:p>
-            <a:r>
-              <a:rPr lang="en-US" dirty="0"/>
-              <a:t>Overview</a:t>
-            </a:r>
-          </a:p>
-        </p:txBody>
-      </p:sp>
-      <p:sp>
-        <p:nvSpPr>
-          <p:cNvPr id="10" name="Content Placeholder 9">
-            <a:extLst>
-              <a:ext uri="{FF2B5EF4-FFF2-40B4-BE49-F238E27FC236}">
-                <a16:creationId xmlns:a16="http://schemas.microsoft.com/office/drawing/2014/main" id="{1DF43473-3973-4EE8-ADF8-D8E568FDDEC0}"/>
-              </a:ext>
-            </a:extLst>
-          </p:cNvPr>
-          <p:cNvSpPr>
-            <a:spLocks noGrp="1"/>
-          </p:cNvSpPr>
-          <p:nvPr>
-            <p:ph sz="half" idx="2"/>
-          </p:nvPr>
-        </p:nvSpPr>
-        <p:spPr/>
-        <p:txBody>
-          <a:bodyPr>
-            <a:normAutofit/>
-          </a:bodyPr>
-          <a:lstStyle/>
-          <a:p>
-            <a:r>
-              <a:rPr lang="en-US" dirty="0"/>
-              <a:t>Pros:</a:t>
-            </a:r>
-          </a:p>
-          <a:p>
-            <a:pPr lvl="1"/>
-            <a:r>
-              <a:rPr lang="en-US" dirty="0"/>
-              <a:t>Help understand feature importance</a:t>
-            </a:r>
-          </a:p>
-          <a:p>
-            <a:pPr lvl="1"/>
-            <a:r>
-              <a:rPr lang="en-US" dirty="0"/>
-              <a:t>Doesn’t require input preparation(can handle numerical, binary, and categorical without scaling transformation or modification)</a:t>
-            </a:r>
-          </a:p>
-          <a:p>
-            <a:r>
-              <a:rPr lang="en-US" dirty="0"/>
-              <a:t>Cons:</a:t>
-            </a:r>
-          </a:p>
-          <a:p>
-            <a:pPr lvl="1"/>
-            <a:r>
-              <a:rPr lang="en-US" dirty="0"/>
-              <a:t>Black box</a:t>
-            </a:r>
-          </a:p>
-          <a:p>
-            <a:pPr lvl="1"/>
-            <a:r>
-              <a:rPr lang="en-US" dirty="0"/>
-              <a:t>Larger forests can be slow to run and be computationally intensive</a:t>
-            </a:r>
-          </a:p>
-          <a:p>
-            <a:pPr lvl="1"/>
-            <a:endParaRPr lang="en-US" dirty="0"/>
-          </a:p>
-        </p:txBody>
-      </p:sp>
-      <p:sp>
-        <p:nvSpPr>
-          <p:cNvPr id="11" name="Text Placeholder 10">
-            <a:extLst>
-              <a:ext uri="{FF2B5EF4-FFF2-40B4-BE49-F238E27FC236}">
-                <a16:creationId xmlns:a16="http://schemas.microsoft.com/office/drawing/2014/main" id="{54AB7A67-BE2B-4CEC-AA45-BAADA51B334E}"/>
-              </a:ext>
-            </a:extLst>
-          </p:cNvPr>
-          <p:cNvSpPr>
-            <a:spLocks noGrp="1"/>
-          </p:cNvSpPr>
-          <p:nvPr>
-            <p:ph type="body" sz="quarter" idx="3"/>
-          </p:nvPr>
-        </p:nvSpPr>
-        <p:spPr/>
-        <p:txBody>
-          <a:bodyPr/>
-          <a:lstStyle/>
-          <a:p>
-            <a:r>
-              <a:rPr lang="en-US" dirty="0"/>
-              <a:t>Parameters &amp; Results</a:t>
-            </a:r>
-          </a:p>
-        </p:txBody>
-      </p:sp>
-      <p:sp>
-        <p:nvSpPr>
-          <p:cNvPr id="12" name="Content Placeholder 11">
-            <a:extLst>
-              <a:ext uri="{FF2B5EF4-FFF2-40B4-BE49-F238E27FC236}">
-                <a16:creationId xmlns:a16="http://schemas.microsoft.com/office/drawing/2014/main" id="{1A5114FF-F667-45D3-BD29-2590A8646B9A}"/>
-              </a:ext>
-            </a:extLst>
-          </p:cNvPr>
-          <p:cNvSpPr>
-            <a:spLocks noGrp="1"/>
-          </p:cNvSpPr>
-          <p:nvPr>
-            <p:ph sz="quarter" idx="4"/>
-          </p:nvPr>
-        </p:nvSpPr>
-        <p:spPr/>
-        <p:txBody>
-          <a:bodyPr>
-            <a:normAutofit/>
-          </a:bodyPr>
-          <a:lstStyle/>
-          <a:p>
-            <a:r>
-              <a:rPr lang="en-US" dirty="0"/>
-              <a:t>Number of Estimators : Tested values up to 10,000 – 5 produced best results</a:t>
-            </a:r>
-          </a:p>
-          <a:p>
-            <a:r>
-              <a:rPr lang="en-US" dirty="0"/>
-              <a:t>Accuracy = .8961</a:t>
-            </a:r>
-          </a:p>
-          <a:p>
-            <a:r>
-              <a:rPr lang="en-US" dirty="0"/>
-              <a:t>Score = .1775</a:t>
-            </a:r>
-          </a:p>
-        </p:txBody>
-      </p:sp>
-    </p:spTree>
-    <p:extLst>
-      <p:ext uri="{BB962C8B-B14F-4D97-AF65-F5344CB8AC3E}">
-        <p14:creationId xmlns:p14="http://schemas.microsoft.com/office/powerpoint/2010/main" val="1112717788"/>
       </p:ext>
     </p:extLst>
   </p:cSld>
@@ -9945,10 +10202,10 @@
       </p:grpSpPr>
       <p:sp>
         <p:nvSpPr>
-          <p:cNvPr id="4" name="Title 3">
+          <p:cNvPr id="2" name="Title 1">
             <a:extLst>
               <a:ext uri="{FF2B5EF4-FFF2-40B4-BE49-F238E27FC236}">
-                <a16:creationId xmlns:a16="http://schemas.microsoft.com/office/drawing/2014/main" id="{523A4A61-69BD-439C-BCCC-B27614168159}"/>
+                <a16:creationId xmlns:a16="http://schemas.microsoft.com/office/drawing/2014/main" id="{6BC52ED0-B79C-40B5-84F3-169589FADCF7}"/>
               </a:ext>
             </a:extLst>
           </p:cNvPr>
@@ -9959,24 +10216,29 @@
             <p:ph type="title"/>
           </p:nvPr>
         </p:nvSpPr>
-        <p:spPr/>
+        <p:spPr>
+          <a:xfrm>
+            <a:off x="1005872" y="344098"/>
+            <a:ext cx="10353762" cy="970450"/>
+          </a:xfrm>
+        </p:spPr>
         <p:txBody>
           <a:bodyPr/>
           <a:lstStyle/>
           <a:p>
             <a:r>
               <a:rPr lang="en-US" dirty="0"/>
-              <a:t>Logistic Regression</a:t>
-            </a:r>
-          </a:p>
-        </p:txBody>
-      </p:sp>
-      <p:sp>
-        <p:nvSpPr>
-          <p:cNvPr id="5" name="Text Placeholder 4">
+              <a:t>Random Forest</a:t>
+            </a:r>
+          </a:p>
+        </p:txBody>
+      </p:sp>
+      <p:sp>
+        <p:nvSpPr>
+          <p:cNvPr id="9" name="Text Placeholder 8">
             <a:extLst>
               <a:ext uri="{FF2B5EF4-FFF2-40B4-BE49-F238E27FC236}">
-                <a16:creationId xmlns:a16="http://schemas.microsoft.com/office/drawing/2014/main" id="{1D1DE407-521B-4F4E-BB36-6FB01FBFC2EB}"/>
+                <a16:creationId xmlns:a16="http://schemas.microsoft.com/office/drawing/2014/main" id="{897C8DA2-82A4-4196-83FB-9AF1F04D7B58}"/>
               </a:ext>
             </a:extLst>
           </p:cNvPr>
@@ -9987,7 +10249,12 @@
             <p:ph type="body" idx="1"/>
           </p:nvPr>
         </p:nvSpPr>
-        <p:spPr/>
+        <p:spPr>
+          <a:xfrm>
+            <a:off x="1005872" y="1835254"/>
+            <a:ext cx="4876344" cy="544884"/>
+          </a:xfrm>
+        </p:spPr>
         <p:txBody>
           <a:bodyPr/>
           <a:lstStyle/>
@@ -10001,10 +10268,10 @@
       </p:sp>
       <p:sp>
         <p:nvSpPr>
-          <p:cNvPr id="7" name="Text Placeholder 6">
+          <p:cNvPr id="10" name="Content Placeholder 9">
             <a:extLst>
               <a:ext uri="{FF2B5EF4-FFF2-40B4-BE49-F238E27FC236}">
-                <a16:creationId xmlns:a16="http://schemas.microsoft.com/office/drawing/2014/main" id="{CEDFE675-270C-4257-96C7-65889792CEC3}"/>
+                <a16:creationId xmlns:a16="http://schemas.microsoft.com/office/drawing/2014/main" id="{1DF43473-3973-4EE8-ADF8-D8E568FDDEC0}"/>
               </a:ext>
             </a:extLst>
           </p:cNvPr>
@@ -10015,9 +10282,16 @@
             <p:ph sz="half" idx="2"/>
           </p:nvPr>
         </p:nvSpPr>
-        <p:spPr/>
-        <p:txBody>
-          <a:bodyPr/>
+        <p:spPr>
+          <a:xfrm>
+            <a:off x="1005872" y="2380137"/>
+            <a:ext cx="4876344" cy="3411063"/>
+          </a:xfrm>
+        </p:spPr>
+        <p:txBody>
+          <a:bodyPr>
+            <a:normAutofit/>
+          </a:bodyPr>
           <a:lstStyle/>
           <a:p>
             <a:r>
@@ -10029,21 +10303,14 @@
             <a:pPr lvl="1"/>
             <a:r>
               <a:rPr lang="en-US" dirty="0"/>
-              <a:t>Easy to interpret</a:t>
+              <a:t>Help understand feature importance</a:t>
             </a:r>
           </a:p>
           <a:p>
             <a:pPr lvl="1"/>
             <a:r>
               <a:rPr lang="en-US" dirty="0"/>
-              <a:t>Lasso – Zeros coefficients/feature selection</a:t>
-            </a:r>
-          </a:p>
-          <a:p>
-            <a:pPr lvl="1"/>
-            <a:r>
-              <a:rPr lang="en-US" dirty="0"/>
-              <a:t>Ridge – Minimizes coefficients</a:t>
+              <a:t>Doesn’t require input preparation(can handle numerical, binary, and categorical without scaling transformation or modification)</a:t>
             </a:r>
           </a:p>
           <a:p>
@@ -10056,14 +10323,14 @@
             <a:pPr lvl="1"/>
             <a:r>
               <a:rPr lang="en-US" dirty="0"/>
-              <a:t>Needs independent observations</a:t>
+              <a:t>Black box</a:t>
             </a:r>
           </a:p>
           <a:p>
             <a:pPr lvl="1"/>
             <a:r>
               <a:rPr lang="en-US" dirty="0"/>
-              <a:t>None of the models perform well on both Accuracy and Sensitivity</a:t>
+              <a:t>Larger forests can be slow to run and be computationally intensive</a:t>
             </a:r>
           </a:p>
           <a:p>
@@ -10074,10 +10341,10 @@
       </p:sp>
       <p:sp>
         <p:nvSpPr>
-          <p:cNvPr id="6" name="Text Placeholder 5">
+          <p:cNvPr id="11" name="Text Placeholder 10">
             <a:extLst>
               <a:ext uri="{FF2B5EF4-FFF2-40B4-BE49-F238E27FC236}">
-                <a16:creationId xmlns:a16="http://schemas.microsoft.com/office/drawing/2014/main" id="{848B7846-5F84-4690-A374-7E4B297DB4A5}"/>
+                <a16:creationId xmlns:a16="http://schemas.microsoft.com/office/drawing/2014/main" id="{54AB7A67-BE2B-4CEC-AA45-BAADA51B334E}"/>
               </a:ext>
             </a:extLst>
           </p:cNvPr>
@@ -10102,10 +10369,10 @@
       </p:sp>
       <p:sp>
         <p:nvSpPr>
-          <p:cNvPr id="11" name="Content Placeholder 10">
+          <p:cNvPr id="12" name="Content Placeholder 11">
             <a:extLst>
               <a:ext uri="{FF2B5EF4-FFF2-40B4-BE49-F238E27FC236}">
-                <a16:creationId xmlns:a16="http://schemas.microsoft.com/office/drawing/2014/main" id="{CBC5263E-8C33-417E-9FFD-76CF45F3FA3F}"/>
+                <a16:creationId xmlns:a16="http://schemas.microsoft.com/office/drawing/2014/main" id="{1A5114FF-F667-45D3-BD29-2590A8646B9A}"/>
               </a:ext>
             </a:extLst>
           </p:cNvPr>
@@ -10118,46 +10385,26 @@
         </p:nvSpPr>
         <p:spPr/>
         <p:txBody>
-          <a:bodyPr/>
+          <a:bodyPr>
+            <a:normAutofit/>
+          </a:bodyPr>
           <a:lstStyle/>
           <a:p>
             <a:r>
               <a:rPr lang="en-US" dirty="0"/>
-              <a:t>Logistic regression performed best on accuracy, class weight = None. </a:t>
-            </a:r>
-          </a:p>
-          <a:p>
-            <a:pPr lvl="1"/>
+              <a:t>Number of Estimators : (1 – 10,000) – 82 Optimal</a:t>
+            </a:r>
+          </a:p>
+          <a:p>
             <a:r>
               <a:rPr lang="en-US" dirty="0"/>
-              <a:t>Accuracy = .8963</a:t>
-            </a:r>
-          </a:p>
-          <a:p>
-            <a:pPr lvl="1"/>
+              <a:t>Accuracy = .8961</a:t>
+            </a:r>
+          </a:p>
+          <a:p>
             <a:r>
               <a:rPr lang="en-US" dirty="0"/>
-              <a:t>Sensitivity = .1944</a:t>
-            </a:r>
-          </a:p>
-          <a:p>
-            <a:r>
-              <a:rPr lang="en-US" dirty="0"/>
-              <a:t>Lasso and Ridge performed best with sensitivity,  </a:t>
-            </a:r>
-          </a:p>
-          <a:p>
-            <a:pPr lvl="1"/>
-            <a:r>
-              <a:rPr lang="en-US" dirty="0"/>
-              <a:t>Accuracy = .8214</a:t>
-            </a:r>
-          </a:p>
-          <a:p>
-            <a:pPr lvl="1"/>
-            <a:r>
-              <a:rPr lang="en-US" dirty="0"/>
-              <a:t>Sensitivity = .3102</a:t>
+              <a:t>Score = .1775</a:t>
             </a:r>
           </a:p>
         </p:txBody>
@@ -10165,7 +10412,7 @@
     </p:spTree>
     <p:extLst>
       <p:ext uri="{BB962C8B-B14F-4D97-AF65-F5344CB8AC3E}">
-        <p14:creationId xmlns:p14="http://schemas.microsoft.com/office/powerpoint/2010/main" val="1921652643"/>
+        <p14:creationId xmlns:p14="http://schemas.microsoft.com/office/powerpoint/2010/main" val="1112717788"/>
       </p:ext>
     </p:extLst>
   </p:cSld>
@@ -10194,10 +10441,10 @@
       </p:grpSpPr>
       <p:sp>
         <p:nvSpPr>
-          <p:cNvPr id="2" name="Title 1">
+          <p:cNvPr id="10" name="Title 9">
             <a:extLst>
               <a:ext uri="{FF2B5EF4-FFF2-40B4-BE49-F238E27FC236}">
-                <a16:creationId xmlns:a16="http://schemas.microsoft.com/office/drawing/2014/main" id="{CC09B3BA-DA33-4733-92F7-9DCC30BBBEBC}"/>
+                <a16:creationId xmlns:a16="http://schemas.microsoft.com/office/drawing/2014/main" id="{843CF9DA-3DCB-4B02-8445-9AA71A3F2CDB}"/>
               </a:ext>
             </a:extLst>
           </p:cNvPr>
@@ -10215,195 +10462,75 @@
           <a:p>
             <a:r>
               <a:rPr lang="en-US" dirty="0"/>
-              <a:t>Support Vector</a:t>
-            </a:r>
-          </a:p>
-        </p:txBody>
-      </p:sp>
-      <p:sp>
-        <p:nvSpPr>
-          <p:cNvPr id="9" name="Text Placeholder 8">
+              <a:t>Random Forest</a:t>
+            </a:r>
+          </a:p>
+        </p:txBody>
+      </p:sp>
+      <p:pic>
+        <p:nvPicPr>
+          <p:cNvPr id="8" name="Picture 7">
             <a:extLst>
               <a:ext uri="{FF2B5EF4-FFF2-40B4-BE49-F238E27FC236}">
-                <a16:creationId xmlns:a16="http://schemas.microsoft.com/office/drawing/2014/main" id="{92F0C30E-17F3-4319-AF80-A02C7E169D67}"/>
+                <a16:creationId xmlns:a16="http://schemas.microsoft.com/office/drawing/2014/main" id="{2E98B58B-0A29-4019-827E-821C27801791}"/>
               </a:ext>
             </a:extLst>
           </p:cNvPr>
-          <p:cNvSpPr>
-            <a:spLocks noGrp="1"/>
-          </p:cNvSpPr>
-          <p:nvPr>
-            <p:ph type="body" idx="1"/>
-          </p:nvPr>
-        </p:nvSpPr>
-        <p:spPr/>
-        <p:txBody>
-          <a:bodyPr/>
-          <a:lstStyle/>
-          <a:p>
-            <a:r>
-              <a:rPr lang="en-US" dirty="0"/>
-              <a:t>Overview</a:t>
-            </a:r>
-          </a:p>
-        </p:txBody>
-      </p:sp>
-      <p:sp>
-        <p:nvSpPr>
-          <p:cNvPr id="10" name="Content Placeholder 9">
+          <p:cNvPicPr>
+            <a:picLocks noChangeAspect="1"/>
+          </p:cNvPicPr>
+          <p:nvPr/>
+        </p:nvPicPr>
+        <p:blipFill>
+          <a:blip r:embed="rId2"/>
+          <a:stretch>
+            <a:fillRect/>
+          </a:stretch>
+        </p:blipFill>
+        <p:spPr>
+          <a:xfrm>
+            <a:off x="434413" y="2025650"/>
+            <a:ext cx="5191688" cy="3869108"/>
+          </a:xfrm>
+          <a:prstGeom prst="rect">
+            <a:avLst/>
+          </a:prstGeom>
+        </p:spPr>
+      </p:pic>
+      <p:pic>
+        <p:nvPicPr>
+          <p:cNvPr id="9" name="Picture 8">
             <a:extLst>
               <a:ext uri="{FF2B5EF4-FFF2-40B4-BE49-F238E27FC236}">
-                <a16:creationId xmlns:a16="http://schemas.microsoft.com/office/drawing/2014/main" id="{94D162E4-F99C-491A-B983-86AC8DC8D9C0}"/>
+                <a16:creationId xmlns:a16="http://schemas.microsoft.com/office/drawing/2014/main" id="{C86275BF-132A-42F4-B620-7FD47C0E92E0}"/>
               </a:ext>
             </a:extLst>
           </p:cNvPr>
-          <p:cNvSpPr>
-            <a:spLocks noGrp="1"/>
-          </p:cNvSpPr>
-          <p:nvPr>
-            <p:ph sz="half" idx="2"/>
-          </p:nvPr>
-        </p:nvSpPr>
+          <p:cNvPicPr>
+            <a:picLocks noChangeAspect="1"/>
+          </p:cNvPicPr>
+          <p:nvPr/>
+        </p:nvPicPr>
+        <p:blipFill>
+          <a:blip r:embed="rId3"/>
+          <a:stretch>
+            <a:fillRect/>
+          </a:stretch>
+        </p:blipFill>
         <p:spPr>
           <a:xfrm>
-            <a:off x="1005872" y="2380137"/>
-            <a:ext cx="4876344" cy="3411063"/>
+            <a:off x="6333068" y="2033958"/>
+            <a:ext cx="5343637" cy="3860800"/>
           </a:xfrm>
+          <a:prstGeom prst="rect">
+            <a:avLst/>
+          </a:prstGeom>
         </p:spPr>
-        <p:txBody>
-          <a:bodyPr/>
-          <a:lstStyle/>
-          <a:p>
-            <a:r>
-              <a:rPr lang="en-US" dirty="0"/>
-              <a:t>Pros:</a:t>
-            </a:r>
-          </a:p>
-          <a:p>
-            <a:pPr lvl="1"/>
-            <a:r>
-              <a:rPr lang="en-US" dirty="0"/>
-              <a:t>Can model complex, nonlinear relationships</a:t>
-            </a:r>
-          </a:p>
-          <a:p>
-            <a:pPr lvl="1"/>
-            <a:r>
-              <a:rPr lang="en-US" dirty="0"/>
-              <a:t>Deals with noise well</a:t>
-            </a:r>
-          </a:p>
-          <a:p>
-            <a:r>
-              <a:rPr lang="en-US" dirty="0"/>
-              <a:t>Cons:</a:t>
-            </a:r>
-          </a:p>
-          <a:p>
-            <a:pPr lvl="1"/>
-            <a:r>
-              <a:rPr lang="en-US" dirty="0"/>
-              <a:t>Computationally demanding</a:t>
-            </a:r>
-          </a:p>
-          <a:p>
-            <a:pPr lvl="1"/>
-            <a:r>
-              <a:rPr lang="en-US" dirty="0"/>
-              <a:t>Hard to interpret</a:t>
-            </a:r>
-          </a:p>
-          <a:p>
-            <a:pPr lvl="1"/>
-            <a:r>
-              <a:rPr lang="en-US" dirty="0"/>
-              <a:t>Picking right kernel is key – in comparison to Random Forest, etc.</a:t>
-            </a:r>
-          </a:p>
-          <a:p>
-            <a:pPr lvl="1"/>
-            <a:endParaRPr lang="en-US" dirty="0"/>
-          </a:p>
-        </p:txBody>
-      </p:sp>
-      <p:sp>
-        <p:nvSpPr>
-          <p:cNvPr id="11" name="Text Placeholder 10">
-            <a:extLst>
-              <a:ext uri="{FF2B5EF4-FFF2-40B4-BE49-F238E27FC236}">
-                <a16:creationId xmlns:a16="http://schemas.microsoft.com/office/drawing/2014/main" id="{6E0C5EE4-4D47-44FB-805D-2D1D4B09F09F}"/>
-              </a:ext>
-            </a:extLst>
-          </p:cNvPr>
-          <p:cNvSpPr>
-            <a:spLocks noGrp="1"/>
-          </p:cNvSpPr>
-          <p:nvPr>
-            <p:ph type="body" sz="quarter" idx="3"/>
-          </p:nvPr>
-        </p:nvSpPr>
-        <p:spPr/>
-        <p:txBody>
-          <a:bodyPr/>
-          <a:lstStyle/>
-          <a:p>
-            <a:r>
-              <a:rPr lang="en-US" dirty="0"/>
-              <a:t>Parameters &amp; Results</a:t>
-            </a:r>
-          </a:p>
-        </p:txBody>
-      </p:sp>
-      <p:sp>
-        <p:nvSpPr>
-          <p:cNvPr id="12" name="Content Placeholder 11">
-            <a:extLst>
-              <a:ext uri="{FF2B5EF4-FFF2-40B4-BE49-F238E27FC236}">
-                <a16:creationId xmlns:a16="http://schemas.microsoft.com/office/drawing/2014/main" id="{0D395AF8-F854-4FD0-9A58-287443067FB2}"/>
-              </a:ext>
-            </a:extLst>
-          </p:cNvPr>
-          <p:cNvSpPr>
-            <a:spLocks noGrp="1"/>
-          </p:cNvSpPr>
-          <p:nvPr>
-            <p:ph sz="quarter" idx="4"/>
-          </p:nvPr>
-        </p:nvSpPr>
-        <p:spPr/>
-        <p:txBody>
-          <a:bodyPr/>
-          <a:lstStyle/>
-          <a:p>
-            <a:r>
-              <a:rPr lang="en-US" dirty="0"/>
-              <a:t>Kernel – RBF, Linear : RBF</a:t>
-            </a:r>
-          </a:p>
-          <a:p>
-            <a:r>
-              <a:rPr lang="en-US" dirty="0"/>
-              <a:t>Class Weight – None, Balance : None</a:t>
-            </a:r>
-          </a:p>
-          <a:p>
-            <a:r>
-              <a:rPr lang="en-US" dirty="0"/>
-              <a:t>Accuracy : .8953</a:t>
-            </a:r>
-          </a:p>
-          <a:p>
-            <a:r>
-              <a:rPr lang="en-US" dirty="0"/>
-              <a:t>Sensitivity : .2088</a:t>
-            </a:r>
-          </a:p>
-        </p:txBody>
-      </p:sp>
+      </p:pic>
     </p:spTree>
     <p:extLst>
       <p:ext uri="{BB962C8B-B14F-4D97-AF65-F5344CB8AC3E}">
-        <p14:creationId xmlns:p14="http://schemas.microsoft.com/office/powerpoint/2010/main" val="872217947"/>
+        <p14:creationId xmlns:p14="http://schemas.microsoft.com/office/powerpoint/2010/main" val="104001569"/>
       </p:ext>
     </p:extLst>
   </p:cSld>
@@ -10432,10 +10559,10 @@
       </p:grpSpPr>
       <p:sp>
         <p:nvSpPr>
-          <p:cNvPr id="2" name="Title 1">
+          <p:cNvPr id="4" name="Title 3">
             <a:extLst>
               <a:ext uri="{FF2B5EF4-FFF2-40B4-BE49-F238E27FC236}">
-                <a16:creationId xmlns:a16="http://schemas.microsoft.com/office/drawing/2014/main" id="{6BC52ED0-B79C-40B5-84F3-169589FADCF7}"/>
+                <a16:creationId xmlns:a16="http://schemas.microsoft.com/office/drawing/2014/main" id="{523A4A61-69BD-439C-BCCC-B27614168159}"/>
               </a:ext>
             </a:extLst>
           </p:cNvPr>
@@ -10453,17 +10580,17 @@
           <a:p>
             <a:r>
               <a:rPr lang="en-US" dirty="0"/>
-              <a:t>Gradient Boosted Model</a:t>
-            </a:r>
-          </a:p>
-        </p:txBody>
-      </p:sp>
-      <p:sp>
-        <p:nvSpPr>
-          <p:cNvPr id="9" name="Text Placeholder 8">
+              <a:t>Logistic Regression</a:t>
+            </a:r>
+          </a:p>
+        </p:txBody>
+      </p:sp>
+      <p:sp>
+        <p:nvSpPr>
+          <p:cNvPr id="5" name="Text Placeholder 4">
             <a:extLst>
               <a:ext uri="{FF2B5EF4-FFF2-40B4-BE49-F238E27FC236}">
-                <a16:creationId xmlns:a16="http://schemas.microsoft.com/office/drawing/2014/main" id="{CFEFDAF6-B7F3-4FC6-BC46-9CE0D62FCA13}"/>
+                <a16:creationId xmlns:a16="http://schemas.microsoft.com/office/drawing/2014/main" id="{1D1DE407-521B-4F4E-BB36-6FB01FBFC2EB}"/>
               </a:ext>
             </a:extLst>
           </p:cNvPr>
@@ -10488,10 +10615,10 @@
       </p:sp>
       <p:sp>
         <p:nvSpPr>
-          <p:cNvPr id="10" name="Content Placeholder 9">
+          <p:cNvPr id="7" name="Text Placeholder 6">
             <a:extLst>
               <a:ext uri="{FF2B5EF4-FFF2-40B4-BE49-F238E27FC236}">
-                <a16:creationId xmlns:a16="http://schemas.microsoft.com/office/drawing/2014/main" id="{1AD58B85-8AEE-4986-A211-901F7138AB3F}"/>
+                <a16:creationId xmlns:a16="http://schemas.microsoft.com/office/drawing/2014/main" id="{CEDFE675-270C-4257-96C7-65889792CEC3}"/>
               </a:ext>
             </a:extLst>
           </p:cNvPr>
@@ -10504,9 +10631,7 @@
         </p:nvSpPr>
         <p:spPr/>
         <p:txBody>
-          <a:bodyPr>
-            <a:normAutofit fontScale="92500" lnSpcReduction="10000"/>
-          </a:bodyPr>
+          <a:bodyPr/>
           <a:lstStyle/>
           <a:p>
             <a:r>
@@ -10518,63 +10643,48 @@
             <a:pPr lvl="1"/>
             <a:r>
               <a:rPr lang="en-US" dirty="0"/>
-              <a:t>Used </a:t>
-            </a:r>
-            <a:r>
-              <a:rPr lang="en-US" dirty="0" err="1"/>
-              <a:t>Itertools</a:t>
-            </a:r>
+              <a:t>Easy to interpret</a:t>
+            </a:r>
+          </a:p>
+          <a:p>
+            <a:pPr lvl="1"/>
             <a:r>
               <a:rPr lang="en-US" dirty="0"/>
-              <a:t> to test all parameter combinations</a:t>
+              <a:t>Lasso – Zeros coefficients/feature selection</a:t>
             </a:r>
           </a:p>
           <a:p>
             <a:pPr lvl="1"/>
             <a:r>
               <a:rPr lang="en-US" dirty="0"/>
-              <a:t>Automatically handles missing values</a:t>
+              <a:t>Ridge – Minimizes coefficients</a:t>
+            </a:r>
+          </a:p>
+          <a:p>
+            <a:r>
+              <a:rPr lang="en-US" dirty="0"/>
+              <a:t>Cons:</a:t>
             </a:r>
           </a:p>
           <a:p>
             <a:pPr lvl="1"/>
             <a:r>
               <a:rPr lang="en-US" dirty="0"/>
-              <a:t>Feature selection is part of model process</a:t>
+              <a:t>None of the models perform well on both Accuracy or Sensitivity</a:t>
             </a:r>
           </a:p>
           <a:p>
             <a:pPr lvl="1"/>
             <a:endParaRPr lang="en-US" dirty="0"/>
           </a:p>
-          <a:p>
-            <a:r>
-              <a:rPr lang="en-US" dirty="0"/>
-              <a:t>Cons:</a:t>
-            </a:r>
-          </a:p>
-          <a:p>
-            <a:pPr lvl="1"/>
-            <a:r>
-              <a:rPr lang="en-US" dirty="0"/>
-              <a:t>Can be computationally intensive with larger number of estimators and different parameter combinations</a:t>
-            </a:r>
-          </a:p>
-          <a:p>
-            <a:pPr lvl="1"/>
-            <a:r>
-              <a:rPr lang="en-US" dirty="0"/>
-              <a:t>Parameter tuning essential, may not work well otherwise</a:t>
-            </a:r>
-          </a:p>
-        </p:txBody>
-      </p:sp>
-      <p:sp>
-        <p:nvSpPr>
-          <p:cNvPr id="11" name="Text Placeholder 10">
+        </p:txBody>
+      </p:sp>
+      <p:sp>
+        <p:nvSpPr>
+          <p:cNvPr id="6" name="Text Placeholder 5">
             <a:extLst>
               <a:ext uri="{FF2B5EF4-FFF2-40B4-BE49-F238E27FC236}">
-                <a16:creationId xmlns:a16="http://schemas.microsoft.com/office/drawing/2014/main" id="{BA57E764-DD4E-4CBF-AF8D-0137D32FD1E9}"/>
+                <a16:creationId xmlns:a16="http://schemas.microsoft.com/office/drawing/2014/main" id="{848B7846-5F84-4690-A374-7E4B297DB4A5}"/>
               </a:ext>
             </a:extLst>
           </p:cNvPr>
@@ -10599,10 +10709,10 @@
       </p:sp>
       <p:sp>
         <p:nvSpPr>
-          <p:cNvPr id="12" name="Content Placeholder 11">
+          <p:cNvPr id="11" name="Content Placeholder 10">
             <a:extLst>
               <a:ext uri="{FF2B5EF4-FFF2-40B4-BE49-F238E27FC236}">
-                <a16:creationId xmlns:a16="http://schemas.microsoft.com/office/drawing/2014/main" id="{8B17B9B1-B113-4230-A58E-6EF048F31D63}"/>
+                <a16:creationId xmlns:a16="http://schemas.microsoft.com/office/drawing/2014/main" id="{CBC5263E-8C33-417E-9FFD-76CF45F3FA3F}"/>
               </a:ext>
             </a:extLst>
           </p:cNvPr>
@@ -10615,44 +10725,53 @@
         </p:nvSpPr>
         <p:spPr/>
         <p:txBody>
-          <a:bodyPr>
-            <a:normAutofit fontScale="92500" lnSpcReduction="10000"/>
-          </a:bodyPr>
+          <a:bodyPr/>
           <a:lstStyle/>
           <a:p>
             <a:r>
               <a:rPr lang="en-US" dirty="0"/>
-              <a:t>Loss Types – Deviance, Exponential : Deviance </a:t>
-            </a:r>
-          </a:p>
-          <a:p>
+              <a:t>Logistic regression performed best on accuracy, class weight = None</a:t>
+            </a:r>
+          </a:p>
+          <a:p>
+            <a:pPr lvl="1"/>
             <a:r>
               <a:rPr lang="en-US" dirty="0"/>
-              <a:t>Max Depth – 1 to 8 : 4</a:t>
-            </a:r>
-          </a:p>
-          <a:p>
+              <a:t>Accuracy = .8963</a:t>
+            </a:r>
+          </a:p>
+          <a:p>
+            <a:pPr lvl="1"/>
             <a:r>
               <a:rPr lang="en-US" dirty="0"/>
-              <a:t>Estimators – 1 to 1,000 : 100</a:t>
+              <a:t>Sensitivity = .1944</a:t>
             </a:r>
           </a:p>
           <a:p>
             <a:r>
               <a:rPr lang="en-US" dirty="0"/>
-              <a:t>Max Features – None </a:t>
-            </a:r>
-          </a:p>
-          <a:p>
+              <a:t>Lasso and Ridge performed best with sensitivity</a:t>
+            </a:r>
+          </a:p>
+          <a:p>
+            <a:pPr lvl="1"/>
             <a:r>
               <a:rPr lang="en-US" dirty="0"/>
-              <a:t>Accuracy = .8954</a:t>
-            </a:r>
-          </a:p>
-          <a:p>
+              <a:t>Class weight = Balanced</a:t>
+            </a:r>
+          </a:p>
+          <a:p>
+            <a:pPr lvl="1"/>
             <a:r>
               <a:rPr lang="en-US" dirty="0"/>
-              <a:t>Sensitivity = .1893</a:t>
+              <a:t>Accuracy = .8214</a:t>
+            </a:r>
+          </a:p>
+          <a:p>
+            <a:pPr lvl="1"/>
+            <a:r>
+              <a:rPr lang="en-US" dirty="0"/>
+              <a:t>Sensitivity = .3102</a:t>
             </a:r>
           </a:p>
         </p:txBody>
@@ -10660,7 +10779,7 @@
     </p:spTree>
     <p:extLst>
       <p:ext uri="{BB962C8B-B14F-4D97-AF65-F5344CB8AC3E}">
-        <p14:creationId xmlns:p14="http://schemas.microsoft.com/office/powerpoint/2010/main" val="1658428108"/>
+        <p14:creationId xmlns:p14="http://schemas.microsoft.com/office/powerpoint/2010/main" val="1921652643"/>
       </p:ext>
     </p:extLst>
   </p:cSld>
@@ -10692,7 +10811,7 @@
           <p:cNvPr id="2" name="Title 1">
             <a:extLst>
               <a:ext uri="{FF2B5EF4-FFF2-40B4-BE49-F238E27FC236}">
-                <a16:creationId xmlns:a16="http://schemas.microsoft.com/office/drawing/2014/main" id="{652BBBCC-962C-4FB3-B25D-6D029D1F6F5C}"/>
+                <a16:creationId xmlns:a16="http://schemas.microsoft.com/office/drawing/2014/main" id="{CC09B3BA-DA33-4733-92F7-9DCC30BBBEBC}"/>
               </a:ext>
             </a:extLst>
           </p:cNvPr>
@@ -10710,7 +10829,7 @@
           <a:p>
             <a:r>
               <a:rPr lang="en-US" dirty="0"/>
-              <a:t>KNN</a:t>
+              <a:t>Support Vector</a:t>
             </a:r>
           </a:p>
         </p:txBody>
@@ -10720,7 +10839,7 @@
           <p:cNvPr id="9" name="Text Placeholder 8">
             <a:extLst>
               <a:ext uri="{FF2B5EF4-FFF2-40B4-BE49-F238E27FC236}">
-                <a16:creationId xmlns:a16="http://schemas.microsoft.com/office/drawing/2014/main" id="{C70ABA28-F66D-4813-9C39-585DBF750A21}"/>
+                <a16:creationId xmlns:a16="http://schemas.microsoft.com/office/drawing/2014/main" id="{92F0C30E-17F3-4319-AF80-A02C7E169D67}"/>
               </a:ext>
             </a:extLst>
           </p:cNvPr>
@@ -10748,7 +10867,7 @@
           <p:cNvPr id="10" name="Content Placeholder 9">
             <a:extLst>
               <a:ext uri="{FF2B5EF4-FFF2-40B4-BE49-F238E27FC236}">
-                <a16:creationId xmlns:a16="http://schemas.microsoft.com/office/drawing/2014/main" id="{C8B85F1D-C33F-4314-8045-A643019B7233}"/>
+                <a16:creationId xmlns:a16="http://schemas.microsoft.com/office/drawing/2014/main" id="{94D162E4-F99C-491A-B983-86AC8DC8D9C0}"/>
               </a:ext>
             </a:extLst>
           </p:cNvPr>
@@ -10759,7 +10878,12 @@
             <p:ph sz="half" idx="2"/>
           </p:nvPr>
         </p:nvSpPr>
-        <p:spPr/>
+        <p:spPr>
+          <a:xfrm>
+            <a:off x="1005872" y="2380137"/>
+            <a:ext cx="4876344" cy="3411063"/>
+          </a:xfrm>
+        </p:spPr>
         <p:txBody>
           <a:bodyPr/>
           <a:lstStyle/>
@@ -10773,35 +10897,27 @@
             <a:pPr lvl="1"/>
             <a:r>
               <a:rPr lang="en-US" dirty="0"/>
-              <a:t>Really simple and fast training</a:t>
-            </a:r>
-          </a:p>
-          <a:p>
-            <a:pPr lvl="1"/>
-            <a:r>
-              <a:rPr lang="en-US" dirty="0"/>
-              <a:t>Feature selection part of model</a:t>
-            </a:r>
-          </a:p>
-          <a:p>
-            <a:pPr marL="358650" indent="-285750"/>
+              <a:t>Compared to other models performed well on sensitivity </a:t>
+            </a:r>
+          </a:p>
+          <a:p>
             <a:r>
               <a:rPr lang="en-US" dirty="0"/>
               <a:t>Cons:</a:t>
             </a:r>
           </a:p>
           <a:p>
-            <a:pPr marL="735750" lvl="1" indent="-285750"/>
+            <a:pPr lvl="1"/>
             <a:r>
               <a:rPr lang="en-US" dirty="0"/>
-              <a:t>Lazy learner – uses training data for classification</a:t>
-            </a:r>
-          </a:p>
-          <a:p>
-            <a:pPr marL="735750" lvl="1" indent="-285750"/>
+              <a:t>Computationally demanding</a:t>
+            </a:r>
+          </a:p>
+          <a:p>
+            <a:pPr lvl="1"/>
             <a:r>
               <a:rPr lang="en-US" dirty="0"/>
-              <a:t>Can be slow during prediction</a:t>
+              <a:t>Picking right kernel is key – in comparison to Random Forest, etc.</a:t>
             </a:r>
           </a:p>
           <a:p>
@@ -10815,7 +10931,7 @@
           <p:cNvPr id="11" name="Text Placeholder 10">
             <a:extLst>
               <a:ext uri="{FF2B5EF4-FFF2-40B4-BE49-F238E27FC236}">
-                <a16:creationId xmlns:a16="http://schemas.microsoft.com/office/drawing/2014/main" id="{7918DBE9-3D29-4307-8B91-18DBA87E3D05}"/>
+                <a16:creationId xmlns:a16="http://schemas.microsoft.com/office/drawing/2014/main" id="{6E0C5EE4-4D47-44FB-805D-2D1D4B09F09F}"/>
               </a:ext>
             </a:extLst>
           </p:cNvPr>
@@ -10843,7 +10959,7 @@
           <p:cNvPr id="12" name="Content Placeholder 11">
             <a:extLst>
               <a:ext uri="{FF2B5EF4-FFF2-40B4-BE49-F238E27FC236}">
-                <a16:creationId xmlns:a16="http://schemas.microsoft.com/office/drawing/2014/main" id="{86830C1A-6ABB-4243-9C27-1AF1F049DDCB}"/>
+                <a16:creationId xmlns:a16="http://schemas.microsoft.com/office/drawing/2014/main" id="{0D395AF8-F854-4FD0-9A58-287443067FB2}"/>
               </a:ext>
             </a:extLst>
           </p:cNvPr>
@@ -10861,25 +10977,25 @@
           <a:p>
             <a:r>
               <a:rPr lang="en-US" dirty="0"/>
-              <a:t>Weights – Uniform, Distance: Uniform</a:t>
+              <a:t>Kernel – (RBF, Linear)  - RBF Optimal</a:t>
             </a:r>
           </a:p>
           <a:p>
             <a:r>
               <a:rPr lang="en-US" dirty="0"/>
-              <a:t>Neighbors – 1 – 100 : 97</a:t>
+              <a:t>Class Weight – (None, Balanced) – None Optimal</a:t>
             </a:r>
           </a:p>
           <a:p>
             <a:r>
               <a:rPr lang="en-US" dirty="0"/>
-              <a:t>Accuracy = .8963</a:t>
+              <a:t>Accuracy : .8953</a:t>
             </a:r>
           </a:p>
           <a:p>
             <a:r>
               <a:rPr lang="en-US" dirty="0"/>
-              <a:t>Sensitivity = .1944</a:t>
+              <a:t>Sensitivity : .2088</a:t>
             </a:r>
           </a:p>
         </p:txBody>
@@ -10887,7 +11003,7 @@
     </p:spTree>
     <p:extLst>
       <p:ext uri="{BB962C8B-B14F-4D97-AF65-F5344CB8AC3E}">
-        <p14:creationId xmlns:p14="http://schemas.microsoft.com/office/powerpoint/2010/main" val="3986397924"/>
+        <p14:creationId xmlns:p14="http://schemas.microsoft.com/office/powerpoint/2010/main" val="872217947"/>
       </p:ext>
     </p:extLst>
   </p:cSld>
@@ -10919,7 +11035,7 @@
           <p:cNvPr id="2" name="Title 1">
             <a:extLst>
               <a:ext uri="{FF2B5EF4-FFF2-40B4-BE49-F238E27FC236}">
-                <a16:creationId xmlns:a16="http://schemas.microsoft.com/office/drawing/2014/main" id="{4A1F2DD6-58ED-4A48-9C7C-09E0A00FB106}"/>
+                <a16:creationId xmlns:a16="http://schemas.microsoft.com/office/drawing/2014/main" id="{6BC52ED0-B79C-40B5-84F3-169589FADCF7}"/>
               </a:ext>
             </a:extLst>
           </p:cNvPr>
@@ -10937,17 +11053,17 @@
           <a:p>
             <a:r>
               <a:rPr lang="en-US" dirty="0"/>
-              <a:t>Conclusions</a:t>
-            </a:r>
-          </a:p>
-        </p:txBody>
-      </p:sp>
-      <p:sp>
-        <p:nvSpPr>
-          <p:cNvPr id="3" name="Content Placeholder 2">
+              <a:t>Gradient Boosted Model</a:t>
+            </a:r>
+          </a:p>
+        </p:txBody>
+      </p:sp>
+      <p:sp>
+        <p:nvSpPr>
+          <p:cNvPr id="9" name="Text Placeholder 8">
             <a:extLst>
               <a:ext uri="{FF2B5EF4-FFF2-40B4-BE49-F238E27FC236}">
-                <a16:creationId xmlns:a16="http://schemas.microsoft.com/office/drawing/2014/main" id="{2E19BCA5-7B77-4952-92D3-7EE99DE66485}"/>
+                <a16:creationId xmlns:a16="http://schemas.microsoft.com/office/drawing/2014/main" id="{CFEFDAF6-B7F3-4FC6-BC46-9CE0D62FCA13}"/>
               </a:ext>
             </a:extLst>
           </p:cNvPr>
@@ -10955,7 +11071,7 @@
             <a:spLocks noGrp="1"/>
           </p:cNvSpPr>
           <p:nvPr>
-            <p:ph idx="1"/>
+            <p:ph type="body" idx="1"/>
           </p:nvPr>
         </p:nvSpPr>
         <p:spPr/>
@@ -10965,50 +11081,173 @@
           <a:p>
             <a:r>
               <a:rPr lang="en-US" dirty="0"/>
-              <a:t>The data available did not allow for making predictions meaningfully better than baseline.</a:t>
-            </a:r>
-          </a:p>
+              <a:t>Overview</a:t>
+            </a:r>
+          </a:p>
+        </p:txBody>
+      </p:sp>
+      <p:sp>
+        <p:nvSpPr>
+          <p:cNvPr id="10" name="Content Placeholder 9">
+            <a:extLst>
+              <a:ext uri="{FF2B5EF4-FFF2-40B4-BE49-F238E27FC236}">
+                <a16:creationId xmlns:a16="http://schemas.microsoft.com/office/drawing/2014/main" id="{1AD58B85-8AEE-4986-A211-901F7138AB3F}"/>
+              </a:ext>
+            </a:extLst>
+          </p:cNvPr>
+          <p:cNvSpPr>
+            <a:spLocks noGrp="1"/>
+          </p:cNvSpPr>
+          <p:nvPr>
+            <p:ph sz="half" idx="2"/>
+          </p:nvPr>
+        </p:nvSpPr>
+        <p:spPr/>
+        <p:txBody>
+          <a:bodyPr>
+            <a:normAutofit lnSpcReduction="10000"/>
+          </a:bodyPr>
+          <a:lstStyle/>
           <a:p>
             <a:r>
               <a:rPr lang="en-US" dirty="0"/>
-              <a:t>The only meaningful predictor, Previously Contacted – Yes, applied to a very small portion of the data so it didn’t help overall model performance.</a:t>
-            </a:r>
-          </a:p>
-          <a:p>
+              <a:t>Pros:</a:t>
+            </a:r>
+          </a:p>
+          <a:p>
+            <a:pPr lvl="1"/>
             <a:r>
               <a:rPr lang="en-US" dirty="0"/>
-              <a:t>Additional data is needed to improve model performance – a larger private dataset included information on the bank employee making the call, and additional customer information.</a:t>
-            </a:r>
-          </a:p>
-          <a:p>
+              <a:t>Used </a:t>
+            </a:r>
+            <a:r>
+              <a:rPr lang="en-US" dirty="0" err="1"/>
+              <a:t>Itertools</a:t>
+            </a:r>
             <a:r>
               <a:rPr lang="en-US" dirty="0"/>
-              <a:t>Business scenario would dictate whether priority is improving accuracy or sensitivity</a:t>
+              <a:t> to test all parameter combinations</a:t>
             </a:r>
           </a:p>
           <a:p>
             <a:pPr lvl="1"/>
             <a:r>
               <a:rPr lang="en-US" dirty="0"/>
-              <a:t>Best model for accuracy is KNN</a:t>
+              <a:t>Feature selection is part of model process</a:t>
             </a:r>
           </a:p>
           <a:p>
             <a:pPr lvl="1"/>
+            <a:endParaRPr lang="en-US" dirty="0"/>
+          </a:p>
+          <a:p>
             <a:r>
               <a:rPr lang="en-US" dirty="0"/>
-              <a:t>Best models for sensitivity are Ridge and Lasso Regression</a:t>
-            </a:r>
-          </a:p>
-          <a:p>
-            <a:endParaRPr lang="en-US" dirty="0"/>
+              <a:t>Cons:</a:t>
+            </a:r>
+          </a:p>
+          <a:p>
+            <a:pPr lvl="1"/>
+            <a:r>
+              <a:rPr lang="en-US" dirty="0"/>
+              <a:t>Can be computationally intensive with larger number of estimators and different parameter combinations</a:t>
+            </a:r>
+          </a:p>
+          <a:p>
+            <a:pPr lvl="1"/>
+            <a:r>
+              <a:rPr lang="en-US" dirty="0"/>
+              <a:t>Parameter tuning essential, may not work well otherwise</a:t>
+            </a:r>
+          </a:p>
+        </p:txBody>
+      </p:sp>
+      <p:sp>
+        <p:nvSpPr>
+          <p:cNvPr id="11" name="Text Placeholder 10">
+            <a:extLst>
+              <a:ext uri="{FF2B5EF4-FFF2-40B4-BE49-F238E27FC236}">
+                <a16:creationId xmlns:a16="http://schemas.microsoft.com/office/drawing/2014/main" id="{BA57E764-DD4E-4CBF-AF8D-0137D32FD1E9}"/>
+              </a:ext>
+            </a:extLst>
+          </p:cNvPr>
+          <p:cNvSpPr>
+            <a:spLocks noGrp="1"/>
+          </p:cNvSpPr>
+          <p:nvPr>
+            <p:ph type="body" sz="quarter" idx="3"/>
+          </p:nvPr>
+        </p:nvSpPr>
+        <p:spPr/>
+        <p:txBody>
+          <a:bodyPr/>
+          <a:lstStyle/>
+          <a:p>
+            <a:r>
+              <a:rPr lang="en-US" dirty="0"/>
+              <a:t>Parameters &amp; Results</a:t>
+            </a:r>
+          </a:p>
+        </p:txBody>
+      </p:sp>
+      <p:sp>
+        <p:nvSpPr>
+          <p:cNvPr id="12" name="Content Placeholder 11">
+            <a:extLst>
+              <a:ext uri="{FF2B5EF4-FFF2-40B4-BE49-F238E27FC236}">
+                <a16:creationId xmlns:a16="http://schemas.microsoft.com/office/drawing/2014/main" id="{8B17B9B1-B113-4230-A58E-6EF048F31D63}"/>
+              </a:ext>
+            </a:extLst>
+          </p:cNvPr>
+          <p:cNvSpPr>
+            <a:spLocks noGrp="1"/>
+          </p:cNvSpPr>
+          <p:nvPr>
+            <p:ph sz="quarter" idx="4"/>
+          </p:nvPr>
+        </p:nvSpPr>
+        <p:spPr/>
+        <p:txBody>
+          <a:bodyPr>
+            <a:normAutofit lnSpcReduction="10000"/>
+          </a:bodyPr>
+          <a:lstStyle/>
+          <a:p>
+            <a:r>
+              <a:rPr lang="en-US" dirty="0"/>
+              <a:t>Loss Types – (Deviance, Exponential) -  Exponential Optimal</a:t>
+            </a:r>
+          </a:p>
+          <a:p>
+            <a:r>
+              <a:rPr lang="en-US" dirty="0"/>
+              <a:t>Max Depth – (1 – 8) – 5 Optimal</a:t>
+            </a:r>
+          </a:p>
+          <a:p>
+            <a:r>
+              <a:rPr lang="en-US" dirty="0"/>
+              <a:t>Estimators – (1 - 1,000) – 145 Optimal</a:t>
+            </a:r>
+          </a:p>
+          <a:p>
+            <a:r>
+              <a:rPr lang="en-US" dirty="0"/>
+              <a:t>Accuracy = .8958</a:t>
+            </a:r>
+          </a:p>
+          <a:p>
+            <a:r>
+              <a:rPr lang="en-US" dirty="0"/>
+              <a:t>Sensitivity = .1817</a:t>
+            </a:r>
           </a:p>
         </p:txBody>
       </p:sp>
     </p:spTree>
     <p:extLst>
       <p:ext uri="{BB962C8B-B14F-4D97-AF65-F5344CB8AC3E}">
-        <p14:creationId xmlns:p14="http://schemas.microsoft.com/office/powerpoint/2010/main" val="2115083516"/>
+        <p14:creationId xmlns:p14="http://schemas.microsoft.com/office/powerpoint/2010/main" val="1658428108"/>
       </p:ext>
     </p:extLst>
   </p:cSld>
@@ -11037,10 +11276,10 @@
       </p:grpSpPr>
       <p:sp>
         <p:nvSpPr>
-          <p:cNvPr id="2" name="Title 1">
+          <p:cNvPr id="7" name="Title 6">
             <a:extLst>
               <a:ext uri="{FF2B5EF4-FFF2-40B4-BE49-F238E27FC236}">
-                <a16:creationId xmlns:a16="http://schemas.microsoft.com/office/drawing/2014/main" id="{5DCE5D67-69C6-45B2-9A56-61EFE8C964B4}"/>
+                <a16:creationId xmlns:a16="http://schemas.microsoft.com/office/drawing/2014/main" id="{99CC6820-F54A-44A5-9D70-B28032E4BEE5}"/>
               </a:ext>
             </a:extLst>
           </p:cNvPr>
@@ -11058,15 +11297,75 @@
           <a:p>
             <a:r>
               <a:rPr lang="en-US" dirty="0"/>
-              <a:t>Thank You!</a:t>
-            </a:r>
-          </a:p>
-        </p:txBody>
-      </p:sp>
+              <a:t>Gradient Boosted Model</a:t>
+            </a:r>
+          </a:p>
+        </p:txBody>
+      </p:sp>
+      <p:pic>
+        <p:nvPicPr>
+          <p:cNvPr id="8" name="Picture 7">
+            <a:extLst>
+              <a:ext uri="{FF2B5EF4-FFF2-40B4-BE49-F238E27FC236}">
+                <a16:creationId xmlns:a16="http://schemas.microsoft.com/office/drawing/2014/main" id="{793196A8-E523-44EF-83AE-3556E30640B8}"/>
+              </a:ext>
+            </a:extLst>
+          </p:cNvPr>
+          <p:cNvPicPr>
+            <a:picLocks noChangeAspect="1"/>
+          </p:cNvPicPr>
+          <p:nvPr/>
+        </p:nvPicPr>
+        <p:blipFill>
+          <a:blip r:embed="rId2"/>
+          <a:stretch>
+            <a:fillRect/>
+          </a:stretch>
+        </p:blipFill>
+        <p:spPr>
+          <a:xfrm>
+            <a:off x="497199" y="2211491"/>
+            <a:ext cx="5336895" cy="4233759"/>
+          </a:xfrm>
+          <a:prstGeom prst="rect">
+            <a:avLst/>
+          </a:prstGeom>
+        </p:spPr>
+      </p:pic>
+      <p:pic>
+        <p:nvPicPr>
+          <p:cNvPr id="9" name="Picture 8">
+            <a:extLst>
+              <a:ext uri="{FF2B5EF4-FFF2-40B4-BE49-F238E27FC236}">
+                <a16:creationId xmlns:a16="http://schemas.microsoft.com/office/drawing/2014/main" id="{F46EB8A2-122A-4278-AD4D-83736155E3BC}"/>
+              </a:ext>
+            </a:extLst>
+          </p:cNvPr>
+          <p:cNvPicPr>
+            <a:picLocks noChangeAspect="1"/>
+          </p:cNvPicPr>
+          <p:nvPr/>
+        </p:nvPicPr>
+        <p:blipFill>
+          <a:blip r:embed="rId3"/>
+          <a:stretch>
+            <a:fillRect/>
+          </a:stretch>
+        </p:blipFill>
+        <p:spPr>
+          <a:xfrm>
+            <a:off x="6299200" y="2211491"/>
+            <a:ext cx="5583485" cy="4233759"/>
+          </a:xfrm>
+          <a:prstGeom prst="rect">
+            <a:avLst/>
+          </a:prstGeom>
+        </p:spPr>
+      </p:pic>
     </p:spTree>
     <p:extLst>
       <p:ext uri="{BB962C8B-B14F-4D97-AF65-F5344CB8AC3E}">
-        <p14:creationId xmlns:p14="http://schemas.microsoft.com/office/powerpoint/2010/main" val="211389930"/>
+        <p14:creationId xmlns:p14="http://schemas.microsoft.com/office/powerpoint/2010/main" val="2904111998"/>
       </p:ext>
     </p:extLst>
   </p:cSld>
@@ -11169,13 +11468,13 @@
           <a:p>
             <a:r>
               <a:rPr lang="en-US" dirty="0"/>
-              <a:t>Research Topic:  Can we predict whether a customer will purchase the product, given demographic, campaign, and economic data.</a:t>
+              <a:t>Research Topic:  Can we predict whether a customer will purchase the product, given basic demographic, campaign, and economic data.</a:t>
             </a:r>
           </a:p>
           <a:p>
             <a:r>
               <a:rPr lang="en-US" dirty="0"/>
-              <a:t>Purpose: Being able to predict a customers response to a marketing campaign can help a company maximize their marketing efforts</a:t>
+              <a:t>Purpose: Being able to predict whether a customer will make a purchase can help a company maximize their marketing efforts</a:t>
             </a:r>
           </a:p>
         </p:txBody>
@@ -11184,6 +11483,625 @@
     <p:extLst>
       <p:ext uri="{BB962C8B-B14F-4D97-AF65-F5344CB8AC3E}">
         <p14:creationId xmlns:p14="http://schemas.microsoft.com/office/powerpoint/2010/main" val="4191326613"/>
+      </p:ext>
+    </p:extLst>
+  </p:cSld>
+  <p:clrMapOvr>
+    <a:masterClrMapping/>
+  </p:clrMapOvr>
+</p:sld>
+</file>
+
+<file path=ppt/slides/slide20.xml><?xml version="1.0" encoding="utf-8"?>
+<p:sld xmlns:a="http://schemas.openxmlformats.org/drawingml/2006/main" xmlns:r="http://schemas.openxmlformats.org/officeDocument/2006/relationships" xmlns:p="http://schemas.openxmlformats.org/presentationml/2006/main">
+  <p:cSld>
+    <p:spTree>
+      <p:nvGrpSpPr>
+        <p:cNvPr id="1" name=""/>
+        <p:cNvGrpSpPr/>
+        <p:nvPr/>
+      </p:nvGrpSpPr>
+      <p:grpSpPr>
+        <a:xfrm>
+          <a:off x="0" y="0"/>
+          <a:ext cx="0" cy="0"/>
+          <a:chOff x="0" y="0"/>
+          <a:chExt cx="0" cy="0"/>
+        </a:xfrm>
+      </p:grpSpPr>
+      <p:sp>
+        <p:nvSpPr>
+          <p:cNvPr id="2" name="Title 1">
+            <a:extLst>
+              <a:ext uri="{FF2B5EF4-FFF2-40B4-BE49-F238E27FC236}">
+                <a16:creationId xmlns:a16="http://schemas.microsoft.com/office/drawing/2014/main" id="{652BBBCC-962C-4FB3-B25D-6D029D1F6F5C}"/>
+              </a:ext>
+            </a:extLst>
+          </p:cNvPr>
+          <p:cNvSpPr>
+            <a:spLocks noGrp="1"/>
+          </p:cNvSpPr>
+          <p:nvPr>
+            <p:ph type="title"/>
+          </p:nvPr>
+        </p:nvSpPr>
+        <p:spPr/>
+        <p:txBody>
+          <a:bodyPr/>
+          <a:lstStyle/>
+          <a:p>
+            <a:r>
+              <a:rPr lang="en-US" dirty="0"/>
+              <a:t>KNN</a:t>
+            </a:r>
+          </a:p>
+        </p:txBody>
+      </p:sp>
+      <p:sp>
+        <p:nvSpPr>
+          <p:cNvPr id="9" name="Text Placeholder 8">
+            <a:extLst>
+              <a:ext uri="{FF2B5EF4-FFF2-40B4-BE49-F238E27FC236}">
+                <a16:creationId xmlns:a16="http://schemas.microsoft.com/office/drawing/2014/main" id="{C70ABA28-F66D-4813-9C39-585DBF750A21}"/>
+              </a:ext>
+            </a:extLst>
+          </p:cNvPr>
+          <p:cNvSpPr>
+            <a:spLocks noGrp="1"/>
+          </p:cNvSpPr>
+          <p:nvPr>
+            <p:ph type="body" idx="1"/>
+          </p:nvPr>
+        </p:nvSpPr>
+        <p:spPr/>
+        <p:txBody>
+          <a:bodyPr/>
+          <a:lstStyle/>
+          <a:p>
+            <a:r>
+              <a:rPr lang="en-US" dirty="0"/>
+              <a:t>Overview</a:t>
+            </a:r>
+          </a:p>
+        </p:txBody>
+      </p:sp>
+      <p:sp>
+        <p:nvSpPr>
+          <p:cNvPr id="10" name="Content Placeholder 9">
+            <a:extLst>
+              <a:ext uri="{FF2B5EF4-FFF2-40B4-BE49-F238E27FC236}">
+                <a16:creationId xmlns:a16="http://schemas.microsoft.com/office/drawing/2014/main" id="{C8B85F1D-C33F-4314-8045-A643019B7233}"/>
+              </a:ext>
+            </a:extLst>
+          </p:cNvPr>
+          <p:cNvSpPr>
+            <a:spLocks noGrp="1"/>
+          </p:cNvSpPr>
+          <p:nvPr>
+            <p:ph sz="half" idx="2"/>
+          </p:nvPr>
+        </p:nvSpPr>
+        <p:spPr/>
+        <p:txBody>
+          <a:bodyPr/>
+          <a:lstStyle/>
+          <a:p>
+            <a:r>
+              <a:rPr lang="en-US" dirty="0"/>
+              <a:t>Pros:</a:t>
+            </a:r>
+          </a:p>
+          <a:p>
+            <a:pPr lvl="1"/>
+            <a:r>
+              <a:rPr lang="en-US" dirty="0"/>
+              <a:t>Really simple and fast training</a:t>
+            </a:r>
+          </a:p>
+          <a:p>
+            <a:pPr lvl="1"/>
+            <a:r>
+              <a:rPr lang="en-US" dirty="0"/>
+              <a:t>Feature selection part of model</a:t>
+            </a:r>
+          </a:p>
+          <a:p>
+            <a:pPr marL="358650" indent="-285750"/>
+            <a:r>
+              <a:rPr lang="en-US" dirty="0"/>
+              <a:t>Cons:</a:t>
+            </a:r>
+          </a:p>
+          <a:p>
+            <a:pPr marL="735750" lvl="1" indent="-285750"/>
+            <a:r>
+              <a:rPr lang="en-US" dirty="0"/>
+              <a:t>Lazy learner – uses training data for classification</a:t>
+            </a:r>
+          </a:p>
+          <a:p>
+            <a:pPr marL="735750" lvl="1" indent="-285750"/>
+            <a:r>
+              <a:rPr lang="en-US" dirty="0"/>
+              <a:t>Can be slow during prediction</a:t>
+            </a:r>
+          </a:p>
+          <a:p>
+            <a:pPr lvl="1"/>
+            <a:endParaRPr lang="en-US" dirty="0"/>
+          </a:p>
+        </p:txBody>
+      </p:sp>
+      <p:sp>
+        <p:nvSpPr>
+          <p:cNvPr id="11" name="Text Placeholder 10">
+            <a:extLst>
+              <a:ext uri="{FF2B5EF4-FFF2-40B4-BE49-F238E27FC236}">
+                <a16:creationId xmlns:a16="http://schemas.microsoft.com/office/drawing/2014/main" id="{7918DBE9-3D29-4307-8B91-18DBA87E3D05}"/>
+              </a:ext>
+            </a:extLst>
+          </p:cNvPr>
+          <p:cNvSpPr>
+            <a:spLocks noGrp="1"/>
+          </p:cNvSpPr>
+          <p:nvPr>
+            <p:ph type="body" sz="quarter" idx="3"/>
+          </p:nvPr>
+        </p:nvSpPr>
+        <p:spPr/>
+        <p:txBody>
+          <a:bodyPr/>
+          <a:lstStyle/>
+          <a:p>
+            <a:r>
+              <a:rPr lang="en-US" dirty="0"/>
+              <a:t>Parameters &amp; Results</a:t>
+            </a:r>
+          </a:p>
+        </p:txBody>
+      </p:sp>
+      <p:sp>
+        <p:nvSpPr>
+          <p:cNvPr id="12" name="Content Placeholder 11">
+            <a:extLst>
+              <a:ext uri="{FF2B5EF4-FFF2-40B4-BE49-F238E27FC236}">
+                <a16:creationId xmlns:a16="http://schemas.microsoft.com/office/drawing/2014/main" id="{86830C1A-6ABB-4243-9C27-1AF1F049DDCB}"/>
+              </a:ext>
+            </a:extLst>
+          </p:cNvPr>
+          <p:cNvSpPr>
+            <a:spLocks noGrp="1"/>
+          </p:cNvSpPr>
+          <p:nvPr>
+            <p:ph sz="quarter" idx="4"/>
+          </p:nvPr>
+        </p:nvSpPr>
+        <p:spPr/>
+        <p:txBody>
+          <a:bodyPr/>
+          <a:lstStyle/>
+          <a:p>
+            <a:r>
+              <a:rPr lang="en-US" dirty="0"/>
+              <a:t>Weights – (Uniform, Distance) – Uniform Optimal</a:t>
+            </a:r>
+          </a:p>
+          <a:p>
+            <a:r>
+              <a:rPr lang="en-US" dirty="0"/>
+              <a:t>Neighbors – (1 – 105) – 46 Optimal</a:t>
+            </a:r>
+          </a:p>
+          <a:p>
+            <a:r>
+              <a:rPr lang="en-US" dirty="0"/>
+              <a:t>Accuracy = .8963</a:t>
+            </a:r>
+          </a:p>
+          <a:p>
+            <a:r>
+              <a:rPr lang="en-US" dirty="0"/>
+              <a:t>Sensitivity = .1944</a:t>
+            </a:r>
+          </a:p>
+        </p:txBody>
+      </p:sp>
+    </p:spTree>
+    <p:extLst>
+      <p:ext uri="{BB962C8B-B14F-4D97-AF65-F5344CB8AC3E}">
+        <p14:creationId xmlns:p14="http://schemas.microsoft.com/office/powerpoint/2010/main" val="3986397924"/>
+      </p:ext>
+    </p:extLst>
+  </p:cSld>
+  <p:clrMapOvr>
+    <a:masterClrMapping/>
+  </p:clrMapOvr>
+</p:sld>
+</file>
+
+<file path=ppt/slides/slide21.xml><?xml version="1.0" encoding="utf-8"?>
+<p:sld xmlns:a="http://schemas.openxmlformats.org/drawingml/2006/main" xmlns:r="http://schemas.openxmlformats.org/officeDocument/2006/relationships" xmlns:p="http://schemas.openxmlformats.org/presentationml/2006/main">
+  <p:cSld>
+    <p:spTree>
+      <p:nvGrpSpPr>
+        <p:cNvPr id="1" name=""/>
+        <p:cNvGrpSpPr/>
+        <p:nvPr/>
+      </p:nvGrpSpPr>
+      <p:grpSpPr>
+        <a:xfrm>
+          <a:off x="0" y="0"/>
+          <a:ext cx="0" cy="0"/>
+          <a:chOff x="0" y="0"/>
+          <a:chExt cx="0" cy="0"/>
+        </a:xfrm>
+      </p:grpSpPr>
+      <p:sp>
+        <p:nvSpPr>
+          <p:cNvPr id="7" name="Title 6">
+            <a:extLst>
+              <a:ext uri="{FF2B5EF4-FFF2-40B4-BE49-F238E27FC236}">
+                <a16:creationId xmlns:a16="http://schemas.microsoft.com/office/drawing/2014/main" id="{E02781A3-A20D-4A12-BDEF-98D03F2586F4}"/>
+              </a:ext>
+            </a:extLst>
+          </p:cNvPr>
+          <p:cNvSpPr>
+            <a:spLocks noGrp="1"/>
+          </p:cNvSpPr>
+          <p:nvPr>
+            <p:ph type="title"/>
+          </p:nvPr>
+        </p:nvSpPr>
+        <p:spPr/>
+        <p:txBody>
+          <a:bodyPr/>
+          <a:lstStyle/>
+          <a:p>
+            <a:r>
+              <a:rPr lang="en-US" dirty="0"/>
+              <a:t>KNN</a:t>
+            </a:r>
+          </a:p>
+        </p:txBody>
+      </p:sp>
+      <p:pic>
+        <p:nvPicPr>
+          <p:cNvPr id="8" name="Picture 7">
+            <a:extLst>
+              <a:ext uri="{FF2B5EF4-FFF2-40B4-BE49-F238E27FC236}">
+                <a16:creationId xmlns:a16="http://schemas.microsoft.com/office/drawing/2014/main" id="{F7B9CD7F-679E-49F8-ACDB-123A07C47DD9}"/>
+              </a:ext>
+            </a:extLst>
+          </p:cNvPr>
+          <p:cNvPicPr>
+            <a:picLocks noChangeAspect="1"/>
+          </p:cNvPicPr>
+          <p:nvPr/>
+        </p:nvPicPr>
+        <p:blipFill>
+          <a:blip r:embed="rId2"/>
+          <a:stretch>
+            <a:fillRect/>
+          </a:stretch>
+        </p:blipFill>
+        <p:spPr>
+          <a:xfrm>
+            <a:off x="304996" y="2236100"/>
+            <a:ext cx="5791004" cy="4120250"/>
+          </a:xfrm>
+          <a:prstGeom prst="rect">
+            <a:avLst/>
+          </a:prstGeom>
+        </p:spPr>
+      </p:pic>
+      <p:pic>
+        <p:nvPicPr>
+          <p:cNvPr id="9" name="Picture 8">
+            <a:extLst>
+              <a:ext uri="{FF2B5EF4-FFF2-40B4-BE49-F238E27FC236}">
+                <a16:creationId xmlns:a16="http://schemas.microsoft.com/office/drawing/2014/main" id="{5C239F03-E7C8-4A57-98B1-36F1BD97ABBE}"/>
+              </a:ext>
+            </a:extLst>
+          </p:cNvPr>
+          <p:cNvPicPr>
+            <a:picLocks noChangeAspect="1"/>
+          </p:cNvPicPr>
+          <p:nvPr/>
+        </p:nvPicPr>
+        <p:blipFill>
+          <a:blip r:embed="rId3"/>
+          <a:stretch>
+            <a:fillRect/>
+          </a:stretch>
+        </p:blipFill>
+        <p:spPr>
+          <a:xfrm>
+            <a:off x="6482152" y="2236100"/>
+            <a:ext cx="5364708" cy="4125590"/>
+          </a:xfrm>
+          <a:prstGeom prst="rect">
+            <a:avLst/>
+          </a:prstGeom>
+        </p:spPr>
+      </p:pic>
+    </p:spTree>
+    <p:extLst>
+      <p:ext uri="{BB962C8B-B14F-4D97-AF65-F5344CB8AC3E}">
+        <p14:creationId xmlns:p14="http://schemas.microsoft.com/office/powerpoint/2010/main" val="3725212188"/>
+      </p:ext>
+    </p:extLst>
+  </p:cSld>
+  <p:clrMapOvr>
+    <a:masterClrMapping/>
+  </p:clrMapOvr>
+</p:sld>
+</file>
+
+<file path=ppt/slides/slide22.xml><?xml version="1.0" encoding="utf-8"?>
+<p:sld xmlns:a="http://schemas.openxmlformats.org/drawingml/2006/main" xmlns:r="http://schemas.openxmlformats.org/officeDocument/2006/relationships" xmlns:p="http://schemas.openxmlformats.org/presentationml/2006/main">
+  <p:cSld>
+    <p:spTree>
+      <p:nvGrpSpPr>
+        <p:cNvPr id="1" name=""/>
+        <p:cNvGrpSpPr/>
+        <p:nvPr/>
+      </p:nvGrpSpPr>
+      <p:grpSpPr>
+        <a:xfrm>
+          <a:off x="0" y="0"/>
+          <a:ext cx="0" cy="0"/>
+          <a:chOff x="0" y="0"/>
+          <a:chExt cx="0" cy="0"/>
+        </a:xfrm>
+      </p:grpSpPr>
+      <p:sp>
+        <p:nvSpPr>
+          <p:cNvPr id="2" name="Title 1">
+            <a:extLst>
+              <a:ext uri="{FF2B5EF4-FFF2-40B4-BE49-F238E27FC236}">
+                <a16:creationId xmlns:a16="http://schemas.microsoft.com/office/drawing/2014/main" id="{4A1F2DD6-58ED-4A48-9C7C-09E0A00FB106}"/>
+              </a:ext>
+            </a:extLst>
+          </p:cNvPr>
+          <p:cNvSpPr>
+            <a:spLocks noGrp="1"/>
+          </p:cNvSpPr>
+          <p:nvPr>
+            <p:ph type="title"/>
+          </p:nvPr>
+        </p:nvSpPr>
+        <p:spPr/>
+        <p:txBody>
+          <a:bodyPr/>
+          <a:lstStyle/>
+          <a:p>
+            <a:r>
+              <a:rPr lang="en-US" dirty="0"/>
+              <a:t>Conclusions</a:t>
+            </a:r>
+          </a:p>
+        </p:txBody>
+      </p:sp>
+      <p:sp>
+        <p:nvSpPr>
+          <p:cNvPr id="3" name="Content Placeholder 2">
+            <a:extLst>
+              <a:ext uri="{FF2B5EF4-FFF2-40B4-BE49-F238E27FC236}">
+                <a16:creationId xmlns:a16="http://schemas.microsoft.com/office/drawing/2014/main" id="{2E19BCA5-7B77-4952-92D3-7EE99DE66485}"/>
+              </a:ext>
+            </a:extLst>
+          </p:cNvPr>
+          <p:cNvSpPr>
+            <a:spLocks noGrp="1"/>
+          </p:cNvSpPr>
+          <p:nvPr>
+            <p:ph idx="1"/>
+          </p:nvPr>
+        </p:nvSpPr>
+        <p:spPr>
+          <a:xfrm>
+            <a:off x="913795" y="1732449"/>
+            <a:ext cx="10353762" cy="4058751"/>
+          </a:xfrm>
+        </p:spPr>
+        <p:txBody>
+          <a:bodyPr>
+            <a:normAutofit/>
+          </a:bodyPr>
+          <a:lstStyle/>
+          <a:p>
+            <a:r>
+              <a:rPr lang="en-US" dirty="0"/>
+              <a:t>The data available did not allow for making predictions meaningfully better than baseline.</a:t>
+            </a:r>
+          </a:p>
+          <a:p>
+            <a:r>
+              <a:rPr lang="en-US" dirty="0"/>
+              <a:t>The only meaningful predictor, Previously Contacted – Yes, applied to a very small portion of the data so it didn’t help overall model performance.</a:t>
+            </a:r>
+          </a:p>
+          <a:p>
+            <a:r>
+              <a:rPr lang="en-US" dirty="0"/>
+              <a:t>Business scenario would dictate whether priority is improving accuracy or sensitivity – though would not deploy as it currently stands.</a:t>
+            </a:r>
+          </a:p>
+          <a:p>
+            <a:pPr lvl="1"/>
+            <a:r>
+              <a:rPr lang="en-US" dirty="0"/>
+              <a:t>Best model for accuracy is KNN</a:t>
+            </a:r>
+          </a:p>
+          <a:p>
+            <a:pPr lvl="1"/>
+            <a:r>
+              <a:rPr lang="en-US" dirty="0"/>
+              <a:t>Best models for sensitivity are Ridge and Lasso Regression</a:t>
+            </a:r>
+          </a:p>
+          <a:p>
+            <a:r>
+              <a:rPr lang="en-US" dirty="0"/>
+              <a:t>Additional data is needed to improve model performance – a larger private dataset used for research included information on the bank employee making the call, and additional customer information. As business case would have access to full dataset.</a:t>
+            </a:r>
+          </a:p>
+          <a:p>
+            <a:pPr marL="36900" indent="0">
+              <a:buNone/>
+            </a:pPr>
+            <a:endParaRPr lang="en-US" dirty="0"/>
+          </a:p>
+        </p:txBody>
+      </p:sp>
+    </p:spTree>
+    <p:extLst>
+      <p:ext uri="{BB962C8B-B14F-4D97-AF65-F5344CB8AC3E}">
+        <p14:creationId xmlns:p14="http://schemas.microsoft.com/office/powerpoint/2010/main" val="2115083516"/>
+      </p:ext>
+    </p:extLst>
+  </p:cSld>
+  <p:clrMapOvr>
+    <a:masterClrMapping/>
+  </p:clrMapOvr>
+</p:sld>
+</file>
+
+<file path=ppt/slides/slide23.xml><?xml version="1.0" encoding="utf-8"?>
+<p:sld xmlns:a="http://schemas.openxmlformats.org/drawingml/2006/main" xmlns:r="http://schemas.openxmlformats.org/officeDocument/2006/relationships" xmlns:p="http://schemas.openxmlformats.org/presentationml/2006/main">
+  <p:cSld>
+    <p:spTree>
+      <p:nvGrpSpPr>
+        <p:cNvPr id="1" name=""/>
+        <p:cNvGrpSpPr/>
+        <p:nvPr/>
+      </p:nvGrpSpPr>
+      <p:grpSpPr>
+        <a:xfrm>
+          <a:off x="0" y="0"/>
+          <a:ext cx="0" cy="0"/>
+          <a:chOff x="0" y="0"/>
+          <a:chExt cx="0" cy="0"/>
+        </a:xfrm>
+      </p:grpSpPr>
+      <p:sp>
+        <p:nvSpPr>
+          <p:cNvPr id="2" name="Title 1">
+            <a:extLst>
+              <a:ext uri="{FF2B5EF4-FFF2-40B4-BE49-F238E27FC236}">
+                <a16:creationId xmlns:a16="http://schemas.microsoft.com/office/drawing/2014/main" id="{0F47DC74-4ACF-4D4C-8C89-FE98729DAE47}"/>
+              </a:ext>
+            </a:extLst>
+          </p:cNvPr>
+          <p:cNvSpPr>
+            <a:spLocks noGrp="1"/>
+          </p:cNvSpPr>
+          <p:nvPr>
+            <p:ph type="title"/>
+          </p:nvPr>
+        </p:nvSpPr>
+        <p:spPr/>
+        <p:txBody>
+          <a:bodyPr/>
+          <a:lstStyle/>
+          <a:p>
+            <a:endParaRPr lang="en-US" dirty="0"/>
+          </a:p>
+        </p:txBody>
+      </p:sp>
+      <p:pic>
+        <p:nvPicPr>
+          <p:cNvPr id="5" name="Picture 4">
+            <a:extLst>
+              <a:ext uri="{FF2B5EF4-FFF2-40B4-BE49-F238E27FC236}">
+                <a16:creationId xmlns:a16="http://schemas.microsoft.com/office/drawing/2014/main" id="{E6A0FA0C-6FD4-4BE6-8FA3-898787BA7D78}"/>
+              </a:ext>
+            </a:extLst>
+          </p:cNvPr>
+          <p:cNvPicPr>
+            <a:picLocks noChangeAspect="1"/>
+          </p:cNvPicPr>
+          <p:nvPr/>
+        </p:nvPicPr>
+        <p:blipFill>
+          <a:blip r:embed="rId2"/>
+          <a:stretch>
+            <a:fillRect/>
+          </a:stretch>
+        </p:blipFill>
+        <p:spPr>
+          <a:xfrm>
+            <a:off x="150225" y="609600"/>
+            <a:ext cx="11914496" cy="5791200"/>
+          </a:xfrm>
+          <a:prstGeom prst="rect">
+            <a:avLst/>
+          </a:prstGeom>
+        </p:spPr>
+      </p:pic>
+    </p:spTree>
+    <p:extLst>
+      <p:ext uri="{BB962C8B-B14F-4D97-AF65-F5344CB8AC3E}">
+        <p14:creationId xmlns:p14="http://schemas.microsoft.com/office/powerpoint/2010/main" val="1783425224"/>
+      </p:ext>
+    </p:extLst>
+  </p:cSld>
+  <p:clrMapOvr>
+    <a:masterClrMapping/>
+  </p:clrMapOvr>
+</p:sld>
+</file>
+
+<file path=ppt/slides/slide24.xml><?xml version="1.0" encoding="utf-8"?>
+<p:sld xmlns:a="http://schemas.openxmlformats.org/drawingml/2006/main" xmlns:r="http://schemas.openxmlformats.org/officeDocument/2006/relationships" xmlns:p="http://schemas.openxmlformats.org/presentationml/2006/main">
+  <p:cSld>
+    <p:spTree>
+      <p:nvGrpSpPr>
+        <p:cNvPr id="1" name=""/>
+        <p:cNvGrpSpPr/>
+        <p:nvPr/>
+      </p:nvGrpSpPr>
+      <p:grpSpPr>
+        <a:xfrm>
+          <a:off x="0" y="0"/>
+          <a:ext cx="0" cy="0"/>
+          <a:chOff x="0" y="0"/>
+          <a:chExt cx="0" cy="0"/>
+        </a:xfrm>
+      </p:grpSpPr>
+      <p:sp>
+        <p:nvSpPr>
+          <p:cNvPr id="2" name="Title 1">
+            <a:extLst>
+              <a:ext uri="{FF2B5EF4-FFF2-40B4-BE49-F238E27FC236}">
+                <a16:creationId xmlns:a16="http://schemas.microsoft.com/office/drawing/2014/main" id="{5DCE5D67-69C6-45B2-9A56-61EFE8C964B4}"/>
+              </a:ext>
+            </a:extLst>
+          </p:cNvPr>
+          <p:cNvSpPr>
+            <a:spLocks noGrp="1"/>
+          </p:cNvSpPr>
+          <p:nvPr>
+            <p:ph type="title"/>
+          </p:nvPr>
+        </p:nvSpPr>
+        <p:spPr/>
+        <p:txBody>
+          <a:bodyPr/>
+          <a:lstStyle/>
+          <a:p>
+            <a:r>
+              <a:rPr lang="en-US" dirty="0"/>
+              <a:t>Thank You!</a:t>
+            </a:r>
+          </a:p>
+        </p:txBody>
+      </p:sp>
+    </p:spTree>
+    <p:extLst>
+      <p:ext uri="{BB962C8B-B14F-4D97-AF65-F5344CB8AC3E}">
+        <p14:creationId xmlns:p14="http://schemas.microsoft.com/office/powerpoint/2010/main" val="211389930"/>
       </p:ext>
     </p:extLst>
   </p:cSld>
@@ -11345,7 +12263,7 @@
           <a:p>
             <a:r>
               <a:rPr lang="en-US" dirty="0"/>
-              <a:t>Baseline 88.8% of the data is from the majority class, customers that did not make a purchase</a:t>
+              <a:t>88.8% of the data is from the majority class, customers that did not make a purchase - Baseline</a:t>
             </a:r>
           </a:p>
           <a:p>
@@ -11378,10 +12296,13 @@
             <a:pPr lvl="1"/>
             <a:r>
               <a:rPr lang="en-US" dirty="0"/>
-              <a:t>Macro Economic – CPI, Employment variation rate, CCI, Number of employees( 5/5 numerical)</a:t>
-            </a:r>
-          </a:p>
-          <a:p>
+              <a:t>Macro Economic – CPI, Employment variation rate, CCI, Number of employees(5/5 numerical)</a:t>
+            </a:r>
+          </a:p>
+          <a:p>
+            <a:pPr marL="36900" indent="0">
+              <a:buNone/>
+            </a:pPr>
             <a:endParaRPr lang="en-US" dirty="0"/>
           </a:p>
           <a:p>
@@ -11489,42 +12410,6 @@
           </a:xfrm>
         </p:spPr>
       </p:pic>
-      <p:pic>
-        <p:nvPicPr>
-          <p:cNvPr id="7" name="Picture 6">
-            <a:extLst>
-              <a:ext uri="{FF2B5EF4-FFF2-40B4-BE49-F238E27FC236}">
-                <a16:creationId xmlns:a16="http://schemas.microsoft.com/office/drawing/2014/main" id="{FDAB7749-B020-4AD3-AC00-CD503E7062D9}"/>
-              </a:ext>
-            </a:extLst>
-          </p:cNvPr>
-          <p:cNvPicPr>
-            <a:picLocks noChangeAspect="1"/>
-          </p:cNvPicPr>
-          <p:nvPr/>
-        </p:nvPicPr>
-        <p:blipFill>
-          <a:blip r:embed="rId3">
-            <a:extLst>
-              <a:ext uri="{28A0092B-C50C-407E-A947-70E740481C1C}">
-                <a14:useLocalDpi xmlns:a14="http://schemas.microsoft.com/office/drawing/2010/main" val="0"/>
-              </a:ext>
-            </a:extLst>
-          </a:blip>
-          <a:stretch>
-            <a:fillRect/>
-          </a:stretch>
-        </p:blipFill>
-        <p:spPr>
-          <a:xfrm>
-            <a:off x="6437831" y="1899262"/>
-            <a:ext cx="4875632" cy="4875632"/>
-          </a:xfrm>
-          <a:prstGeom prst="rect">
-            <a:avLst/>
-          </a:prstGeom>
-        </p:spPr>
-      </p:pic>
       <p:sp>
         <p:nvSpPr>
           <p:cNvPr id="8" name="Text Placeholder 4">
@@ -11541,8 +12426,8 @@
         </p:nvSpPr>
         <p:spPr>
           <a:xfrm>
-            <a:off x="2671699" y="1204272"/>
-            <a:ext cx="1384830" cy="576262"/>
+            <a:off x="1582271" y="1308100"/>
+            <a:ext cx="3993776" cy="576262"/>
           </a:xfrm>
           <a:prstGeom prst="rect">
             <a:avLst/>
@@ -11900,7 +12785,7 @@
             </a:pPr>
             <a:r>
               <a:rPr lang="en-US" dirty="0"/>
-              <a:t>Numerical</a:t>
+              <a:t>Numerical Features – QQ Plots</a:t>
             </a:r>
           </a:p>
         </p:txBody>
@@ -11921,8 +12806,8 @@
         </p:nvSpPr>
         <p:spPr>
           <a:xfrm>
-            <a:off x="8148918" y="1211722"/>
-            <a:ext cx="1608950" cy="576262"/>
+            <a:off x="6660776" y="1308100"/>
+            <a:ext cx="4558554" cy="576262"/>
           </a:xfrm>
           <a:prstGeom prst="rect">
             <a:avLst/>
@@ -12280,11 +13165,41 @@
             </a:pPr>
             <a:r>
               <a:rPr lang="en-US" dirty="0"/>
-              <a:t>Categorical</a:t>
-            </a:r>
-          </a:p>
-        </p:txBody>
-      </p:sp>
+              <a:t>Categorical Features - Count Bar Plots</a:t>
+            </a:r>
+          </a:p>
+        </p:txBody>
+      </p:sp>
+      <p:pic>
+        <p:nvPicPr>
+          <p:cNvPr id="3" name="Picture 2">
+            <a:extLst>
+              <a:ext uri="{FF2B5EF4-FFF2-40B4-BE49-F238E27FC236}">
+                <a16:creationId xmlns:a16="http://schemas.microsoft.com/office/drawing/2014/main" id="{92ED3527-EA85-4183-868B-9C3B3553DB32}"/>
+              </a:ext>
+            </a:extLst>
+          </p:cNvPr>
+          <p:cNvPicPr>
+            <a:picLocks noChangeAspect="1"/>
+          </p:cNvPicPr>
+          <p:nvPr/>
+        </p:nvPicPr>
+        <p:blipFill>
+          <a:blip r:embed="rId3"/>
+          <a:stretch>
+            <a:fillRect/>
+          </a:stretch>
+        </p:blipFill>
+        <p:spPr>
+          <a:xfrm>
+            <a:off x="6279781" y="1884361"/>
+            <a:ext cx="4987776" cy="4850691"/>
+          </a:xfrm>
+          <a:prstGeom prst="rect">
+            <a:avLst/>
+          </a:prstGeom>
+        </p:spPr>
+      </p:pic>
     </p:spTree>
     <p:extLst>
       <p:ext uri="{BB962C8B-B14F-4D97-AF65-F5344CB8AC3E}">
@@ -12530,7 +13445,7 @@
                 <a:ea typeface="+mn-lt"/>
                 <a:cs typeface="+mn-lt"/>
               </a:rPr>
-              <a:t>has not been previously correlated </a:t>
+              <a:t>has not been previously contacted </a:t>
             </a:r>
             <a:r>
               <a:rPr lang="en-US" sz="1200" dirty="0" err="1">
@@ -12557,7 +13472,7 @@
                 <a:ea typeface="+mn-lt"/>
                 <a:cs typeface="+mn-lt"/>
               </a:rPr>
-              <a:t>0. Apart from that the features appear independent.</a:t>
+              <a:t>0. </a:t>
             </a:r>
           </a:p>
         </p:txBody>
@@ -12622,37 +13537,32 @@
       </p:sp>
       <p:pic>
         <p:nvPicPr>
-          <p:cNvPr id="5" name="Content Placeholder 4">
+          <p:cNvPr id="3" name="Picture 2">
             <a:extLst>
               <a:ext uri="{FF2B5EF4-FFF2-40B4-BE49-F238E27FC236}">
-                <a16:creationId xmlns:a16="http://schemas.microsoft.com/office/drawing/2014/main" id="{B77DC4AB-8679-44D5-8BFA-6B26B48A2E9C}"/>
+                <a16:creationId xmlns:a16="http://schemas.microsoft.com/office/drawing/2014/main" id="{9632EEEE-5CB4-4294-80F9-CABDB5506690}"/>
               </a:ext>
             </a:extLst>
           </p:cNvPr>
           <p:cNvPicPr>
-            <a:picLocks noGrp="1" noChangeAspect="1"/>
+            <a:picLocks noChangeAspect="1"/>
           </p:cNvPicPr>
-          <p:nvPr>
-            <p:ph idx="1"/>
-          </p:nvPr>
+          <p:nvPr/>
         </p:nvPicPr>
         <p:blipFill>
-          <a:blip r:embed="rId2">
-            <a:extLst>
-              <a:ext uri="{28A0092B-C50C-407E-A947-70E740481C1C}">
-                <a14:useLocalDpi xmlns:a14="http://schemas.microsoft.com/office/drawing/2010/main" val="0"/>
-              </a:ext>
-            </a:extLst>
-          </a:blip>
+          <a:blip r:embed="rId2"/>
           <a:stretch>
             <a:fillRect/>
           </a:stretch>
         </p:blipFill>
         <p:spPr>
           <a:xfrm>
-            <a:off x="1828800" y="1554480"/>
-            <a:ext cx="8229602" cy="4937760"/>
+            <a:off x="2251246" y="1481006"/>
+            <a:ext cx="7772400" cy="5209104"/>
           </a:xfrm>
+          <a:prstGeom prst="rect">
+            <a:avLst/>
+          </a:prstGeom>
         </p:spPr>
       </p:pic>
     </p:spTree>
@@ -12743,8 +13653,8 @@
         </p:blipFill>
         <p:spPr>
           <a:xfrm>
-            <a:off x="1828800" y="1554480"/>
-            <a:ext cx="8229600" cy="4937760"/>
+            <a:off x="2014537" y="1506855"/>
+            <a:ext cx="8686800" cy="5212080"/>
           </a:xfrm>
         </p:spPr>
       </p:pic>
@@ -12801,7 +13711,7 @@
           <a:p>
             <a:r>
               <a:rPr lang="en-US" dirty="0"/>
-              <a:t>Conversion Rate : </a:t>
+              <a:t>Conversion Rate : Previously Contacted</a:t>
             </a:r>
           </a:p>
         </p:txBody>
@@ -12836,11 +13746,125 @@
         </p:blipFill>
         <p:spPr>
           <a:xfrm>
-            <a:off x="1828800" y="1463040"/>
-            <a:ext cx="8229600" cy="4937759"/>
+            <a:off x="1709737" y="1434465"/>
+            <a:ext cx="8701088" cy="5220652"/>
           </a:xfrm>
         </p:spPr>
       </p:pic>
+      <p:sp>
+        <p:nvSpPr>
+          <p:cNvPr id="3" name="Rectangle 1">
+            <a:extLst>
+              <a:ext uri="{FF2B5EF4-FFF2-40B4-BE49-F238E27FC236}">
+                <a16:creationId xmlns:a16="http://schemas.microsoft.com/office/drawing/2014/main" id="{F2D8DF16-DB55-4A6D-95ED-91CB88479A1E}"/>
+              </a:ext>
+            </a:extLst>
+          </p:cNvPr>
+          <p:cNvSpPr>
+            <a:spLocks noChangeArrowheads="1"/>
+          </p:cNvSpPr>
+          <p:nvPr/>
+        </p:nvSpPr>
+        <p:spPr bwMode="auto">
+          <a:xfrm>
+            <a:off x="0" y="0"/>
+            <a:ext cx="12192000" cy="457200"/>
+          </a:xfrm>
+          <a:prstGeom prst="rect">
+            <a:avLst/>
+          </a:prstGeom>
+          <a:solidFill>
+            <a:srgbClr val="EFF0F1"/>
+          </a:solidFill>
+          <a:ln>
+            <a:noFill/>
+          </a:ln>
+          <a:effectLst/>
+          <a:extLst>
+            <a:ext uri="{91240B29-F687-4F45-9708-019B960494DF}">
+              <a14:hiddenLine xmlns:a14="http://schemas.microsoft.com/office/drawing/2010/main" w="9525">
+                <a:solidFill>
+                  <a:schemeClr val="tx1"/>
+                </a:solidFill>
+                <a:miter lim="800000"/>
+                <a:headEnd/>
+                <a:tailEnd/>
+              </a14:hiddenLine>
+            </a:ext>
+            <a:ext uri="{AF507438-7753-43E0-B8FC-AC1667EBCBE1}">
+              <a14:hiddenEffects xmlns:a14="http://schemas.microsoft.com/office/drawing/2010/main">
+                <a:effectLst>
+                  <a:outerShdw dist="35921" dir="2700000" algn="ctr" rotWithShape="0">
+                    <a:schemeClr val="bg2"/>
+                  </a:outerShdw>
+                </a:effectLst>
+              </a14:hiddenEffects>
+            </a:ext>
+          </a:extLst>
+        </p:spPr>
+        <p:txBody>
+          <a:bodyPr vert="horz" wrap="none" lIns="0" tIns="0" rIns="0" bIns="0" numCol="1" anchor="ctr" anchorCtr="0" compatLnSpc="1">
+            <a:prstTxWarp prst="textNoShape">
+              <a:avLst/>
+            </a:prstTxWarp>
+            <a:spAutoFit/>
+          </a:bodyPr>
+          <a:lstStyle/>
+          <a:p>
+            <a:pPr marL="0" marR="0" lvl="0" indent="0" algn="l" defTabSz="914400" rtl="0" eaLnBrk="0" fontAlgn="base" latinLnBrk="0" hangingPunct="0">
+              <a:lnSpc>
+                <a:spcPct val="100000"/>
+              </a:lnSpc>
+              <a:spcBef>
+                <a:spcPct val="0"/>
+              </a:spcBef>
+              <a:spcAft>
+                <a:spcPct val="0"/>
+              </a:spcAft>
+              <a:buClrTx/>
+              <a:buSzTx/>
+              <a:buFontTx/>
+              <a:buNone/>
+              <a:tabLst/>
+            </a:pPr>
+            <a:r>
+              <a:rPr kumimoji="0" lang="en-US" altLang="en-US" sz="900" b="0" i="0" u="none" strike="noStrike" cap="none" normalizeH="0" baseline="0">
+                <a:ln>
+                  <a:noFill/>
+                </a:ln>
+                <a:solidFill>
+                  <a:srgbClr val="303336"/>
+                </a:solidFill>
+                <a:effectLst/>
+                <a:latin typeface="inherit"/>
+              </a:rPr>
+              <a:t>legend.remove()</a:t>
+            </a:r>
+            <a:r>
+              <a:rPr kumimoji="0" lang="en-US" altLang="en-US" sz="400" b="0" i="0" u="none" strike="noStrike" cap="none" normalizeH="0" baseline="0">
+                <a:ln>
+                  <a:noFill/>
+                </a:ln>
+                <a:solidFill>
+                  <a:schemeClr val="tx1"/>
+                </a:solidFill>
+                <a:effectLst/>
+              </a:rPr>
+              <a:t> </a:t>
+            </a:r>
+            <a:endParaRPr kumimoji="0" lang="en-US" altLang="en-US" sz="1800" b="0" i="0" u="none" strike="noStrike" cap="none" normalizeH="0" baseline="0">
+              <a:ln>
+                <a:noFill/>
+              </a:ln>
+              <a:solidFill>
+                <a:schemeClr val="tx1"/>
+              </a:solidFill>
+              <a:effectLst/>
+              <a:latin typeface="Arial" panose="020B0604020202020204" pitchFamily="34" charset="0"/>
+            </a:endParaRPr>
+          </a:p>
+        </p:txBody>
+      </p:sp>
     </p:spTree>
     <p:extLst>
       <p:ext uri="{BB962C8B-B14F-4D97-AF65-F5344CB8AC3E}">
@@ -12942,7 +13966,7 @@
           <a:p>
             <a:r>
               <a:rPr lang="en-US" dirty="0"/>
-              <a:t> Transformed several continuous variables to categorical</a:t>
+              <a:t> Transformed several numerical variables to categorical</a:t>
             </a:r>
           </a:p>
         </p:txBody>
@@ -12969,8 +13993,8 @@
         </p:blipFill>
         <p:spPr>
           <a:xfrm>
-            <a:off x="163286" y="4062781"/>
-            <a:ext cx="12192000" cy="2585980"/>
+            <a:off x="163286" y="4146549"/>
+            <a:ext cx="11797058" cy="2502211"/>
           </a:xfrm>
           <a:prstGeom prst="rect">
             <a:avLst/>
